--- a/android.pptx
+++ b/android.pptx
@@ -47,7 +47,10 @@
     <p:sldId id="292" r:id="rId41"/>
     <p:sldId id="296" r:id="rId42"/>
     <p:sldId id="297" r:id="rId43"/>
-    <p:sldId id="298" r:id="rId44"/>
+    <p:sldId id="299" r:id="rId44"/>
+    <p:sldId id="300" r:id="rId45"/>
+    <p:sldId id="301" r:id="rId46"/>
+    <p:sldId id="298" r:id="rId47"/>
   </p:sldIdLst>
   <p:sldSz cx="9144000" cy="6858000" type="screen4x3"/>
   <p:notesSz cx="6858000" cy="9144000"/>
@@ -330,7 +333,7 @@
           <a:p>
             <a:fld id="{6E019F36-BB36-5640-A629-8C31A03F64E5}" type="datetimeFigureOut">
               <a:rPr lang="en-US" smtClean="0"/>
-              <a:t>1/25/12</a:t>
+              <a:t>1/26/12</a:t>
             </a:fld>
             <a:endParaRPr lang="en-US"/>
           </a:p>
@@ -500,7 +503,7 @@
           <a:p>
             <a:fld id="{6E019F36-BB36-5640-A629-8C31A03F64E5}" type="datetimeFigureOut">
               <a:rPr lang="en-US" smtClean="0"/>
-              <a:t>1/25/12</a:t>
+              <a:t>1/26/12</a:t>
             </a:fld>
             <a:endParaRPr lang="en-US"/>
           </a:p>
@@ -680,7 +683,7 @@
           <a:p>
             <a:fld id="{6E019F36-BB36-5640-A629-8C31A03F64E5}" type="datetimeFigureOut">
               <a:rPr lang="en-US" smtClean="0"/>
-              <a:t>1/25/12</a:t>
+              <a:t>1/26/12</a:t>
             </a:fld>
             <a:endParaRPr lang="en-US"/>
           </a:p>
@@ -850,7 +853,7 @@
           <a:p>
             <a:fld id="{6E019F36-BB36-5640-A629-8C31A03F64E5}" type="datetimeFigureOut">
               <a:rPr lang="en-US" smtClean="0"/>
-              <a:t>1/25/12</a:t>
+              <a:t>1/26/12</a:t>
             </a:fld>
             <a:endParaRPr lang="en-US"/>
           </a:p>
@@ -1096,7 +1099,7 @@
           <a:p>
             <a:fld id="{6E019F36-BB36-5640-A629-8C31A03F64E5}" type="datetimeFigureOut">
               <a:rPr lang="en-US" smtClean="0"/>
-              <a:t>1/25/12</a:t>
+              <a:t>1/26/12</a:t>
             </a:fld>
             <a:endParaRPr lang="en-US"/>
           </a:p>
@@ -1384,7 +1387,7 @@
           <a:p>
             <a:fld id="{6E019F36-BB36-5640-A629-8C31A03F64E5}" type="datetimeFigureOut">
               <a:rPr lang="en-US" smtClean="0"/>
-              <a:t>1/25/12</a:t>
+              <a:t>1/26/12</a:t>
             </a:fld>
             <a:endParaRPr lang="en-US"/>
           </a:p>
@@ -1806,7 +1809,7 @@
           <a:p>
             <a:fld id="{6E019F36-BB36-5640-A629-8C31A03F64E5}" type="datetimeFigureOut">
               <a:rPr lang="en-US" smtClean="0"/>
-              <a:t>1/25/12</a:t>
+              <a:t>1/26/12</a:t>
             </a:fld>
             <a:endParaRPr lang="en-US"/>
           </a:p>
@@ -1924,7 +1927,7 @@
           <a:p>
             <a:fld id="{6E019F36-BB36-5640-A629-8C31A03F64E5}" type="datetimeFigureOut">
               <a:rPr lang="en-US" smtClean="0"/>
-              <a:t>1/25/12</a:t>
+              <a:t>1/26/12</a:t>
             </a:fld>
             <a:endParaRPr lang="en-US"/>
           </a:p>
@@ -2019,7 +2022,7 @@
           <a:p>
             <a:fld id="{6E019F36-BB36-5640-A629-8C31A03F64E5}" type="datetimeFigureOut">
               <a:rPr lang="en-US" smtClean="0"/>
-              <a:t>1/25/12</a:t>
+              <a:t>1/26/12</a:t>
             </a:fld>
             <a:endParaRPr lang="en-US"/>
           </a:p>
@@ -2296,7 +2299,7 @@
           <a:p>
             <a:fld id="{6E019F36-BB36-5640-A629-8C31A03F64E5}" type="datetimeFigureOut">
               <a:rPr lang="en-US" smtClean="0"/>
-              <a:t>1/25/12</a:t>
+              <a:t>1/26/12</a:t>
             </a:fld>
             <a:endParaRPr lang="en-US"/>
           </a:p>
@@ -2549,7 +2552,7 @@
           <a:p>
             <a:fld id="{6E019F36-BB36-5640-A629-8C31A03F64E5}" type="datetimeFigureOut">
               <a:rPr lang="en-US" smtClean="0"/>
-              <a:t>1/25/12</a:t>
+              <a:t>1/26/12</a:t>
             </a:fld>
             <a:endParaRPr lang="en-US"/>
           </a:p>
@@ -2762,7 +2765,7 @@
           <a:p>
             <a:fld id="{6E019F36-BB36-5640-A629-8C31A03F64E5}" type="datetimeFigureOut">
               <a:rPr lang="en-US" smtClean="0"/>
-              <a:t>1/25/12</a:t>
+              <a:t>1/26/12</a:t>
             </a:fld>
             <a:endParaRPr lang="en-US"/>
           </a:p>
@@ -8723,7 +8726,25 @@
           <a:bodyPr/>
           <a:lstStyle/>
           <a:p>
-            <a:endParaRPr lang="en-US"/>
+            <a:r>
+              <a:rPr lang="en-US" dirty="0" err="1" smtClean="0"/>
+              <a:t>MapView</a:t>
+            </a:r>
+            <a:endParaRPr lang="en-US" dirty="0" smtClean="0"/>
+          </a:p>
+          <a:p>
+            <a:r>
+              <a:rPr lang="en-US" dirty="0" err="1" smtClean="0"/>
+              <a:t>MapActivity</a:t>
+            </a:r>
+            <a:endParaRPr lang="en-US" dirty="0" smtClean="0"/>
+          </a:p>
+          <a:p>
+            <a:r>
+              <a:rPr lang="en-US" dirty="0" err="1" smtClean="0"/>
+              <a:t>Geocoder</a:t>
+            </a:r>
+            <a:endParaRPr lang="en-US" dirty="0"/>
           </a:p>
         </p:txBody>
       </p:sp>
@@ -8774,31 +8795,447 @@
           <a:p>
             <a:r>
               <a:rPr lang="en-US" dirty="0" smtClean="0"/>
+              <a:t>Get API Key</a:t>
+            </a:r>
+            <a:endParaRPr lang="en-US" dirty="0"/>
+          </a:p>
+        </p:txBody>
+      </p:sp>
+      <p:sp>
+        <p:nvSpPr>
+          <p:cNvPr id="3" name="Content Placeholder 2"/>
+          <p:cNvSpPr>
+            <a:spLocks noGrp="1"/>
+          </p:cNvSpPr>
+          <p:nvPr>
+            <p:ph idx="1"/>
+          </p:nvPr>
+        </p:nvSpPr>
+        <p:spPr/>
+        <p:txBody>
+          <a:bodyPr>
+            <a:normAutofit lnSpcReduction="10000"/>
+          </a:bodyPr>
+          <a:lstStyle/>
+          <a:p>
+            <a:pPr marL="0" indent="0">
+              <a:buNone/>
+            </a:pPr>
+            <a:r>
+              <a:rPr lang="en-US" sz="2800" dirty="0">
+                <a:cs typeface="Lucida Console"/>
+                <a:hlinkClick r:id="rId2"/>
+              </a:rPr>
+              <a:t>http://code.google.com/android/maps-api-</a:t>
+            </a:r>
+            <a:r>
+              <a:rPr lang="en-US" sz="2800" dirty="0" smtClean="0">
+                <a:cs typeface="Lucida Console"/>
+                <a:hlinkClick r:id="rId2"/>
+              </a:rPr>
+              <a:t>signup.html</a:t>
+            </a:r>
+            <a:endParaRPr lang="en-US" sz="2800" dirty="0" smtClean="0">
+              <a:cs typeface="Lucida Console"/>
+            </a:endParaRPr>
+          </a:p>
+          <a:p>
+            <a:pPr marL="0" indent="0">
+              <a:buNone/>
+            </a:pPr>
+            <a:endParaRPr lang="en-US" sz="2400" dirty="0">
+              <a:cs typeface="Lucida Console"/>
+            </a:endParaRPr>
+          </a:p>
+          <a:p>
+            <a:pPr marL="0" indent="0">
+              <a:buNone/>
+            </a:pPr>
+            <a:r>
+              <a:rPr lang="en-US" sz="2400" dirty="0" err="1" smtClean="0">
+                <a:latin typeface="Lucida Console"/>
+                <a:cs typeface="Lucida Console"/>
+              </a:rPr>
+              <a:t>keytool</a:t>
+            </a:r>
+            <a:r>
+              <a:rPr lang="en-US" sz="2400" dirty="0" smtClean="0">
+                <a:latin typeface="Lucida Console"/>
+                <a:cs typeface="Lucida Console"/>
+              </a:rPr>
+              <a:t> </a:t>
+            </a:r>
+            <a:r>
+              <a:rPr lang="en-US" sz="2400" dirty="0">
+                <a:latin typeface="Lucida Console"/>
+                <a:cs typeface="Lucida Console"/>
+              </a:rPr>
+              <a:t>-list -alias </a:t>
+            </a:r>
+            <a:r>
+              <a:rPr lang="en-US" sz="2400" dirty="0" err="1">
+                <a:latin typeface="Lucida Console"/>
+                <a:cs typeface="Lucida Console"/>
+              </a:rPr>
+              <a:t>androiddebugkey</a:t>
+            </a:r>
+            <a:r>
+              <a:rPr lang="en-US" sz="2400" dirty="0">
+                <a:latin typeface="Lucida Console"/>
+                <a:cs typeface="Lucida Console"/>
+              </a:rPr>
+              <a:t> -</a:t>
+            </a:r>
+            <a:r>
+              <a:rPr lang="en-US" sz="2400" dirty="0" err="1">
+                <a:latin typeface="Lucida Console"/>
+                <a:cs typeface="Lucida Console"/>
+              </a:rPr>
+              <a:t>keystore</a:t>
+            </a:r>
+            <a:r>
+              <a:rPr lang="en-US" sz="2400" dirty="0">
+                <a:latin typeface="Lucida Console"/>
+                <a:cs typeface="Lucida Console"/>
+              </a:rPr>
+              <a:t> </a:t>
+            </a:r>
+            <a:r>
+              <a:rPr lang="en-US" sz="2400" dirty="0" smtClean="0">
+                <a:latin typeface="Lucida Console"/>
+                <a:cs typeface="Lucida Console"/>
+              </a:rPr>
+              <a:t>”/full/path/</a:t>
+            </a:r>
+            <a:r>
+              <a:rPr lang="en-US" sz="2400" dirty="0">
+                <a:latin typeface="Lucida Console"/>
+                <a:cs typeface="Lucida Console"/>
+              </a:rPr>
+              <a:t>learn-android/</a:t>
+            </a:r>
+            <a:r>
+              <a:rPr lang="en-US" sz="2400" dirty="0" err="1">
+                <a:latin typeface="Lucida Console"/>
+                <a:cs typeface="Lucida Console"/>
+              </a:rPr>
+              <a:t>debug.keystore</a:t>
+            </a:r>
+            <a:r>
+              <a:rPr lang="en-US" sz="2400" dirty="0">
+                <a:latin typeface="Lucida Console"/>
+                <a:cs typeface="Lucida Console"/>
+              </a:rPr>
+              <a:t>" -</a:t>
+            </a:r>
+            <a:r>
+              <a:rPr lang="en-US" sz="2400" dirty="0" err="1">
+                <a:latin typeface="Lucida Console"/>
+                <a:cs typeface="Lucida Console"/>
+              </a:rPr>
+              <a:t>storepass</a:t>
+            </a:r>
+            <a:r>
+              <a:rPr lang="en-US" sz="2400" dirty="0">
+                <a:latin typeface="Lucida Console"/>
+                <a:cs typeface="Lucida Console"/>
+              </a:rPr>
+              <a:t> android -</a:t>
+            </a:r>
+            <a:r>
+              <a:rPr lang="en-US" sz="2400" dirty="0" err="1">
+                <a:latin typeface="Lucida Console"/>
+                <a:cs typeface="Lucida Console"/>
+              </a:rPr>
+              <a:t>keypass</a:t>
+            </a:r>
+            <a:r>
+              <a:rPr lang="en-US" sz="2400" dirty="0">
+                <a:latin typeface="Lucida Console"/>
+                <a:cs typeface="Lucida Console"/>
+              </a:rPr>
+              <a:t> </a:t>
+            </a:r>
+            <a:r>
+              <a:rPr lang="en-US" sz="2400" dirty="0" smtClean="0">
+                <a:latin typeface="Lucida Console"/>
+                <a:cs typeface="Lucida Console"/>
+              </a:rPr>
+              <a:t>android</a:t>
+            </a:r>
+          </a:p>
+          <a:p>
+            <a:pPr marL="0" indent="0">
+              <a:buNone/>
+            </a:pPr>
+            <a:endParaRPr lang="en-US" sz="2400" dirty="0">
+              <a:latin typeface="Lucida Console"/>
+              <a:cs typeface="Lucida Console"/>
+            </a:endParaRPr>
+          </a:p>
+          <a:p>
+            <a:pPr marL="0" indent="0">
+              <a:buNone/>
+            </a:pPr>
+            <a:r>
+              <a:rPr lang="en-US" sz="2400" dirty="0" err="1">
+                <a:latin typeface="Lucida Console"/>
+                <a:cs typeface="Lucida Console"/>
+              </a:rPr>
+              <a:t>androiddebugkey</a:t>
+            </a:r>
+            <a:r>
+              <a:rPr lang="en-US" sz="2400" dirty="0">
+                <a:latin typeface="Lucida Console"/>
+                <a:cs typeface="Lucida Console"/>
+              </a:rPr>
+              <a:t>, Sep 4, 2011, </a:t>
+            </a:r>
+            <a:r>
+              <a:rPr lang="en-US" sz="2400" dirty="0" err="1">
+                <a:latin typeface="Lucida Console"/>
+                <a:cs typeface="Lucida Console"/>
+              </a:rPr>
+              <a:t>PrivateKeyEntry</a:t>
+            </a:r>
+            <a:r>
+              <a:rPr lang="en-US" sz="2400" dirty="0">
+                <a:latin typeface="Lucida Console"/>
+                <a:cs typeface="Lucida Console"/>
+              </a:rPr>
+              <a:t>, </a:t>
+            </a:r>
+          </a:p>
+          <a:p>
+            <a:pPr marL="0" indent="0">
+              <a:buNone/>
+            </a:pPr>
+            <a:r>
+              <a:rPr lang="en-US" sz="2400" dirty="0">
+                <a:latin typeface="Lucida Console"/>
+                <a:cs typeface="Lucida Console"/>
+              </a:rPr>
+              <a:t>Certificate fingerprint (MD5): 70:3C:3D:A9:52:2B:73:9E:E1:81:B4:DD:B9:5B:F6:F8</a:t>
+            </a:r>
+          </a:p>
+        </p:txBody>
+      </p:sp>
+    </p:spTree>
+    <p:extLst>
+      <p:ext uri="{BB962C8B-B14F-4D97-AF65-F5344CB8AC3E}">
+        <p14:creationId xmlns:p14="http://schemas.microsoft.com/office/powerpoint/2010/main" val="381961892"/>
+      </p:ext>
+    </p:extLst>
+  </p:cSld>
+  <p:clrMapOvr>
+    <a:masterClrMapping/>
+  </p:clrMapOvr>
+</p:sld>
+</file>
+
+<file path=ppt/slides/slide44.xml><?xml version="1.0" encoding="utf-8"?>
+<p:sld xmlns:a="http://schemas.openxmlformats.org/drawingml/2006/main" xmlns:r="http://schemas.openxmlformats.org/officeDocument/2006/relationships" xmlns:p="http://schemas.openxmlformats.org/presentationml/2006/main">
+  <p:cSld>
+    <p:spTree>
+      <p:nvGrpSpPr>
+        <p:cNvPr id="1" name=""/>
+        <p:cNvGrpSpPr/>
+        <p:nvPr/>
+      </p:nvGrpSpPr>
+      <p:grpSpPr>
+        <a:xfrm>
+          <a:off x="0" y="0"/>
+          <a:ext cx="0" cy="0"/>
+          <a:chOff x="0" y="0"/>
+          <a:chExt cx="0" cy="0"/>
+        </a:xfrm>
+      </p:grpSpPr>
+      <p:sp>
+        <p:nvSpPr>
+          <p:cNvPr id="2" name="Title 1"/>
+          <p:cNvSpPr>
+            <a:spLocks noGrp="1"/>
+          </p:cNvSpPr>
+          <p:nvPr>
+            <p:ph type="title"/>
+          </p:nvPr>
+        </p:nvSpPr>
+        <p:spPr/>
+        <p:txBody>
+          <a:bodyPr/>
+          <a:lstStyle/>
+          <a:p>
+            <a:r>
+              <a:rPr lang="en-US" dirty="0" smtClean="0"/>
+              <a:t>Install APIs</a:t>
+            </a:r>
+            <a:endParaRPr lang="en-US" dirty="0"/>
+          </a:p>
+        </p:txBody>
+      </p:sp>
+      <p:pic>
+        <p:nvPicPr>
+          <p:cNvPr id="5" name="Content Placeholder 4"/>
+          <p:cNvPicPr>
+            <a:picLocks noGrp="1" noChangeAspect="1"/>
+          </p:cNvPicPr>
+          <p:nvPr>
+            <p:ph idx="1"/>
+          </p:nvPr>
+        </p:nvPicPr>
+        <p:blipFill>
+          <a:blip r:embed="rId2"/>
+          <a:srcRect l="-7950" r="-7950"/>
+          <a:stretch>
+            <a:fillRect/>
+          </a:stretch>
+        </p:blipFill>
+        <p:spPr/>
+      </p:pic>
+    </p:spTree>
+    <p:extLst>
+      <p:ext uri="{BB962C8B-B14F-4D97-AF65-F5344CB8AC3E}">
+        <p14:creationId xmlns:p14="http://schemas.microsoft.com/office/powerpoint/2010/main" val="1979800442"/>
+      </p:ext>
+    </p:extLst>
+  </p:cSld>
+  <p:clrMapOvr>
+    <a:masterClrMapping/>
+  </p:clrMapOvr>
+</p:sld>
+</file>
+
+<file path=ppt/slides/slide45.xml><?xml version="1.0" encoding="utf-8"?>
+<p:sld xmlns:a="http://schemas.openxmlformats.org/drawingml/2006/main" xmlns:r="http://schemas.openxmlformats.org/officeDocument/2006/relationships" xmlns:p="http://schemas.openxmlformats.org/presentationml/2006/main">
+  <p:cSld>
+    <p:spTree>
+      <p:nvGrpSpPr>
+        <p:cNvPr id="1" name=""/>
+        <p:cNvGrpSpPr/>
+        <p:nvPr/>
+      </p:nvGrpSpPr>
+      <p:grpSpPr>
+        <a:xfrm>
+          <a:off x="0" y="0"/>
+          <a:ext cx="0" cy="0"/>
+          <a:chOff x="0" y="0"/>
+          <a:chExt cx="0" cy="0"/>
+        </a:xfrm>
+      </p:grpSpPr>
+      <p:sp>
+        <p:nvSpPr>
+          <p:cNvPr id="2" name="Title 1"/>
+          <p:cNvSpPr>
+            <a:spLocks noGrp="1"/>
+          </p:cNvSpPr>
+          <p:nvPr>
+            <p:ph type="title"/>
+          </p:nvPr>
+        </p:nvSpPr>
+        <p:spPr/>
+        <p:txBody>
+          <a:bodyPr/>
+          <a:lstStyle/>
+          <a:p>
+            <a:r>
+              <a:rPr lang="en-US" dirty="0" smtClean="0"/>
+              <a:t>Change Build Target</a:t>
+            </a:r>
+            <a:endParaRPr lang="en-US" dirty="0"/>
+          </a:p>
+        </p:txBody>
+      </p:sp>
+      <p:pic>
+        <p:nvPicPr>
+          <p:cNvPr id="4" name="Content Placeholder 3"/>
+          <p:cNvPicPr>
+            <a:picLocks noGrp="1" noChangeAspect="1"/>
+          </p:cNvPicPr>
+          <p:nvPr>
+            <p:ph idx="1"/>
+          </p:nvPr>
+        </p:nvPicPr>
+        <p:blipFill>
+          <a:blip r:embed="rId2"/>
+          <a:srcRect l="-28777" r="-28777"/>
+          <a:stretch>
+            <a:fillRect/>
+          </a:stretch>
+        </p:blipFill>
+        <p:spPr/>
+      </p:pic>
+    </p:spTree>
+    <p:extLst>
+      <p:ext uri="{BB962C8B-B14F-4D97-AF65-F5344CB8AC3E}">
+        <p14:creationId xmlns:p14="http://schemas.microsoft.com/office/powerpoint/2010/main" val="359167342"/>
+      </p:ext>
+    </p:extLst>
+  </p:cSld>
+  <p:clrMapOvr>
+    <a:masterClrMapping/>
+  </p:clrMapOvr>
+</p:sld>
+</file>
+
+<file path=ppt/slides/slide46.xml><?xml version="1.0" encoding="utf-8"?>
+<p:sld xmlns:a="http://schemas.openxmlformats.org/drawingml/2006/main" xmlns:r="http://schemas.openxmlformats.org/officeDocument/2006/relationships" xmlns:p="http://schemas.openxmlformats.org/presentationml/2006/main">
+  <p:cSld>
+    <p:spTree>
+      <p:nvGrpSpPr>
+        <p:cNvPr id="1" name=""/>
+        <p:cNvGrpSpPr/>
+        <p:nvPr/>
+      </p:nvGrpSpPr>
+      <p:grpSpPr>
+        <a:xfrm>
+          <a:off x="0" y="0"/>
+          <a:ext cx="0" cy="0"/>
+          <a:chOff x="0" y="0"/>
+          <a:chExt cx="0" cy="0"/>
+        </a:xfrm>
+      </p:grpSpPr>
+      <p:sp>
+        <p:nvSpPr>
+          <p:cNvPr id="2" name="Title 1"/>
+          <p:cNvSpPr>
+            <a:spLocks noGrp="1"/>
+          </p:cNvSpPr>
+          <p:nvPr>
+            <p:ph type="title"/>
+          </p:nvPr>
+        </p:nvSpPr>
+        <p:spPr/>
+        <p:txBody>
+          <a:bodyPr/>
+          <a:lstStyle/>
+          <a:p>
+            <a:r>
+              <a:rPr lang="en-US" dirty="0" smtClean="0"/>
               <a:t>Lab 5</a:t>
             </a:r>
             <a:endParaRPr lang="en-US" dirty="0"/>
           </a:p>
         </p:txBody>
       </p:sp>
-      <p:sp>
-        <p:nvSpPr>
-          <p:cNvPr id="3" name="Content Placeholder 2"/>
-          <p:cNvSpPr>
-            <a:spLocks noGrp="1"/>
-          </p:cNvSpPr>
+      <p:pic>
+        <p:nvPicPr>
+          <p:cNvPr id="4" name="Content Placeholder 3"/>
+          <p:cNvPicPr>
+            <a:picLocks noGrp="1" noChangeAspect="1"/>
+          </p:cNvPicPr>
           <p:nvPr>
             <p:ph idx="1"/>
           </p:nvPr>
-        </p:nvSpPr>
-        <p:spPr/>
-        <p:txBody>
-          <a:bodyPr/>
-          <a:lstStyle/>
-          <a:p>
-            <a:endParaRPr lang="en-US"/>
-          </a:p>
-        </p:txBody>
-      </p:sp>
+        </p:nvPicPr>
+        <p:blipFill>
+          <a:blip r:embed="rId2"/>
+          <a:srcRect l="-100103" r="-100103"/>
+          <a:stretch>
+            <a:fillRect/>
+          </a:stretch>
+        </p:blipFill>
+        <p:spPr/>
+      </p:pic>
     </p:spTree>
     <p:extLst>
       <p:ext uri="{BB962C8B-B14F-4D97-AF65-F5344CB8AC3E}">

--- a/android.pptx
+++ b/android.pptx
@@ -6,51 +6,53 @@
   </p:sldMasterIdLst>
   <p:sldIdLst>
     <p:sldId id="256" r:id="rId2"/>
-    <p:sldId id="257" r:id="rId3"/>
-    <p:sldId id="261" r:id="rId4"/>
-    <p:sldId id="258" r:id="rId5"/>
-    <p:sldId id="259" r:id="rId6"/>
-    <p:sldId id="260" r:id="rId7"/>
-    <p:sldId id="262" r:id="rId8"/>
-    <p:sldId id="269" r:id="rId9"/>
-    <p:sldId id="270" r:id="rId10"/>
-    <p:sldId id="267" r:id="rId11"/>
-    <p:sldId id="268" r:id="rId12"/>
-    <p:sldId id="265" r:id="rId13"/>
-    <p:sldId id="266" r:id="rId14"/>
-    <p:sldId id="271" r:id="rId15"/>
-    <p:sldId id="275" r:id="rId16"/>
-    <p:sldId id="273" r:id="rId17"/>
-    <p:sldId id="274" r:id="rId18"/>
-    <p:sldId id="263" r:id="rId19"/>
-    <p:sldId id="277" r:id="rId20"/>
-    <p:sldId id="264" r:id="rId21"/>
-    <p:sldId id="279" r:id="rId22"/>
-    <p:sldId id="278" r:id="rId23"/>
-    <p:sldId id="272" r:id="rId24"/>
-    <p:sldId id="280" r:id="rId25"/>
-    <p:sldId id="281" r:id="rId26"/>
-    <p:sldId id="282" r:id="rId27"/>
-    <p:sldId id="283" r:id="rId28"/>
-    <p:sldId id="276" r:id="rId29"/>
-    <p:sldId id="285" r:id="rId30"/>
-    <p:sldId id="286" r:id="rId31"/>
-    <p:sldId id="287" r:id="rId32"/>
-    <p:sldId id="288" r:id="rId33"/>
-    <p:sldId id="289" r:id="rId34"/>
-    <p:sldId id="284" r:id="rId35"/>
-    <p:sldId id="290" r:id="rId36"/>
-    <p:sldId id="291" r:id="rId37"/>
-    <p:sldId id="293" r:id="rId38"/>
-    <p:sldId id="294" r:id="rId39"/>
-    <p:sldId id="295" r:id="rId40"/>
-    <p:sldId id="292" r:id="rId41"/>
-    <p:sldId id="296" r:id="rId42"/>
-    <p:sldId id="297" r:id="rId43"/>
-    <p:sldId id="299" r:id="rId44"/>
-    <p:sldId id="300" r:id="rId45"/>
-    <p:sldId id="301" r:id="rId46"/>
-    <p:sldId id="298" r:id="rId47"/>
+    <p:sldId id="265" r:id="rId3"/>
+    <p:sldId id="302" r:id="rId4"/>
+    <p:sldId id="257" r:id="rId5"/>
+    <p:sldId id="261" r:id="rId6"/>
+    <p:sldId id="258" r:id="rId7"/>
+    <p:sldId id="259" r:id="rId8"/>
+    <p:sldId id="260" r:id="rId9"/>
+    <p:sldId id="262" r:id="rId10"/>
+    <p:sldId id="269" r:id="rId11"/>
+    <p:sldId id="270" r:id="rId12"/>
+    <p:sldId id="267" r:id="rId13"/>
+    <p:sldId id="268" r:id="rId14"/>
+    <p:sldId id="266" r:id="rId15"/>
+    <p:sldId id="271" r:id="rId16"/>
+    <p:sldId id="275" r:id="rId17"/>
+    <p:sldId id="273" r:id="rId18"/>
+    <p:sldId id="274" r:id="rId19"/>
+    <p:sldId id="263" r:id="rId20"/>
+    <p:sldId id="277" r:id="rId21"/>
+    <p:sldId id="264" r:id="rId22"/>
+    <p:sldId id="279" r:id="rId23"/>
+    <p:sldId id="278" r:id="rId24"/>
+    <p:sldId id="272" r:id="rId25"/>
+    <p:sldId id="280" r:id="rId26"/>
+    <p:sldId id="281" r:id="rId27"/>
+    <p:sldId id="282" r:id="rId28"/>
+    <p:sldId id="283" r:id="rId29"/>
+    <p:sldId id="276" r:id="rId30"/>
+    <p:sldId id="285" r:id="rId31"/>
+    <p:sldId id="286" r:id="rId32"/>
+    <p:sldId id="287" r:id="rId33"/>
+    <p:sldId id="288" r:id="rId34"/>
+    <p:sldId id="289" r:id="rId35"/>
+    <p:sldId id="284" r:id="rId36"/>
+    <p:sldId id="290" r:id="rId37"/>
+    <p:sldId id="291" r:id="rId38"/>
+    <p:sldId id="293" r:id="rId39"/>
+    <p:sldId id="294" r:id="rId40"/>
+    <p:sldId id="295" r:id="rId41"/>
+    <p:sldId id="292" r:id="rId42"/>
+    <p:sldId id="296" r:id="rId43"/>
+    <p:sldId id="297" r:id="rId44"/>
+    <p:sldId id="299" r:id="rId45"/>
+    <p:sldId id="303" r:id="rId46"/>
+    <p:sldId id="300" r:id="rId47"/>
+    <p:sldId id="301" r:id="rId48"/>
+    <p:sldId id="298" r:id="rId49"/>
   </p:sldIdLst>
   <p:sldSz cx="9144000" cy="6858000" type="screen4x3"/>
   <p:notesSz cx="6858000" cy="9144000"/>
@@ -3239,7 +3241,7 @@
           <a:p>
             <a:r>
               <a:rPr lang="en-US" dirty="0" smtClean="0"/>
-              <a:t>Android Platform</a:t>
+              <a:t>Books</a:t>
             </a:r>
             <a:endParaRPr lang="en-US" dirty="0"/>
           </a:p>
@@ -3247,7 +3249,7 @@
       </p:sp>
       <p:sp>
         <p:nvSpPr>
-          <p:cNvPr id="3" name="Content Placeholder 2"/>
+          <p:cNvPr id="5" name="Content Placeholder 4"/>
           <p:cNvSpPr>
             <a:spLocks noGrp="1"/>
           </p:cNvSpPr>
@@ -3257,20 +3259,140 @@
         </p:nvSpPr>
         <p:spPr/>
         <p:txBody>
-          <a:bodyPr/>
-          <a:lstStyle/>
-          <a:p>
-            <a:pPr marL="0" indent="0">
-              <a:buNone/>
-            </a:pPr>
-            <a:r>
-              <a:rPr lang="en-US" dirty="0"/>
-              <a:t>Android is a software environment built for mobile devices. It’s not a hardware platform. Android includes a Linux kernel-based OS, a rich UI, end-user applications, code libraries, application frameworks, multimedia </a:t>
-            </a:r>
-            <a:r>
-              <a:rPr lang="en-US" dirty="0" smtClean="0"/>
-              <a:t>support, telephone functionality and more.</a:t>
-            </a:r>
+          <a:bodyPr>
+            <a:normAutofit/>
+          </a:bodyPr>
+          <a:lstStyle/>
+          <a:p>
+            <a:r>
+              <a:rPr lang="en-US" sz="2600" b="1" dirty="0"/>
+              <a:t>Android in Action, Third Edition</a:t>
+            </a:r>
+          </a:p>
+          <a:p>
+            <a:pPr lvl="1"/>
+            <a:r>
+              <a:rPr lang="en-US" sz="2600" dirty="0" smtClean="0"/>
+              <a:t>W</a:t>
+            </a:r>
+            <a:r>
+              <a:rPr lang="en-US" sz="2600" dirty="0"/>
+              <a:t>. Frank </a:t>
+            </a:r>
+            <a:r>
+              <a:rPr lang="en-US" sz="2600" dirty="0" err="1"/>
+              <a:t>Ableson</a:t>
+            </a:r>
+            <a:r>
+              <a:rPr lang="en-US" sz="2600" dirty="0"/>
+              <a:t>; </a:t>
+            </a:r>
+            <a:r>
+              <a:rPr lang="en-US" sz="2600" dirty="0" err="1"/>
+              <a:t>Robi</a:t>
+            </a:r>
+            <a:r>
+              <a:rPr lang="en-US" sz="2600" dirty="0"/>
+              <a:t> </a:t>
+            </a:r>
+            <a:r>
+              <a:rPr lang="en-US" sz="2600" dirty="0" err="1"/>
+              <a:t>Sen</a:t>
+            </a:r>
+            <a:r>
+              <a:rPr lang="en-US" sz="2600" dirty="0"/>
+              <a:t>; Chris King; C. Enrique Ortiz</a:t>
+            </a:r>
+          </a:p>
+          <a:p>
+            <a:r>
+              <a:rPr lang="en-US" sz="2600" b="1" dirty="0"/>
+              <a:t>Pro Android 3</a:t>
+            </a:r>
+          </a:p>
+          <a:p>
+            <a:pPr lvl="1"/>
+            <a:r>
+              <a:rPr lang="en-US" sz="2600" dirty="0" err="1" smtClean="0"/>
+              <a:t>Satya</a:t>
+            </a:r>
+            <a:r>
+              <a:rPr lang="en-US" sz="2600" dirty="0" smtClean="0"/>
+              <a:t> </a:t>
+            </a:r>
+            <a:r>
+              <a:rPr lang="en-US" sz="2600" dirty="0" err="1"/>
+              <a:t>Komatineni</a:t>
+            </a:r>
+            <a:r>
+              <a:rPr lang="en-US" sz="2600" dirty="0"/>
+              <a:t>; Dave MacLean; </a:t>
+            </a:r>
+            <a:r>
+              <a:rPr lang="en-US" sz="2600" dirty="0" err="1"/>
+              <a:t>Sayed</a:t>
+            </a:r>
+            <a:r>
+              <a:rPr lang="en-US" sz="2600" dirty="0"/>
+              <a:t> Y. </a:t>
+            </a:r>
+            <a:r>
+              <a:rPr lang="en-US" sz="2600" dirty="0" err="1"/>
+              <a:t>Hashimi</a:t>
+            </a:r>
+            <a:endParaRPr lang="en-US" sz="2600" dirty="0"/>
+          </a:p>
+          <a:p>
+            <a:r>
+              <a:rPr lang="en-US" sz="2600" b="1" dirty="0"/>
+              <a:t>Learning Android</a:t>
+            </a:r>
+          </a:p>
+          <a:p>
+            <a:pPr lvl="1"/>
+            <a:r>
+              <a:rPr lang="en-US" sz="2600" dirty="0" smtClean="0"/>
+              <a:t>Marko </a:t>
+            </a:r>
+            <a:r>
+              <a:rPr lang="en-US" sz="2600" dirty="0" err="1" smtClean="0"/>
+              <a:t>Gargenta</a:t>
+            </a:r>
+            <a:endParaRPr lang="en-US" sz="2600" dirty="0"/>
+          </a:p>
+          <a:p>
+            <a:r>
+              <a:rPr lang="en-US" sz="2600" b="1" dirty="0" smtClean="0"/>
+              <a:t>Professional Android</a:t>
+            </a:r>
+            <a:r>
+              <a:rPr lang="en-US" sz="2600" b="1" dirty="0"/>
+              <a:t> </a:t>
+            </a:r>
+            <a:r>
+              <a:rPr lang="en-US" sz="2600" b="1" dirty="0" smtClean="0"/>
+              <a:t>2 </a:t>
+            </a:r>
+            <a:r>
+              <a:rPr lang="en-US" sz="2600" b="1" dirty="0"/>
+              <a:t>Application Development</a:t>
+            </a:r>
+          </a:p>
+          <a:p>
+            <a:pPr lvl="1"/>
+            <a:r>
+              <a:rPr lang="en-US" sz="2600" dirty="0" err="1" smtClean="0"/>
+              <a:t>Reto</a:t>
+            </a:r>
+            <a:r>
+              <a:rPr lang="en-US" sz="2600" dirty="0" smtClean="0"/>
+              <a:t> Meier</a:t>
+            </a:r>
+          </a:p>
+          <a:p>
+            <a:endParaRPr lang="en-US" dirty="0"/>
+          </a:p>
+          <a:p>
             <a:endParaRPr lang="en-US" dirty="0"/>
           </a:p>
         </p:txBody>
@@ -3278,7 +3400,7 @@
     </p:spTree>
     <p:extLst>
       <p:ext uri="{BB962C8B-B14F-4D97-AF65-F5344CB8AC3E}">
-        <p14:creationId xmlns:p14="http://schemas.microsoft.com/office/powerpoint/2010/main" val="2524775732"/>
+        <p14:creationId xmlns:p14="http://schemas.microsoft.com/office/powerpoint/2010/main" val="461834404"/>
       </p:ext>
     </p:extLst>
   </p:cSld>
@@ -3322,57 +3444,93 @@
           <a:p>
             <a:r>
               <a:rPr lang="en-US" dirty="0" smtClean="0"/>
-              <a:t>Android Stack</a:t>
+              <a:t>Other Resources</a:t>
             </a:r>
             <a:endParaRPr lang="en-US" dirty="0"/>
           </a:p>
         </p:txBody>
       </p:sp>
-      <p:pic>
-        <p:nvPicPr>
-          <p:cNvPr id="4" name="Content Placeholder 3"/>
-          <p:cNvPicPr>
-            <a:picLocks noGrp="1" noChangeAspect="1"/>
-          </p:cNvPicPr>
+      <p:sp>
+        <p:nvSpPr>
+          <p:cNvPr id="3" name="Content Placeholder 2"/>
+          <p:cNvSpPr>
+            <a:spLocks noGrp="1"/>
+          </p:cNvSpPr>
           <p:nvPr>
             <p:ph idx="1"/>
           </p:nvPr>
-        </p:nvPicPr>
-        <p:blipFill>
-          <a:blip r:embed="rId2"/>
-          <a:srcRect l="-19387" r="-19387"/>
-          <a:stretch>
-            <a:fillRect/>
-          </a:stretch>
-        </p:blipFill>
-        <p:spPr/>
-      </p:pic>
-      <p:sp>
-        <p:nvSpPr>
-          <p:cNvPr id="5" name="TextBox 4"/>
-          <p:cNvSpPr txBox="1"/>
-          <p:nvPr/>
-        </p:nvSpPr>
-        <p:spPr>
-          <a:xfrm>
-            <a:off x="6450791" y="6298755"/>
-            <a:ext cx="2236009" cy="369332"/>
-          </a:xfrm>
-          <a:prstGeom prst="rect">
-            <a:avLst/>
-          </a:prstGeom>
-          <a:noFill/>
-        </p:spPr>
-        <p:txBody>
-          <a:bodyPr wrap="none" rtlCol="0">
-            <a:spAutoFit/>
-          </a:bodyPr>
-          <a:lstStyle/>
-          <a:p>
-            <a:r>
-              <a:rPr lang="en-US" dirty="0" smtClean="0"/>
-              <a:t>Source: Pro Android 3</a:t>
-            </a:r>
+        </p:nvSpPr>
+        <p:spPr/>
+        <p:txBody>
+          <a:bodyPr/>
+          <a:lstStyle/>
+          <a:p>
+            <a:r>
+              <a:rPr lang="en-US" dirty="0" smtClean="0">
+                <a:hlinkClick r:id="rId2"/>
+              </a:rPr>
+              <a:t>http</a:t>
+            </a:r>
+            <a:r>
+              <a:rPr lang="en-US" dirty="0">
+                <a:hlinkClick r:id="rId2"/>
+              </a:rPr>
+              <a:t>://</a:t>
+            </a:r>
+            <a:r>
+              <a:rPr lang="en-US" dirty="0" smtClean="0">
+                <a:hlinkClick r:id="rId2"/>
+              </a:rPr>
+              <a:t>developer.android.com</a:t>
+            </a:r>
+            <a:endParaRPr lang="en-US" dirty="0" smtClean="0"/>
+          </a:p>
+          <a:p>
+            <a:r>
+              <a:rPr lang="en-US" dirty="0">
+                <a:hlinkClick r:id="rId3"/>
+              </a:rPr>
+              <a:t>http://</a:t>
+            </a:r>
+            <a:r>
+              <a:rPr lang="en-US" dirty="0" smtClean="0">
+                <a:hlinkClick r:id="rId3"/>
+              </a:rPr>
+              <a:t>vkedco.blogspot.com</a:t>
+            </a:r>
+            <a:endParaRPr lang="en-US" dirty="0" smtClean="0"/>
+          </a:p>
+          <a:p>
+            <a:r>
+              <a:rPr lang="en-US" dirty="0" smtClean="0">
+                <a:hlinkClick r:id="rId4"/>
+              </a:rPr>
+              <a:t>http://</a:t>
+            </a:r>
+            <a:r>
+              <a:rPr lang="en-US" dirty="0" smtClean="0">
+                <a:hlinkClick r:id="rId4"/>
+              </a:rPr>
+              <a:t>code.chadmaughan.com</a:t>
+            </a:r>
+            <a:endParaRPr lang="en-US" dirty="0" smtClean="0"/>
+          </a:p>
+          <a:p>
+            <a:r>
+              <a:rPr lang="en-US" dirty="0" smtClean="0">
+                <a:hlinkClick r:id="rId5"/>
+              </a:rPr>
+              <a:t>http://github.com/chadmaughan</a:t>
+            </a:r>
+            <a:endParaRPr lang="en-US" dirty="0" smtClean="0"/>
+          </a:p>
+          <a:p>
+            <a:endParaRPr lang="en-US" dirty="0" smtClean="0"/>
+          </a:p>
+          <a:p>
+            <a:pPr marL="0" indent="0">
+              <a:buNone/>
+            </a:pPr>
             <a:endParaRPr lang="en-US" dirty="0"/>
           </a:p>
         </p:txBody>
@@ -3380,7 +3538,7 @@
     </p:spTree>
     <p:extLst>
       <p:ext uri="{BB962C8B-B14F-4D97-AF65-F5344CB8AC3E}">
-        <p14:creationId xmlns:p14="http://schemas.microsoft.com/office/powerpoint/2010/main" val="3429796359"/>
+        <p14:creationId xmlns:p14="http://schemas.microsoft.com/office/powerpoint/2010/main" val="444662839"/>
       </p:ext>
     </p:extLst>
   </p:cSld>
@@ -3424,7 +3582,7 @@
           <a:p>
             <a:r>
               <a:rPr lang="en-US" dirty="0" smtClean="0"/>
-              <a:t>Introduction</a:t>
+              <a:t>Android Platform</a:t>
             </a:r>
             <a:endParaRPr lang="en-US" dirty="0"/>
           </a:p>
@@ -3445,6 +3603,17 @@
           <a:bodyPr/>
           <a:lstStyle/>
           <a:p>
+            <a:pPr marL="0" indent="0">
+              <a:buNone/>
+            </a:pPr>
+            <a:r>
+              <a:rPr lang="en-US" dirty="0"/>
+              <a:t>Android is a software environment built for mobile devices. It’s not a hardware platform. Android includes a Linux kernel-based OS, a rich UI, end-user applications, code libraries, application frameworks, multimedia </a:t>
+            </a:r>
+            <a:r>
+              <a:rPr lang="en-US" dirty="0" smtClean="0"/>
+              <a:t>support, telephone functionality and more.</a:t>
+            </a:r>
             <a:endParaRPr lang="en-US" dirty="0"/>
           </a:p>
         </p:txBody>
@@ -3452,7 +3621,7 @@
     </p:spTree>
     <p:extLst>
       <p:ext uri="{BB962C8B-B14F-4D97-AF65-F5344CB8AC3E}">
-        <p14:creationId xmlns:p14="http://schemas.microsoft.com/office/powerpoint/2010/main" val="790946186"/>
+        <p14:creationId xmlns:p14="http://schemas.microsoft.com/office/powerpoint/2010/main" val="2524775732"/>
       </p:ext>
     </p:extLst>
   </p:cSld>
@@ -3496,62 +3665,56 @@
           <a:p>
             <a:r>
               <a:rPr lang="en-US" dirty="0" smtClean="0"/>
-              <a:t>Key Components</a:t>
+              <a:t>Android Stack</a:t>
             </a:r>
             <a:endParaRPr lang="en-US" dirty="0"/>
           </a:p>
         </p:txBody>
       </p:sp>
-      <p:sp>
-        <p:nvSpPr>
-          <p:cNvPr id="3" name="Content Placeholder 2"/>
-          <p:cNvSpPr>
-            <a:spLocks noGrp="1"/>
-          </p:cNvSpPr>
+      <p:pic>
+        <p:nvPicPr>
+          <p:cNvPr id="4" name="Content Placeholder 3"/>
+          <p:cNvPicPr>
+            <a:picLocks noGrp="1" noChangeAspect="1"/>
+          </p:cNvPicPr>
           <p:nvPr>
             <p:ph idx="1"/>
           </p:nvPr>
-        </p:nvSpPr>
-        <p:spPr/>
-        <p:txBody>
-          <a:bodyPr/>
-          <a:lstStyle/>
-          <a:p>
-            <a:r>
-              <a:rPr lang="en-US" dirty="0" smtClean="0"/>
-              <a:t>View</a:t>
-            </a:r>
-          </a:p>
-          <a:p>
-            <a:r>
-              <a:rPr lang="en-US" dirty="0" smtClean="0"/>
-              <a:t>Activity</a:t>
-            </a:r>
-          </a:p>
-          <a:p>
-            <a:r>
-              <a:rPr lang="en-US" dirty="0" smtClean="0"/>
-              <a:t>Service</a:t>
-            </a:r>
-          </a:p>
-          <a:p>
-            <a:r>
-              <a:rPr lang="en-US" dirty="0" err="1" smtClean="0"/>
-              <a:t>BroadcastReciever</a:t>
-            </a:r>
-            <a:endParaRPr lang="en-US" dirty="0" smtClean="0"/>
-          </a:p>
-          <a:p>
-            <a:r>
-              <a:rPr lang="en-US" dirty="0" err="1" smtClean="0"/>
-              <a:t>ContentProvider</a:t>
-            </a:r>
-            <a:endParaRPr lang="en-US" dirty="0" smtClean="0"/>
-          </a:p>
-          <a:p>
-            <a:r>
-              <a:rPr lang="en-US" dirty="0" err="1" smtClean="0"/>
-              <a:t>AndroidManifest.xml</a:t>
+        </p:nvPicPr>
+        <p:blipFill>
+          <a:blip r:embed="rId2"/>
+          <a:srcRect l="-19387" r="-19387"/>
+          <a:stretch>
+            <a:fillRect/>
+          </a:stretch>
+        </p:blipFill>
+        <p:spPr/>
+      </p:pic>
+      <p:sp>
+        <p:nvSpPr>
+          <p:cNvPr id="5" name="TextBox 4"/>
+          <p:cNvSpPr txBox="1"/>
+          <p:nvPr/>
+        </p:nvSpPr>
+        <p:spPr>
+          <a:xfrm>
+            <a:off x="6450791" y="6298755"/>
+            <a:ext cx="2236009" cy="369332"/>
+          </a:xfrm>
+          <a:prstGeom prst="rect">
+            <a:avLst/>
+          </a:prstGeom>
+          <a:noFill/>
+        </p:spPr>
+        <p:txBody>
+          <a:bodyPr wrap="none" rtlCol="0">
+            <a:spAutoFit/>
+          </a:bodyPr>
+          <a:lstStyle/>
+          <a:p>
+            <a:r>
+              <a:rPr lang="en-US" dirty="0" smtClean="0"/>
+              <a:t>Source: Pro Android 3</a:t>
             </a:r>
             <a:endParaRPr lang="en-US" dirty="0"/>
           </a:p>
@@ -3560,7 +3723,7 @@
     </p:spTree>
     <p:extLst>
       <p:ext uri="{BB962C8B-B14F-4D97-AF65-F5344CB8AC3E}">
-        <p14:creationId xmlns:p14="http://schemas.microsoft.com/office/powerpoint/2010/main" val="2723703474"/>
+        <p14:creationId xmlns:p14="http://schemas.microsoft.com/office/powerpoint/2010/main" val="3429796359"/>
       </p:ext>
     </p:extLst>
   </p:cSld>
@@ -3604,6 +3767,114 @@
           <a:p>
             <a:r>
               <a:rPr lang="en-US" dirty="0" smtClean="0"/>
+              <a:t>Key Components</a:t>
+            </a:r>
+            <a:endParaRPr lang="en-US" dirty="0"/>
+          </a:p>
+        </p:txBody>
+      </p:sp>
+      <p:sp>
+        <p:nvSpPr>
+          <p:cNvPr id="3" name="Content Placeholder 2"/>
+          <p:cNvSpPr>
+            <a:spLocks noGrp="1"/>
+          </p:cNvSpPr>
+          <p:nvPr>
+            <p:ph idx="1"/>
+          </p:nvPr>
+        </p:nvSpPr>
+        <p:spPr/>
+        <p:txBody>
+          <a:bodyPr/>
+          <a:lstStyle/>
+          <a:p>
+            <a:r>
+              <a:rPr lang="en-US" dirty="0" smtClean="0"/>
+              <a:t>View</a:t>
+            </a:r>
+          </a:p>
+          <a:p>
+            <a:r>
+              <a:rPr lang="en-US" dirty="0" smtClean="0"/>
+              <a:t>Activity</a:t>
+            </a:r>
+          </a:p>
+          <a:p>
+            <a:r>
+              <a:rPr lang="en-US" dirty="0" smtClean="0"/>
+              <a:t>Service</a:t>
+            </a:r>
+          </a:p>
+          <a:p>
+            <a:r>
+              <a:rPr lang="en-US" dirty="0" err="1" smtClean="0"/>
+              <a:t>BroadcastReciever</a:t>
+            </a:r>
+            <a:endParaRPr lang="en-US" dirty="0" smtClean="0"/>
+          </a:p>
+          <a:p>
+            <a:r>
+              <a:rPr lang="en-US" dirty="0" err="1" smtClean="0"/>
+              <a:t>ContentProvider</a:t>
+            </a:r>
+            <a:endParaRPr lang="en-US" dirty="0" smtClean="0"/>
+          </a:p>
+          <a:p>
+            <a:r>
+              <a:rPr lang="en-US" dirty="0" err="1" smtClean="0"/>
+              <a:t>AndroidManifest.xml</a:t>
+            </a:r>
+            <a:endParaRPr lang="en-US" dirty="0"/>
+          </a:p>
+        </p:txBody>
+      </p:sp>
+    </p:spTree>
+    <p:extLst>
+      <p:ext uri="{BB962C8B-B14F-4D97-AF65-F5344CB8AC3E}">
+        <p14:creationId xmlns:p14="http://schemas.microsoft.com/office/powerpoint/2010/main" val="2723703474"/>
+      </p:ext>
+    </p:extLst>
+  </p:cSld>
+  <p:clrMapOvr>
+    <a:masterClrMapping/>
+  </p:clrMapOvr>
+</p:sld>
+</file>
+
+<file path=ppt/slides/slide15.xml><?xml version="1.0" encoding="utf-8"?>
+<p:sld xmlns:a="http://schemas.openxmlformats.org/drawingml/2006/main" xmlns:r="http://schemas.openxmlformats.org/officeDocument/2006/relationships" xmlns:p="http://schemas.openxmlformats.org/presentationml/2006/main">
+  <p:cSld>
+    <p:spTree>
+      <p:nvGrpSpPr>
+        <p:cNvPr id="1" name=""/>
+        <p:cNvGrpSpPr/>
+        <p:nvPr/>
+      </p:nvGrpSpPr>
+      <p:grpSpPr>
+        <a:xfrm>
+          <a:off x="0" y="0"/>
+          <a:ext cx="0" cy="0"/>
+          <a:chOff x="0" y="0"/>
+          <a:chExt cx="0" cy="0"/>
+        </a:xfrm>
+      </p:grpSpPr>
+      <p:sp>
+        <p:nvSpPr>
+          <p:cNvPr id="2" name="Title 1"/>
+          <p:cNvSpPr>
+            <a:spLocks noGrp="1"/>
+          </p:cNvSpPr>
+          <p:nvPr>
+            <p:ph type="title"/>
+          </p:nvPr>
+        </p:nvSpPr>
+        <p:spPr/>
+        <p:txBody>
+          <a:bodyPr/>
+          <a:lstStyle/>
+          <a:p>
+            <a:r>
+              <a:rPr lang="en-US" dirty="0" smtClean="0"/>
               <a:t>View	</a:t>
             </a:r>
             <a:endParaRPr lang="en-US" dirty="0"/>
@@ -3729,166 +4000,6 @@
 </p:sld>
 </file>
 
-<file path=ppt/slides/slide15.xml><?xml version="1.0" encoding="utf-8"?>
-<p:sld xmlns:a="http://schemas.openxmlformats.org/drawingml/2006/main" xmlns:r="http://schemas.openxmlformats.org/officeDocument/2006/relationships" xmlns:p="http://schemas.openxmlformats.org/presentationml/2006/main">
-  <p:cSld>
-    <p:spTree>
-      <p:nvGrpSpPr>
-        <p:cNvPr id="1" name=""/>
-        <p:cNvGrpSpPr/>
-        <p:nvPr/>
-      </p:nvGrpSpPr>
-      <p:grpSpPr>
-        <a:xfrm>
-          <a:off x="0" y="0"/>
-          <a:ext cx="0" cy="0"/>
-          <a:chOff x="0" y="0"/>
-          <a:chExt cx="0" cy="0"/>
-        </a:xfrm>
-      </p:grpSpPr>
-      <p:sp>
-        <p:nvSpPr>
-          <p:cNvPr id="2" name="Title 1"/>
-          <p:cNvSpPr>
-            <a:spLocks noGrp="1"/>
-          </p:cNvSpPr>
-          <p:nvPr>
-            <p:ph type="title"/>
-          </p:nvPr>
-        </p:nvSpPr>
-        <p:spPr/>
-        <p:txBody>
-          <a:bodyPr/>
-          <a:lstStyle/>
-          <a:p>
-            <a:r>
-              <a:rPr lang="en-US" dirty="0" smtClean="0"/>
-              <a:t>Layouts</a:t>
-            </a:r>
-            <a:endParaRPr lang="en-US" dirty="0"/>
-          </a:p>
-        </p:txBody>
-      </p:sp>
-      <p:sp>
-        <p:nvSpPr>
-          <p:cNvPr id="3" name="Content Placeholder 2"/>
-          <p:cNvSpPr>
-            <a:spLocks noGrp="1"/>
-          </p:cNvSpPr>
-          <p:nvPr>
-            <p:ph idx="1"/>
-          </p:nvPr>
-        </p:nvSpPr>
-        <p:spPr/>
-        <p:txBody>
-          <a:bodyPr>
-            <a:normAutofit fontScale="92500" lnSpcReduction="10000"/>
-          </a:bodyPr>
-          <a:lstStyle/>
-          <a:p>
-            <a:r>
-              <a:rPr lang="en-US" dirty="0" smtClean="0"/>
-              <a:t>All layouts are subclasses of </a:t>
-            </a:r>
-            <a:r>
-              <a:rPr lang="en-US" i="1" dirty="0" err="1" smtClean="0"/>
-              <a:t>ViewGroup</a:t>
-            </a:r>
-            <a:endParaRPr lang="en-US" dirty="0" smtClean="0"/>
-          </a:p>
-          <a:p>
-            <a:r>
-              <a:rPr lang="en-US" dirty="0" smtClean="0"/>
-              <a:t>XML layouts are compiled into a View resource in </a:t>
-            </a:r>
-            <a:r>
-              <a:rPr lang="en-US" i="1" dirty="0" smtClean="0"/>
-              <a:t>/res/layout</a:t>
-            </a:r>
-            <a:r>
-              <a:rPr lang="en-US" dirty="0" smtClean="0"/>
-              <a:t> directory</a:t>
-            </a:r>
-          </a:p>
-          <a:p>
-            <a:pPr lvl="1"/>
-            <a:r>
-              <a:rPr lang="en-US" dirty="0" err="1" smtClean="0"/>
-              <a:t>R.layout.main_layout</a:t>
-            </a:r>
-            <a:endParaRPr lang="en-US" dirty="0" smtClean="0"/>
-          </a:p>
-          <a:p>
-            <a:pPr lvl="1"/>
-            <a:r>
-              <a:rPr lang="en-US" dirty="0" err="1"/>
-              <a:t>setContentView</a:t>
-            </a:r>
-            <a:r>
-              <a:rPr lang="en-US" dirty="0"/>
-              <a:t>(</a:t>
-            </a:r>
-            <a:r>
-              <a:rPr lang="en-US" dirty="0" err="1"/>
-              <a:t>R.layout.main_layout</a:t>
-            </a:r>
-            <a:r>
-              <a:rPr lang="en-US" dirty="0"/>
-              <a:t>)</a:t>
-            </a:r>
-            <a:r>
-              <a:rPr lang="en-US" dirty="0" smtClean="0"/>
-              <a:t>;</a:t>
-            </a:r>
-          </a:p>
-          <a:p>
-            <a:r>
-              <a:rPr lang="en-US" dirty="0" smtClean="0"/>
-              <a:t>On problems</a:t>
-            </a:r>
-          </a:p>
-          <a:p>
-            <a:pPr lvl="1"/>
-            <a:r>
-              <a:rPr lang="en-US" dirty="0" smtClean="0"/>
-              <a:t>Clean project</a:t>
-            </a:r>
-          </a:p>
-          <a:p>
-            <a:pPr lvl="1"/>
-            <a:r>
-              <a:rPr lang="en-US" dirty="0" smtClean="0"/>
-              <a:t>Right click, then Android Tools -&gt; Fix Project Properties </a:t>
-            </a:r>
-          </a:p>
-          <a:p>
-            <a:r>
-              <a:rPr lang="en-US" dirty="0" smtClean="0"/>
-              <a:t>Tutorial: </a:t>
-            </a:r>
-            <a:r>
-              <a:rPr lang="en-US" dirty="0" smtClean="0">
-                <a:hlinkClick r:id="rId2"/>
-              </a:rPr>
-              <a:t>Hello, Views</a:t>
-            </a:r>
-            <a:endParaRPr lang="en-US" dirty="0"/>
-          </a:p>
-        </p:txBody>
-      </p:sp>
-    </p:spTree>
-    <p:extLst>
-      <p:ext uri="{BB962C8B-B14F-4D97-AF65-F5344CB8AC3E}">
-        <p14:creationId xmlns:p14="http://schemas.microsoft.com/office/powerpoint/2010/main" val="2382759790"/>
-      </p:ext>
-    </p:extLst>
-  </p:cSld>
-  <p:clrMapOvr>
-    <a:masterClrMapping/>
-  </p:clrMapOvr>
-</p:sld>
-</file>
-
 <file path=ppt/slides/slide16.xml><?xml version="1.0" encoding="utf-8"?>
 <p:sld xmlns:a="http://schemas.openxmlformats.org/drawingml/2006/main" xmlns:r="http://schemas.openxmlformats.org/officeDocument/2006/relationships" xmlns:p="http://schemas.openxmlformats.org/presentationml/2006/main">
   <p:cSld>
@@ -3923,6 +4034,166 @@
           <a:p>
             <a:r>
               <a:rPr lang="en-US" dirty="0" smtClean="0"/>
+              <a:t>Layouts</a:t>
+            </a:r>
+            <a:endParaRPr lang="en-US" dirty="0"/>
+          </a:p>
+        </p:txBody>
+      </p:sp>
+      <p:sp>
+        <p:nvSpPr>
+          <p:cNvPr id="3" name="Content Placeholder 2"/>
+          <p:cNvSpPr>
+            <a:spLocks noGrp="1"/>
+          </p:cNvSpPr>
+          <p:nvPr>
+            <p:ph idx="1"/>
+          </p:nvPr>
+        </p:nvSpPr>
+        <p:spPr/>
+        <p:txBody>
+          <a:bodyPr>
+            <a:normAutofit fontScale="92500" lnSpcReduction="10000"/>
+          </a:bodyPr>
+          <a:lstStyle/>
+          <a:p>
+            <a:r>
+              <a:rPr lang="en-US" dirty="0" smtClean="0"/>
+              <a:t>All layouts are subclasses of </a:t>
+            </a:r>
+            <a:r>
+              <a:rPr lang="en-US" i="1" dirty="0" err="1" smtClean="0"/>
+              <a:t>ViewGroup</a:t>
+            </a:r>
+            <a:endParaRPr lang="en-US" dirty="0" smtClean="0"/>
+          </a:p>
+          <a:p>
+            <a:r>
+              <a:rPr lang="en-US" dirty="0" smtClean="0"/>
+              <a:t>XML layouts are compiled into a View resource in </a:t>
+            </a:r>
+            <a:r>
+              <a:rPr lang="en-US" i="1" dirty="0" smtClean="0"/>
+              <a:t>/res/layout</a:t>
+            </a:r>
+            <a:r>
+              <a:rPr lang="en-US" dirty="0" smtClean="0"/>
+              <a:t> directory</a:t>
+            </a:r>
+          </a:p>
+          <a:p>
+            <a:pPr lvl="1"/>
+            <a:r>
+              <a:rPr lang="en-US" dirty="0" err="1" smtClean="0"/>
+              <a:t>R.layout.main_layout</a:t>
+            </a:r>
+            <a:endParaRPr lang="en-US" dirty="0" smtClean="0"/>
+          </a:p>
+          <a:p>
+            <a:pPr lvl="1"/>
+            <a:r>
+              <a:rPr lang="en-US" dirty="0" err="1"/>
+              <a:t>setContentView</a:t>
+            </a:r>
+            <a:r>
+              <a:rPr lang="en-US" dirty="0"/>
+              <a:t>(</a:t>
+            </a:r>
+            <a:r>
+              <a:rPr lang="en-US" dirty="0" err="1"/>
+              <a:t>R.layout.main_layout</a:t>
+            </a:r>
+            <a:r>
+              <a:rPr lang="en-US" dirty="0"/>
+              <a:t>)</a:t>
+            </a:r>
+            <a:r>
+              <a:rPr lang="en-US" dirty="0" smtClean="0"/>
+              <a:t>;</a:t>
+            </a:r>
+          </a:p>
+          <a:p>
+            <a:r>
+              <a:rPr lang="en-US" dirty="0" smtClean="0"/>
+              <a:t>On problems</a:t>
+            </a:r>
+          </a:p>
+          <a:p>
+            <a:pPr lvl="1"/>
+            <a:r>
+              <a:rPr lang="en-US" dirty="0" smtClean="0"/>
+              <a:t>Clean project</a:t>
+            </a:r>
+          </a:p>
+          <a:p>
+            <a:pPr lvl="1"/>
+            <a:r>
+              <a:rPr lang="en-US" dirty="0" smtClean="0"/>
+              <a:t>Right click, then Android Tools -&gt; Fix Project Properties </a:t>
+            </a:r>
+          </a:p>
+          <a:p>
+            <a:r>
+              <a:rPr lang="en-US" dirty="0" smtClean="0"/>
+              <a:t>Tutorial: </a:t>
+            </a:r>
+            <a:r>
+              <a:rPr lang="en-US" dirty="0" smtClean="0">
+                <a:hlinkClick r:id="rId2"/>
+              </a:rPr>
+              <a:t>Hello, Views</a:t>
+            </a:r>
+            <a:endParaRPr lang="en-US" dirty="0"/>
+          </a:p>
+        </p:txBody>
+      </p:sp>
+    </p:spTree>
+    <p:extLst>
+      <p:ext uri="{BB962C8B-B14F-4D97-AF65-F5344CB8AC3E}">
+        <p14:creationId xmlns:p14="http://schemas.microsoft.com/office/powerpoint/2010/main" val="2382759790"/>
+      </p:ext>
+    </p:extLst>
+  </p:cSld>
+  <p:clrMapOvr>
+    <a:masterClrMapping/>
+  </p:clrMapOvr>
+</p:sld>
+</file>
+
+<file path=ppt/slides/slide17.xml><?xml version="1.0" encoding="utf-8"?>
+<p:sld xmlns:a="http://schemas.openxmlformats.org/drawingml/2006/main" xmlns:r="http://schemas.openxmlformats.org/officeDocument/2006/relationships" xmlns:p="http://schemas.openxmlformats.org/presentationml/2006/main">
+  <p:cSld>
+    <p:spTree>
+      <p:nvGrpSpPr>
+        <p:cNvPr id="1" name=""/>
+        <p:cNvGrpSpPr/>
+        <p:nvPr/>
+      </p:nvGrpSpPr>
+      <p:grpSpPr>
+        <a:xfrm>
+          <a:off x="0" y="0"/>
+          <a:ext cx="0" cy="0"/>
+          <a:chOff x="0" y="0"/>
+          <a:chExt cx="0" cy="0"/>
+        </a:xfrm>
+      </p:grpSpPr>
+      <p:sp>
+        <p:nvSpPr>
+          <p:cNvPr id="2" name="Title 1"/>
+          <p:cNvSpPr>
+            <a:spLocks noGrp="1"/>
+          </p:cNvSpPr>
+          <p:nvPr>
+            <p:ph type="title"/>
+          </p:nvPr>
+        </p:nvSpPr>
+        <p:spPr/>
+        <p:txBody>
+          <a:bodyPr/>
+          <a:lstStyle/>
+          <a:p>
+            <a:r>
+              <a:rPr lang="en-US" dirty="0" smtClean="0"/>
               <a:t>Example Layout XML</a:t>
             </a:r>
             <a:endParaRPr lang="en-US" dirty="0"/>
@@ -4252,7 +4523,7 @@
 </p:sld>
 </file>
 
-<file path=ppt/slides/slide17.xml><?xml version="1.0" encoding="utf-8"?>
+<file path=ppt/slides/slide18.xml><?xml version="1.0" encoding="utf-8"?>
 <p:sld xmlns:a="http://schemas.openxmlformats.org/drawingml/2006/main" xmlns:r="http://schemas.openxmlformats.org/officeDocument/2006/relationships" xmlns:p="http://schemas.openxmlformats.org/presentationml/2006/main">
   <p:cSld>
     <p:spTree>
@@ -4353,7 +4624,7 @@
 </p:sld>
 </file>
 
-<file path=ppt/slides/slide18.xml><?xml version="1.0" encoding="utf-8"?>
+<file path=ppt/slides/slide19.xml><?xml version="1.0" encoding="utf-8"?>
 <p:sld xmlns:a="http://schemas.openxmlformats.org/drawingml/2006/main" xmlns:r="http://schemas.openxmlformats.org/officeDocument/2006/relationships" xmlns:p="http://schemas.openxmlformats.org/presentationml/2006/main">
   <p:cSld>
     <p:spTree>
@@ -4499,175 +4770,6 @@
 </p:sld>
 </file>
 
-<file path=ppt/slides/slide19.xml><?xml version="1.0" encoding="utf-8"?>
-<p:sld xmlns:a="http://schemas.openxmlformats.org/drawingml/2006/main" xmlns:r="http://schemas.openxmlformats.org/officeDocument/2006/relationships" xmlns:p="http://schemas.openxmlformats.org/presentationml/2006/main">
-  <p:cSld>
-    <p:spTree>
-      <p:nvGrpSpPr>
-        <p:cNvPr id="1" name=""/>
-        <p:cNvGrpSpPr/>
-        <p:nvPr/>
-      </p:nvGrpSpPr>
-      <p:grpSpPr>
-        <a:xfrm>
-          <a:off x="0" y="0"/>
-          <a:ext cx="0" cy="0"/>
-          <a:chOff x="0" y="0"/>
-          <a:chExt cx="0" cy="0"/>
-        </a:xfrm>
-      </p:grpSpPr>
-      <p:sp>
-        <p:nvSpPr>
-          <p:cNvPr id="2" name="Title 1"/>
-          <p:cNvSpPr>
-            <a:spLocks noGrp="1"/>
-          </p:cNvSpPr>
-          <p:nvPr>
-            <p:ph type="title"/>
-          </p:nvPr>
-        </p:nvSpPr>
-        <p:spPr/>
-        <p:txBody>
-          <a:bodyPr/>
-          <a:lstStyle/>
-          <a:p>
-            <a:r>
-              <a:rPr lang="en-US" dirty="0" smtClean="0"/>
-              <a:t>Application Manifest</a:t>
-            </a:r>
-            <a:endParaRPr lang="en-US" dirty="0"/>
-          </a:p>
-        </p:txBody>
-      </p:sp>
-      <p:sp>
-        <p:nvSpPr>
-          <p:cNvPr id="3" name="Content Placeholder 2"/>
-          <p:cNvSpPr>
-            <a:spLocks noGrp="1"/>
-          </p:cNvSpPr>
-          <p:nvPr>
-            <p:ph idx="1"/>
-          </p:nvPr>
-        </p:nvSpPr>
-        <p:spPr/>
-        <p:txBody>
-          <a:bodyPr>
-            <a:normAutofit lnSpcReduction="10000"/>
-          </a:bodyPr>
-          <a:lstStyle/>
-          <a:p>
-            <a:pPr marL="0" indent="0">
-              <a:buNone/>
-            </a:pPr>
-            <a:r>
-              <a:rPr lang="en-US" dirty="0" err="1"/>
-              <a:t>a</a:t>
-            </a:r>
-            <a:r>
-              <a:rPr lang="en-US" dirty="0" err="1" smtClean="0"/>
-              <a:t>ndroid:name</a:t>
-            </a:r>
-            <a:r>
-              <a:rPr lang="en-US" dirty="0" smtClean="0"/>
-              <a:t> only required attribute</a:t>
-            </a:r>
-          </a:p>
-          <a:p>
-            <a:pPr marL="0" indent="0">
-              <a:buNone/>
-            </a:pPr>
-            <a:endParaRPr lang="en-US" dirty="0" smtClean="0"/>
-          </a:p>
-          <a:p>
-            <a:pPr marL="0" indent="0">
-              <a:buNone/>
-            </a:pPr>
-            <a:r>
-              <a:rPr lang="en-US" dirty="0" smtClean="0"/>
-              <a:t>&lt;</a:t>
-            </a:r>
-            <a:r>
-              <a:rPr lang="en-US" dirty="0"/>
-              <a:t>manifest ... &gt;</a:t>
-            </a:r>
-            <a:br>
-              <a:rPr lang="en-US" dirty="0"/>
-            </a:br>
-            <a:r>
-              <a:rPr lang="en-US" dirty="0"/>
-              <a:t>  &lt;application ... &gt;</a:t>
-            </a:r>
-            <a:br>
-              <a:rPr lang="en-US" dirty="0"/>
-            </a:br>
-            <a:r>
-              <a:rPr lang="en-US" dirty="0"/>
-              <a:t>      &lt;activity </a:t>
-            </a:r>
-            <a:r>
-              <a:rPr lang="en-US" dirty="0" err="1"/>
-              <a:t>android:name</a:t>
-            </a:r>
-            <a:r>
-              <a:rPr lang="en-US" dirty="0"/>
-              <a:t>="</a:t>
-            </a:r>
-            <a:r>
-              <a:rPr lang="en-US" dirty="0" smtClean="0"/>
-              <a:t>.</a:t>
-            </a:r>
-            <a:r>
-              <a:rPr lang="en-US" dirty="0" err="1" smtClean="0"/>
-              <a:t>MainActivity</a:t>
-            </a:r>
-            <a:r>
-              <a:rPr lang="en-US" dirty="0"/>
-              <a:t>" /&gt;</a:t>
-            </a:r>
-            <a:br>
-              <a:rPr lang="en-US" dirty="0"/>
-            </a:br>
-            <a:r>
-              <a:rPr lang="en-US" dirty="0"/>
-              <a:t>      ...</a:t>
-            </a:r>
-            <a:br>
-              <a:rPr lang="en-US" dirty="0"/>
-            </a:br>
-            <a:r>
-              <a:rPr lang="en-US" dirty="0"/>
-              <a:t>  &lt;/application ... &gt;</a:t>
-            </a:r>
-            <a:br>
-              <a:rPr lang="en-US" dirty="0"/>
-            </a:br>
-            <a:r>
-              <a:rPr lang="en-US" dirty="0"/>
-              <a:t>  ...</a:t>
-            </a:r>
-            <a:br>
-              <a:rPr lang="en-US" dirty="0"/>
-            </a:br>
-            <a:r>
-              <a:rPr lang="en-US" dirty="0"/>
-              <a:t>&lt;/manifest &gt;</a:t>
-            </a:r>
-          </a:p>
-        </p:txBody>
-      </p:sp>
-    </p:spTree>
-    <p:extLst>
-      <p:ext uri="{BB962C8B-B14F-4D97-AF65-F5344CB8AC3E}">
-        <p14:creationId xmlns:p14="http://schemas.microsoft.com/office/powerpoint/2010/main" val="2985484565"/>
-      </p:ext>
-    </p:extLst>
-  </p:cSld>
-  <p:clrMapOvr>
-    <a:masterClrMapping/>
-  </p:clrMapOvr>
-</p:sld>
-</file>
-
 <file path=ppt/slides/slide2.xml><?xml version="1.0" encoding="utf-8"?>
 <p:sld xmlns:a="http://schemas.openxmlformats.org/drawingml/2006/main" xmlns:r="http://schemas.openxmlformats.org/officeDocument/2006/relationships" xmlns:p="http://schemas.openxmlformats.org/presentationml/2006/main">
   <p:cSld>
@@ -4702,8 +4804,9 @@
           <a:p>
             <a:r>
               <a:rPr lang="en-US" dirty="0" smtClean="0"/>
-              <a:t>System requirements</a:t>
-            </a:r>
+              <a:t>Introduction</a:t>
+            </a:r>
+            <a:endParaRPr lang="en-US" dirty="0"/>
           </a:p>
         </p:txBody>
       </p:sp>
@@ -4719,49 +4822,27 @@
         </p:nvSpPr>
         <p:spPr/>
         <p:txBody>
-          <a:bodyPr>
-            <a:normAutofit/>
-          </a:bodyPr>
-          <a:lstStyle/>
+          <a:bodyPr/>
+          <a:lstStyle/>
+          <a:p>
+            <a:r>
+              <a:rPr lang="en-US" dirty="0" smtClean="0"/>
+              <a:t>Chad Maughan</a:t>
+            </a:r>
+          </a:p>
           <a:p>
             <a:r>
               <a:rPr lang="en-US" dirty="0" smtClean="0">
                 <a:hlinkClick r:id="rId2"/>
               </a:rPr>
-              <a:t>http://developer.android.com/sdk/requirements.html</a:t>
+              <a:t>http://chadmaughan.com</a:t>
             </a:r>
             <a:endParaRPr lang="en-US" dirty="0" smtClean="0"/>
           </a:p>
           <a:p>
-            <a:pPr lvl="2"/>
-            <a:r>
-              <a:rPr lang="en-US" dirty="0" smtClean="0"/>
-              <a:t>Windows XP/Vista/7, Mac OS X &gt;= 10.4.8, Linux</a:t>
-            </a:r>
-          </a:p>
-          <a:p>
-            <a:pPr lvl="2"/>
-            <a:r>
-              <a:rPr lang="en-US" dirty="0" smtClean="0"/>
-              <a:t>JDK and Java Runtime Environment (JRE) &gt;= 5</a:t>
-            </a:r>
-          </a:p>
-          <a:p>
-            <a:pPr lvl="2"/>
-            <a:r>
-              <a:rPr lang="en-US" dirty="0" smtClean="0"/>
-              <a:t>Eclipse &gt;= 3.4, including the JDT and Web Tools Platform, which are included in the Eclipse installation package</a:t>
-            </a:r>
-          </a:p>
-          <a:p>
-            <a:pPr lvl="2"/>
-            <a:r>
-              <a:rPr lang="en-US" dirty="0" smtClean="0"/>
-              <a:t>ADT plug-in for Eclipse</a:t>
-            </a:r>
-          </a:p>
-          <a:p>
-            <a:pPr lvl="1"/>
+            <a:pPr marL="0" indent="0">
+              <a:buNone/>
+            </a:pPr>
             <a:endParaRPr lang="en-US" dirty="0"/>
           </a:p>
         </p:txBody>
@@ -4769,7 +4850,7 @@
     </p:spTree>
     <p:extLst>
       <p:ext uri="{BB962C8B-B14F-4D97-AF65-F5344CB8AC3E}">
-        <p14:creationId xmlns:p14="http://schemas.microsoft.com/office/powerpoint/2010/main" val="1610948595"/>
+        <p14:creationId xmlns:p14="http://schemas.microsoft.com/office/powerpoint/2010/main" val="790946186"/>
       </p:ext>
     </p:extLst>
   </p:cSld>
@@ -4813,6 +4894,175 @@
           <a:p>
             <a:r>
               <a:rPr lang="en-US" dirty="0" smtClean="0"/>
+              <a:t>Application Manifest</a:t>
+            </a:r>
+            <a:endParaRPr lang="en-US" dirty="0"/>
+          </a:p>
+        </p:txBody>
+      </p:sp>
+      <p:sp>
+        <p:nvSpPr>
+          <p:cNvPr id="3" name="Content Placeholder 2"/>
+          <p:cNvSpPr>
+            <a:spLocks noGrp="1"/>
+          </p:cNvSpPr>
+          <p:nvPr>
+            <p:ph idx="1"/>
+          </p:nvPr>
+        </p:nvSpPr>
+        <p:spPr/>
+        <p:txBody>
+          <a:bodyPr>
+            <a:normAutofit lnSpcReduction="10000"/>
+          </a:bodyPr>
+          <a:lstStyle/>
+          <a:p>
+            <a:pPr marL="0" indent="0">
+              <a:buNone/>
+            </a:pPr>
+            <a:r>
+              <a:rPr lang="en-US" dirty="0" err="1"/>
+              <a:t>a</a:t>
+            </a:r>
+            <a:r>
+              <a:rPr lang="en-US" dirty="0" err="1" smtClean="0"/>
+              <a:t>ndroid:name</a:t>
+            </a:r>
+            <a:r>
+              <a:rPr lang="en-US" dirty="0" smtClean="0"/>
+              <a:t> only required attribute</a:t>
+            </a:r>
+          </a:p>
+          <a:p>
+            <a:pPr marL="0" indent="0">
+              <a:buNone/>
+            </a:pPr>
+            <a:endParaRPr lang="en-US" dirty="0" smtClean="0"/>
+          </a:p>
+          <a:p>
+            <a:pPr marL="0" indent="0">
+              <a:buNone/>
+            </a:pPr>
+            <a:r>
+              <a:rPr lang="en-US" dirty="0" smtClean="0"/>
+              <a:t>&lt;</a:t>
+            </a:r>
+            <a:r>
+              <a:rPr lang="en-US" dirty="0"/>
+              <a:t>manifest ... &gt;</a:t>
+            </a:r>
+            <a:br>
+              <a:rPr lang="en-US" dirty="0"/>
+            </a:br>
+            <a:r>
+              <a:rPr lang="en-US" dirty="0"/>
+              <a:t>  &lt;application ... &gt;</a:t>
+            </a:r>
+            <a:br>
+              <a:rPr lang="en-US" dirty="0"/>
+            </a:br>
+            <a:r>
+              <a:rPr lang="en-US" dirty="0"/>
+              <a:t>      &lt;activity </a:t>
+            </a:r>
+            <a:r>
+              <a:rPr lang="en-US" dirty="0" err="1"/>
+              <a:t>android:name</a:t>
+            </a:r>
+            <a:r>
+              <a:rPr lang="en-US" dirty="0"/>
+              <a:t>="</a:t>
+            </a:r>
+            <a:r>
+              <a:rPr lang="en-US" dirty="0" smtClean="0"/>
+              <a:t>.</a:t>
+            </a:r>
+            <a:r>
+              <a:rPr lang="en-US" dirty="0" err="1" smtClean="0"/>
+              <a:t>MainActivity</a:t>
+            </a:r>
+            <a:r>
+              <a:rPr lang="en-US" dirty="0"/>
+              <a:t>" /&gt;</a:t>
+            </a:r>
+            <a:br>
+              <a:rPr lang="en-US" dirty="0"/>
+            </a:br>
+            <a:r>
+              <a:rPr lang="en-US" dirty="0"/>
+              <a:t>      ...</a:t>
+            </a:r>
+            <a:br>
+              <a:rPr lang="en-US" dirty="0"/>
+            </a:br>
+            <a:r>
+              <a:rPr lang="en-US" dirty="0"/>
+              <a:t>  &lt;/application ... &gt;</a:t>
+            </a:r>
+            <a:br>
+              <a:rPr lang="en-US" dirty="0"/>
+            </a:br>
+            <a:r>
+              <a:rPr lang="en-US" dirty="0"/>
+              <a:t>  ...</a:t>
+            </a:r>
+            <a:br>
+              <a:rPr lang="en-US" dirty="0"/>
+            </a:br>
+            <a:r>
+              <a:rPr lang="en-US" dirty="0"/>
+              <a:t>&lt;/manifest &gt;</a:t>
+            </a:r>
+          </a:p>
+        </p:txBody>
+      </p:sp>
+    </p:spTree>
+    <p:extLst>
+      <p:ext uri="{BB962C8B-B14F-4D97-AF65-F5344CB8AC3E}">
+        <p14:creationId xmlns:p14="http://schemas.microsoft.com/office/powerpoint/2010/main" val="2985484565"/>
+      </p:ext>
+    </p:extLst>
+  </p:cSld>
+  <p:clrMapOvr>
+    <a:masterClrMapping/>
+  </p:clrMapOvr>
+</p:sld>
+</file>
+
+<file path=ppt/slides/slide21.xml><?xml version="1.0" encoding="utf-8"?>
+<p:sld xmlns:a="http://schemas.openxmlformats.org/drawingml/2006/main" xmlns:r="http://schemas.openxmlformats.org/officeDocument/2006/relationships" xmlns:p="http://schemas.openxmlformats.org/presentationml/2006/main">
+  <p:cSld>
+    <p:spTree>
+      <p:nvGrpSpPr>
+        <p:cNvPr id="1" name=""/>
+        <p:cNvGrpSpPr/>
+        <p:nvPr/>
+      </p:nvGrpSpPr>
+      <p:grpSpPr>
+        <a:xfrm>
+          <a:off x="0" y="0"/>
+          <a:ext cx="0" cy="0"/>
+          <a:chOff x="0" y="0"/>
+          <a:chExt cx="0" cy="0"/>
+        </a:xfrm>
+      </p:grpSpPr>
+      <p:sp>
+        <p:nvSpPr>
+          <p:cNvPr id="2" name="Title 1"/>
+          <p:cNvSpPr>
+            <a:spLocks noGrp="1"/>
+          </p:cNvSpPr>
+          <p:nvPr>
+            <p:ph type="title"/>
+          </p:nvPr>
+        </p:nvSpPr>
+        <p:spPr/>
+        <p:txBody>
+          <a:bodyPr/>
+          <a:lstStyle/>
+          <a:p>
+            <a:r>
+              <a:rPr lang="en-US" dirty="0" smtClean="0"/>
               <a:t>Intents</a:t>
             </a:r>
             <a:endParaRPr lang="en-US" dirty="0"/>
@@ -4993,357 +5243,6 @@
 </p:sld>
 </file>
 
-<file path=ppt/slides/slide21.xml><?xml version="1.0" encoding="utf-8"?>
-<p:sld xmlns:a="http://schemas.openxmlformats.org/drawingml/2006/main" xmlns:r="http://schemas.openxmlformats.org/officeDocument/2006/relationships" xmlns:p="http://schemas.openxmlformats.org/presentationml/2006/main">
-  <p:cSld>
-    <p:spTree>
-      <p:nvGrpSpPr>
-        <p:cNvPr id="1" name=""/>
-        <p:cNvGrpSpPr/>
-        <p:nvPr/>
-      </p:nvGrpSpPr>
-      <p:grpSpPr>
-        <a:xfrm>
-          <a:off x="0" y="0"/>
-          <a:ext cx="0" cy="0"/>
-          <a:chOff x="0" y="0"/>
-          <a:chExt cx="0" cy="0"/>
-        </a:xfrm>
-      </p:grpSpPr>
-      <p:sp>
-        <p:nvSpPr>
-          <p:cNvPr id="2" name="Title 1"/>
-          <p:cNvSpPr>
-            <a:spLocks noGrp="1"/>
-          </p:cNvSpPr>
-          <p:nvPr>
-            <p:ph type="title"/>
-          </p:nvPr>
-        </p:nvSpPr>
-        <p:spPr/>
-        <p:txBody>
-          <a:bodyPr/>
-          <a:lstStyle/>
-          <a:p>
-            <a:r>
-              <a:rPr lang="en-US" dirty="0" smtClean="0"/>
-              <a:t>Start for a result</a:t>
-            </a:r>
-            <a:endParaRPr lang="en-US" dirty="0"/>
-          </a:p>
-        </p:txBody>
-      </p:sp>
-      <p:sp>
-        <p:nvSpPr>
-          <p:cNvPr id="3" name="Content Placeholder 2"/>
-          <p:cNvSpPr>
-            <a:spLocks noGrp="1"/>
-          </p:cNvSpPr>
-          <p:nvPr>
-            <p:ph idx="1"/>
-          </p:nvPr>
-        </p:nvSpPr>
-        <p:spPr/>
-        <p:txBody>
-          <a:bodyPr>
-            <a:normAutofit lnSpcReduction="10000"/>
-          </a:bodyPr>
-          <a:lstStyle/>
-          <a:p>
-            <a:pPr marL="0" indent="0">
-              <a:buNone/>
-            </a:pPr>
-            <a:r>
-              <a:rPr lang="en-US" dirty="0" smtClean="0"/>
-              <a:t>To receive a result from a started activity</a:t>
-            </a:r>
-            <a:endParaRPr lang="en-US" sz="2900" dirty="0" smtClean="0"/>
-          </a:p>
-          <a:p>
-            <a:pPr marL="0" indent="0">
-              <a:buNone/>
-            </a:pPr>
-            <a:endParaRPr lang="en-US" sz="2000" dirty="0"/>
-          </a:p>
-          <a:p>
-            <a:pPr marL="400050" lvl="1" indent="0">
-              <a:buNone/>
-            </a:pPr>
-            <a:r>
-              <a:rPr lang="en-US" sz="2000" dirty="0" smtClean="0">
-                <a:latin typeface="Lucida Console"/>
-                <a:cs typeface="Lucida Console"/>
-              </a:rPr>
-              <a:t>Intent </a:t>
-            </a:r>
-            <a:r>
-              <a:rPr lang="en-US" sz="2000" dirty="0">
-                <a:latin typeface="Lucida Console"/>
-                <a:cs typeface="Lucida Console"/>
-              </a:rPr>
-              <a:t>intent = new Intent</a:t>
-            </a:r>
-            <a:r>
-              <a:rPr lang="en-US" sz="2000" dirty="0" smtClean="0">
-                <a:latin typeface="Lucida Console"/>
-                <a:cs typeface="Lucida Console"/>
-              </a:rPr>
-              <a:t>(</a:t>
-            </a:r>
-          </a:p>
-          <a:p>
-            <a:pPr marL="400050" lvl="1" indent="0">
-              <a:buNone/>
-            </a:pPr>
-            <a:r>
-              <a:rPr lang="en-US" sz="2000" dirty="0">
-                <a:latin typeface="Lucida Console"/>
-                <a:cs typeface="Lucida Console"/>
-              </a:rPr>
-              <a:t>	</a:t>
-            </a:r>
-            <a:r>
-              <a:rPr lang="en-US" sz="2000" dirty="0" smtClean="0">
-                <a:latin typeface="Lucida Console"/>
-                <a:cs typeface="Lucida Console"/>
-              </a:rPr>
-              <a:t>	</a:t>
-            </a:r>
-            <a:r>
-              <a:rPr lang="en-US" sz="2000" dirty="0" err="1" smtClean="0">
-                <a:latin typeface="Lucida Console"/>
-                <a:cs typeface="Lucida Console"/>
-              </a:rPr>
-              <a:t>Intent.ACTION_PICK</a:t>
-            </a:r>
-            <a:r>
-              <a:rPr lang="en-US" sz="2000" dirty="0">
-                <a:latin typeface="Lucida Console"/>
-                <a:cs typeface="Lucida Console"/>
-              </a:rPr>
-              <a:t>, </a:t>
-            </a:r>
-            <a:r>
-              <a:rPr lang="en-US" sz="2000" dirty="0" err="1" smtClean="0">
-                <a:latin typeface="Lucida Console"/>
-                <a:cs typeface="Lucida Console"/>
-              </a:rPr>
-              <a:t>Contacts.CONTENT_URI</a:t>
-            </a:r>
-            <a:r>
-              <a:rPr lang="en-US" sz="2000" dirty="0">
-                <a:latin typeface="Lucida Console"/>
-                <a:cs typeface="Lucida Console"/>
-              </a:rPr>
-              <a:t>);</a:t>
-            </a:r>
-            <a:br>
-              <a:rPr lang="en-US" sz="2000" dirty="0">
-                <a:latin typeface="Lucida Console"/>
-                <a:cs typeface="Lucida Console"/>
-              </a:rPr>
-            </a:br>
-            <a:endParaRPr lang="en-US" sz="2000" dirty="0" smtClean="0">
-              <a:latin typeface="Lucida Console"/>
-              <a:cs typeface="Lucida Console"/>
-            </a:endParaRPr>
-          </a:p>
-          <a:p>
-            <a:pPr marL="400050" lvl="1" indent="0">
-              <a:buNone/>
-            </a:pPr>
-            <a:r>
-              <a:rPr lang="en-US" sz="2000" dirty="0" err="1" smtClean="0">
-                <a:latin typeface="Lucida Console"/>
-                <a:cs typeface="Lucida Console"/>
-              </a:rPr>
-              <a:t>startActivityForResult</a:t>
-            </a:r>
-            <a:r>
-              <a:rPr lang="en-US" sz="2000" dirty="0" smtClean="0">
-                <a:latin typeface="Lucida Console"/>
-                <a:cs typeface="Lucida Console"/>
-              </a:rPr>
-              <a:t>(</a:t>
-            </a:r>
-          </a:p>
-          <a:p>
-            <a:pPr marL="400050" lvl="1" indent="0">
-              <a:buNone/>
-            </a:pPr>
-            <a:r>
-              <a:rPr lang="en-US" sz="2000" dirty="0" smtClean="0">
-                <a:latin typeface="Lucida Console"/>
-                <a:cs typeface="Lucida Console"/>
-              </a:rPr>
-              <a:t>		Intent, PICK_CONTACT_REQUEST</a:t>
-            </a:r>
-            <a:r>
-              <a:rPr lang="en-US" sz="2000" dirty="0">
-                <a:latin typeface="Lucida Console"/>
-                <a:cs typeface="Lucida Console"/>
-              </a:rPr>
-              <a:t>);</a:t>
-            </a:r>
-            <a:r>
-              <a:rPr lang="en-US" sz="1600" dirty="0">
-                <a:latin typeface="Lucida Console"/>
-                <a:cs typeface="Lucida Console"/>
-              </a:rPr>
-              <a:t/>
-            </a:r>
-            <a:br>
-              <a:rPr lang="en-US" sz="1600" dirty="0">
-                <a:latin typeface="Lucida Console"/>
-                <a:cs typeface="Lucida Console"/>
-              </a:rPr>
-            </a:br>
-            <a:endParaRPr lang="en-US" sz="1600" dirty="0" smtClean="0">
-              <a:latin typeface="Lucida Console"/>
-              <a:cs typeface="Lucida Console"/>
-            </a:endParaRPr>
-          </a:p>
-          <a:p>
-            <a:pPr marL="0" indent="0">
-              <a:buNone/>
-            </a:pPr>
-            <a:r>
-              <a:rPr lang="en-US" dirty="0"/>
-              <a:t>To receive a result from a started activity</a:t>
-            </a:r>
-          </a:p>
-          <a:p>
-            <a:pPr marL="0" indent="0">
-              <a:buNone/>
-            </a:pPr>
-            <a:endParaRPr lang="en-US" sz="2000" dirty="0" smtClean="0">
-              <a:latin typeface="Lucida Console"/>
-              <a:cs typeface="Lucida Console"/>
-            </a:endParaRPr>
-          </a:p>
-          <a:p>
-            <a:pPr marL="400050" lvl="1" indent="0">
-              <a:buNone/>
-            </a:pPr>
-            <a:r>
-              <a:rPr lang="en-US" sz="2000" dirty="0" err="1">
-                <a:latin typeface="Lucida Console"/>
-                <a:cs typeface="Lucida Console"/>
-              </a:rPr>
-              <a:t>onActivityResult</a:t>
-            </a:r>
-            <a:r>
-              <a:rPr lang="en-US" sz="2000" dirty="0" smtClean="0">
-                <a:latin typeface="Lucida Console"/>
-                <a:cs typeface="Lucida Console"/>
-              </a:rPr>
-              <a:t>(</a:t>
-            </a:r>
-          </a:p>
-          <a:p>
-            <a:pPr marL="400050" lvl="1" indent="0">
-              <a:buNone/>
-            </a:pPr>
-            <a:r>
-              <a:rPr lang="en-US" sz="2000" dirty="0">
-                <a:latin typeface="Lucida Console"/>
-                <a:cs typeface="Lucida Console"/>
-              </a:rPr>
-              <a:t>	</a:t>
-            </a:r>
-            <a:r>
-              <a:rPr lang="en-US" sz="2000" dirty="0" smtClean="0">
-                <a:latin typeface="Lucida Console"/>
-                <a:cs typeface="Lucida Console"/>
-              </a:rPr>
-              <a:t>	</a:t>
-            </a:r>
-            <a:r>
-              <a:rPr lang="en-US" sz="2000" dirty="0" err="1" smtClean="0">
-                <a:latin typeface="Lucida Console"/>
-                <a:cs typeface="Lucida Console"/>
-              </a:rPr>
-              <a:t>int</a:t>
-            </a:r>
-            <a:r>
-              <a:rPr lang="en-US" sz="2000" dirty="0" smtClean="0">
-                <a:latin typeface="Lucida Console"/>
-                <a:cs typeface="Lucida Console"/>
-              </a:rPr>
-              <a:t> </a:t>
-            </a:r>
-            <a:r>
-              <a:rPr lang="en-US" sz="2000" dirty="0" err="1">
-                <a:latin typeface="Lucida Console"/>
-                <a:cs typeface="Lucida Console"/>
-              </a:rPr>
-              <a:t>requestCode</a:t>
-            </a:r>
-            <a:r>
-              <a:rPr lang="en-US" sz="2000" dirty="0">
-                <a:latin typeface="Lucida Console"/>
-                <a:cs typeface="Lucida Console"/>
-              </a:rPr>
-              <a:t>, </a:t>
-            </a:r>
-            <a:r>
-              <a:rPr lang="en-US" sz="2000" dirty="0" err="1">
-                <a:latin typeface="Lucida Console"/>
-                <a:cs typeface="Lucida Console"/>
-              </a:rPr>
-              <a:t>int</a:t>
-            </a:r>
-            <a:r>
-              <a:rPr lang="en-US" sz="2000" dirty="0">
-                <a:latin typeface="Lucida Console"/>
-                <a:cs typeface="Lucida Console"/>
-              </a:rPr>
-              <a:t> </a:t>
-            </a:r>
-            <a:r>
-              <a:rPr lang="en-US" sz="2000" dirty="0" err="1">
-                <a:latin typeface="Lucida Console"/>
-                <a:cs typeface="Lucida Console"/>
-              </a:rPr>
-              <a:t>resultCode</a:t>
-            </a:r>
-            <a:r>
-              <a:rPr lang="en-US" sz="2000" dirty="0">
-                <a:latin typeface="Lucida Console"/>
-                <a:cs typeface="Lucida Console"/>
-              </a:rPr>
-              <a:t>, </a:t>
-            </a:r>
-            <a:r>
-              <a:rPr lang="en-US" sz="2000" dirty="0" smtClean="0">
-                <a:latin typeface="Lucida Console"/>
-                <a:cs typeface="Lucida Console"/>
-              </a:rPr>
-              <a:t>Intent </a:t>
-            </a:r>
-            <a:r>
-              <a:rPr lang="en-US" sz="2000" dirty="0">
-                <a:latin typeface="Lucida Console"/>
-                <a:cs typeface="Lucida Console"/>
-              </a:rPr>
-              <a:t>data)</a:t>
-            </a:r>
-          </a:p>
-        </p:txBody>
-      </p:sp>
-    </p:spTree>
-    <p:extLst>
-      <p:ext uri="{BB962C8B-B14F-4D97-AF65-F5344CB8AC3E}">
-        <p14:creationId xmlns:p14="http://schemas.microsoft.com/office/powerpoint/2010/main" val="3500067521"/>
-      </p:ext>
-    </p:extLst>
-  </p:cSld>
-  <p:clrMapOvr>
-    <a:masterClrMapping/>
-  </p:clrMapOvr>
-</p:sld>
-</file>
-
 <file path=ppt/slides/slide22.xml><?xml version="1.0" encoding="utf-8"?>
 <p:sld xmlns:a="http://schemas.openxmlformats.org/drawingml/2006/main" xmlns:r="http://schemas.openxmlformats.org/officeDocument/2006/relationships" xmlns:p="http://schemas.openxmlformats.org/presentationml/2006/main">
   <p:cSld>
@@ -5378,7 +5277,7 @@
           <a:p>
             <a:r>
               <a:rPr lang="en-US" dirty="0" smtClean="0"/>
-              <a:t>Intent Filter</a:t>
+              <a:t>Start for a result</a:t>
             </a:r>
             <a:endParaRPr lang="en-US" dirty="0"/>
           </a:p>
@@ -5397,339 +5296,287 @@
         <p:spPr/>
         <p:txBody>
           <a:bodyPr>
-            <a:normAutofit fontScale="92500"/>
+            <a:normAutofit lnSpcReduction="10000"/>
           </a:bodyPr>
           <a:lstStyle/>
           <a:p>
-            <a:r>
-              <a:rPr lang="en-US" sz="2800" dirty="0" smtClean="0"/>
-              <a:t>Allows other applications to activate your Activity</a:t>
-            </a:r>
-          </a:p>
-          <a:p>
-            <a:r>
-              <a:rPr lang="en-US" sz="2800" dirty="0" smtClean="0"/>
-              <a:t>Three “tests”</a:t>
-            </a:r>
-          </a:p>
-          <a:p>
-            <a:pPr lvl="1"/>
-            <a:r>
-              <a:rPr lang="en-US" dirty="0" smtClean="0"/>
-              <a:t>Action</a:t>
-            </a:r>
-          </a:p>
-          <a:p>
-            <a:pPr lvl="1"/>
-            <a:r>
-              <a:rPr lang="en-US" dirty="0" smtClean="0"/>
-              <a:t>Category</a:t>
-            </a:r>
-          </a:p>
-          <a:p>
-            <a:pPr lvl="1"/>
-            <a:r>
-              <a:rPr lang="en-US" dirty="0" smtClean="0"/>
-              <a:t>Data</a:t>
-            </a:r>
-          </a:p>
-          <a:p>
             <a:pPr marL="0" indent="0">
               <a:buNone/>
             </a:pPr>
-            <a:endParaRPr lang="en-US" sz="2200" dirty="0" smtClean="0"/>
+            <a:r>
+              <a:rPr lang="en-US" dirty="0" smtClean="0"/>
+              <a:t>To receive a result from a started activity</a:t>
+            </a:r>
+            <a:endParaRPr lang="en-US" sz="2900" dirty="0" smtClean="0"/>
           </a:p>
           <a:p>
             <a:pPr marL="0" indent="0">
               <a:buNone/>
             </a:pPr>
-            <a:r>
-              <a:rPr lang="en-US" sz="1700" dirty="0" smtClean="0">
-                <a:latin typeface="Lucida Console"/>
-                <a:cs typeface="Lucida Console"/>
-              </a:rPr>
-              <a:t>&lt;</a:t>
-            </a:r>
-            <a:r>
-              <a:rPr lang="en-US" sz="1700" dirty="0">
-                <a:latin typeface="Lucida Console"/>
-                <a:cs typeface="Lucida Console"/>
-              </a:rPr>
-              <a:t>activity </a:t>
-            </a:r>
-            <a:r>
-              <a:rPr lang="en-US" sz="1700" dirty="0" err="1">
-                <a:latin typeface="Lucida Console"/>
-                <a:cs typeface="Lucida Console"/>
-              </a:rPr>
-              <a:t>android:name</a:t>
-            </a:r>
-            <a:r>
-              <a:rPr lang="en-US" sz="1700" dirty="0">
-                <a:latin typeface="Lucida Console"/>
-                <a:cs typeface="Lucida Console"/>
-              </a:rPr>
-              <a:t>="</a:t>
-            </a:r>
-            <a:r>
-              <a:rPr lang="en-US" sz="1700" dirty="0" smtClean="0">
-                <a:latin typeface="Lucida Console"/>
-                <a:cs typeface="Lucida Console"/>
-              </a:rPr>
-              <a:t>.</a:t>
-            </a:r>
-            <a:r>
-              <a:rPr lang="en-US" sz="1700" dirty="0" err="1" smtClean="0">
-                <a:latin typeface="Lucida Console"/>
-                <a:cs typeface="Lucida Console"/>
-              </a:rPr>
-              <a:t>MainActivity</a:t>
-            </a:r>
-            <a:r>
-              <a:rPr lang="en-US" sz="1700" dirty="0" smtClean="0">
-                <a:latin typeface="Lucida Console"/>
-                <a:cs typeface="Lucida Console"/>
-              </a:rPr>
-              <a:t>”&gt;</a:t>
-            </a:r>
-            <a:r>
-              <a:rPr lang="en-US" sz="1700" dirty="0">
+            <a:endParaRPr lang="en-US" sz="2000" dirty="0"/>
+          </a:p>
+          <a:p>
+            <a:pPr marL="400050" lvl="1" indent="0">
+              <a:buNone/>
+            </a:pPr>
+            <a:r>
+              <a:rPr lang="en-US" sz="2000" dirty="0" smtClean="0">
+                <a:latin typeface="Lucida Console"/>
+                <a:cs typeface="Lucida Console"/>
+              </a:rPr>
+              <a:t>Intent </a:t>
+            </a:r>
+            <a:r>
+              <a:rPr lang="en-US" sz="2000" dirty="0">
+                <a:latin typeface="Lucida Console"/>
+                <a:cs typeface="Lucida Console"/>
+              </a:rPr>
+              <a:t>intent = new Intent</a:t>
+            </a:r>
+            <a:r>
+              <a:rPr lang="en-US" sz="2000" dirty="0" smtClean="0">
+                <a:latin typeface="Lucida Console"/>
+                <a:cs typeface="Lucida Console"/>
+              </a:rPr>
+              <a:t>(</a:t>
+            </a:r>
+          </a:p>
+          <a:p>
+            <a:pPr marL="400050" lvl="1" indent="0">
+              <a:buNone/>
+            </a:pPr>
+            <a:r>
+              <a:rPr lang="en-US" sz="2000" dirty="0">
+                <a:latin typeface="Lucida Console"/>
+                <a:cs typeface="Lucida Console"/>
+              </a:rPr>
+              <a:t>	</a:t>
+            </a:r>
+            <a:r>
+              <a:rPr lang="en-US" sz="2000" dirty="0" smtClean="0">
+                <a:latin typeface="Lucida Console"/>
+                <a:cs typeface="Lucida Console"/>
+              </a:rPr>
+              <a:t>	</a:t>
+            </a:r>
+            <a:r>
+              <a:rPr lang="en-US" sz="2000" dirty="0" err="1" smtClean="0">
+                <a:latin typeface="Lucida Console"/>
+                <a:cs typeface="Lucida Console"/>
+              </a:rPr>
+              <a:t>Intent.ACTION_PICK</a:t>
+            </a:r>
+            <a:r>
+              <a:rPr lang="en-US" sz="2000" dirty="0">
+                <a:latin typeface="Lucida Console"/>
+                <a:cs typeface="Lucida Console"/>
+              </a:rPr>
+              <a:t>, </a:t>
+            </a:r>
+            <a:r>
+              <a:rPr lang="en-US" sz="2000" dirty="0" err="1" smtClean="0">
+                <a:latin typeface="Lucida Console"/>
+                <a:cs typeface="Lucida Console"/>
+              </a:rPr>
+              <a:t>Contacts.CONTENT_URI</a:t>
+            </a:r>
+            <a:r>
+              <a:rPr lang="en-US" sz="2000" dirty="0">
+                <a:latin typeface="Lucida Console"/>
+                <a:cs typeface="Lucida Console"/>
+              </a:rPr>
+              <a:t>);</a:t>
+            </a:r>
+            <a:br>
+              <a:rPr lang="en-US" sz="2000" dirty="0">
+                <a:latin typeface="Lucida Console"/>
+                <a:cs typeface="Lucida Console"/>
+              </a:rPr>
+            </a:br>
+            <a:endParaRPr lang="en-US" sz="2000" dirty="0" smtClean="0">
+              <a:latin typeface="Lucida Console"/>
+              <a:cs typeface="Lucida Console"/>
+            </a:endParaRPr>
+          </a:p>
+          <a:p>
+            <a:pPr marL="400050" lvl="1" indent="0">
+              <a:buNone/>
+            </a:pPr>
+            <a:r>
+              <a:rPr lang="en-US" sz="2000" dirty="0" err="1" smtClean="0">
+                <a:latin typeface="Lucida Console"/>
+                <a:cs typeface="Lucida Console"/>
+              </a:rPr>
+              <a:t>startActivityForResult</a:t>
+            </a:r>
+            <a:r>
+              <a:rPr lang="en-US" sz="2000" dirty="0" smtClean="0">
+                <a:latin typeface="Lucida Console"/>
+                <a:cs typeface="Lucida Console"/>
+              </a:rPr>
+              <a:t>(</a:t>
+            </a:r>
+          </a:p>
+          <a:p>
+            <a:pPr marL="400050" lvl="1" indent="0">
+              <a:buNone/>
+            </a:pPr>
+            <a:r>
+              <a:rPr lang="en-US" sz="2000" dirty="0" smtClean="0">
+                <a:latin typeface="Lucida Console"/>
+                <a:cs typeface="Lucida Console"/>
+              </a:rPr>
+              <a:t>		Intent, PICK_CONTACT_REQUEST</a:t>
+            </a:r>
+            <a:r>
+              <a:rPr lang="en-US" sz="2000" dirty="0">
+                <a:latin typeface="Lucida Console"/>
+                <a:cs typeface="Lucida Console"/>
+              </a:rPr>
+              <a:t>);</a:t>
+            </a:r>
+            <a:r>
+              <a:rPr lang="en-US" sz="1600" dirty="0">
                 <a:latin typeface="Lucida Console"/>
                 <a:cs typeface="Lucida Console"/>
               </a:rPr>
               <a:t/>
             </a:r>
             <a:br>
-              <a:rPr lang="en-US" sz="1700" dirty="0">
+              <a:rPr lang="en-US" sz="1600" dirty="0">
                 <a:latin typeface="Lucida Console"/>
                 <a:cs typeface="Lucida Console"/>
               </a:rPr>
             </a:br>
-            <a:r>
-              <a:rPr lang="en-US" sz="1700" dirty="0" smtClean="0">
-                <a:latin typeface="Lucida Console"/>
-                <a:cs typeface="Lucida Console"/>
-              </a:rPr>
-              <a:t>  &lt;</a:t>
-            </a:r>
-            <a:r>
-              <a:rPr lang="en-US" sz="1700" dirty="0">
-                <a:latin typeface="Lucida Console"/>
-                <a:cs typeface="Lucida Console"/>
-              </a:rPr>
-              <a:t>intent-filter&gt;</a:t>
-            </a:r>
-            <a:br>
-              <a:rPr lang="en-US" sz="1700" dirty="0">
-                <a:latin typeface="Lucida Console"/>
-                <a:cs typeface="Lucida Console"/>
-              </a:rPr>
-            </a:br>
-            <a:r>
-              <a:rPr lang="en-US" sz="1700" dirty="0" smtClean="0">
-                <a:latin typeface="Lucida Console"/>
-                <a:cs typeface="Lucida Console"/>
-              </a:rPr>
-              <a:t>    &lt;</a:t>
-            </a:r>
-            <a:r>
-              <a:rPr lang="en-US" sz="1700" dirty="0">
-                <a:latin typeface="Lucida Console"/>
-                <a:cs typeface="Lucida Console"/>
-              </a:rPr>
-              <a:t>action </a:t>
-            </a:r>
-            <a:r>
-              <a:rPr lang="en-US" sz="1700" dirty="0" err="1">
-                <a:latin typeface="Lucida Console"/>
-                <a:cs typeface="Lucida Console"/>
-              </a:rPr>
-              <a:t>android:name</a:t>
-            </a:r>
-            <a:r>
-              <a:rPr lang="en-US" sz="1700" dirty="0">
-                <a:latin typeface="Lucida Console"/>
-                <a:cs typeface="Lucida Console"/>
-              </a:rPr>
-              <a:t>="</a:t>
-            </a:r>
-            <a:r>
-              <a:rPr lang="en-US" sz="1700" dirty="0" err="1">
-                <a:latin typeface="Lucida Console"/>
-                <a:cs typeface="Lucida Console"/>
-              </a:rPr>
-              <a:t>android.intent.action.MAIN</a:t>
-            </a:r>
-            <a:r>
-              <a:rPr lang="en-US" sz="1700" dirty="0">
-                <a:latin typeface="Lucida Console"/>
-                <a:cs typeface="Lucida Console"/>
-              </a:rPr>
-              <a:t>" /&gt;</a:t>
-            </a:r>
-            <a:br>
-              <a:rPr lang="en-US" sz="1700" dirty="0">
-                <a:latin typeface="Lucida Console"/>
-                <a:cs typeface="Lucida Console"/>
-              </a:rPr>
-            </a:br>
-            <a:r>
-              <a:rPr lang="en-US" sz="1700" dirty="0">
-                <a:latin typeface="Lucida Console"/>
-                <a:cs typeface="Lucida Console"/>
-              </a:rPr>
-              <a:t>    </a:t>
-            </a:r>
-            <a:r>
-              <a:rPr lang="en-US" sz="1700" dirty="0" smtClean="0">
-                <a:latin typeface="Lucida Console"/>
-                <a:cs typeface="Lucida Console"/>
-              </a:rPr>
-              <a:t>&lt;</a:t>
-            </a:r>
-            <a:r>
-              <a:rPr lang="en-US" sz="1700" dirty="0">
-                <a:latin typeface="Lucida Console"/>
-                <a:cs typeface="Lucida Console"/>
-              </a:rPr>
-              <a:t>category </a:t>
-            </a:r>
-            <a:r>
-              <a:rPr lang="en-US" sz="1700" dirty="0" err="1">
-                <a:latin typeface="Lucida Console"/>
-                <a:cs typeface="Lucida Console"/>
-              </a:rPr>
-              <a:t>android:name</a:t>
-            </a:r>
-            <a:r>
-              <a:rPr lang="en-US" sz="1700" dirty="0">
-                <a:latin typeface="Lucida Console"/>
-                <a:cs typeface="Lucida Console"/>
-              </a:rPr>
-              <a:t>="</a:t>
-            </a:r>
-            <a:r>
-              <a:rPr lang="en-US" sz="1700" dirty="0" err="1">
-                <a:latin typeface="Lucida Console"/>
-                <a:cs typeface="Lucida Console"/>
-              </a:rPr>
-              <a:t>android.intent.category.LAUNCHER</a:t>
-            </a:r>
-            <a:r>
-              <a:rPr lang="en-US" sz="1700" dirty="0">
-                <a:latin typeface="Lucida Console"/>
-                <a:cs typeface="Lucida Console"/>
-              </a:rPr>
-              <a:t>" /&gt;</a:t>
-            </a:r>
-            <a:br>
-              <a:rPr lang="en-US" sz="1700" dirty="0">
-                <a:latin typeface="Lucida Console"/>
-                <a:cs typeface="Lucida Console"/>
-              </a:rPr>
-            </a:br>
-            <a:r>
-              <a:rPr lang="en-US" sz="1700" dirty="0">
-                <a:latin typeface="Lucida Console"/>
-                <a:cs typeface="Lucida Console"/>
-              </a:rPr>
-              <a:t>	 </a:t>
-            </a:r>
-            <a:r>
-              <a:rPr lang="en-US" sz="1700" dirty="0" smtClean="0">
-                <a:latin typeface="Lucida Console"/>
-                <a:cs typeface="Lucida Console"/>
-              </a:rPr>
-              <a:t>&lt;</a:t>
-            </a:r>
-            <a:r>
-              <a:rPr lang="en-US" sz="1700" dirty="0">
-                <a:latin typeface="Lucida Console"/>
-                <a:cs typeface="Lucida Console"/>
-              </a:rPr>
-              <a:t>data </a:t>
-            </a:r>
-            <a:r>
-              <a:rPr lang="en-US" sz="1700" dirty="0" err="1">
-                <a:latin typeface="Lucida Console"/>
-                <a:cs typeface="Lucida Console"/>
-              </a:rPr>
-              <a:t>android:mimeType</a:t>
-            </a:r>
-            <a:r>
-              <a:rPr lang="en-US" sz="1700" dirty="0">
-                <a:latin typeface="Lucida Console"/>
-                <a:cs typeface="Lucida Console"/>
-              </a:rPr>
-              <a:t>="audio/mpeg" </a:t>
-            </a:r>
-            <a:r>
-              <a:rPr lang="en-US" sz="1700" dirty="0" err="1">
-                <a:latin typeface="Lucida Console"/>
-                <a:cs typeface="Lucida Console"/>
-              </a:rPr>
-              <a:t>android:scheme</a:t>
-            </a:r>
-            <a:r>
-              <a:rPr lang="en-US" sz="1700" dirty="0">
-                <a:latin typeface="Lucida Console"/>
-                <a:cs typeface="Lucida Console"/>
-              </a:rPr>
-              <a:t>="</a:t>
-            </a:r>
-            <a:r>
-              <a:rPr lang="en-US" sz="1700" dirty="0" smtClean="0">
-                <a:latin typeface="Lucida Console"/>
-                <a:cs typeface="Lucida Console"/>
-              </a:rPr>
-              <a:t>http” /</a:t>
-            </a:r>
-            <a:r>
-              <a:rPr lang="en-US" sz="1700" dirty="0">
-                <a:latin typeface="Lucida Console"/>
-                <a:cs typeface="Lucida Console"/>
-              </a:rPr>
-              <a:t>&gt;</a:t>
-            </a:r>
-            <a:br>
-              <a:rPr lang="en-US" sz="1700" dirty="0">
-                <a:latin typeface="Lucida Console"/>
-                <a:cs typeface="Lucida Console"/>
-              </a:rPr>
-            </a:br>
-            <a:r>
-              <a:rPr lang="en-US" sz="1700" dirty="0">
-                <a:latin typeface="Lucida Console"/>
-                <a:cs typeface="Lucida Console"/>
-              </a:rPr>
-              <a:t>  </a:t>
-            </a:r>
-            <a:r>
-              <a:rPr lang="en-US" sz="1700" dirty="0" smtClean="0">
-                <a:latin typeface="Lucida Console"/>
-                <a:cs typeface="Lucida Console"/>
-              </a:rPr>
-              <a:t> &lt;</a:t>
-            </a:r>
-            <a:r>
-              <a:rPr lang="en-US" sz="1700" dirty="0">
-                <a:latin typeface="Lucida Console"/>
-                <a:cs typeface="Lucida Console"/>
-              </a:rPr>
-              <a:t>/intent-filter&gt;</a:t>
-            </a:r>
-            <a:br>
-              <a:rPr lang="en-US" sz="1700" dirty="0">
-                <a:latin typeface="Lucida Console"/>
-                <a:cs typeface="Lucida Console"/>
-              </a:rPr>
-            </a:br>
-            <a:r>
-              <a:rPr lang="en-US" sz="1700" dirty="0">
-                <a:latin typeface="Lucida Console"/>
-                <a:cs typeface="Lucida Console"/>
-              </a:rPr>
-              <a:t>&lt;/activity&gt;</a:t>
+            <a:endParaRPr lang="en-US" sz="1600" dirty="0" smtClean="0">
+              <a:latin typeface="Lucida Console"/>
+              <a:cs typeface="Lucida Console"/>
+            </a:endParaRPr>
+          </a:p>
+          <a:p>
+            <a:pPr marL="0" indent="0">
+              <a:buNone/>
+            </a:pPr>
+            <a:r>
+              <a:rPr lang="en-US" dirty="0"/>
+              <a:t>To receive a result from a started activity</a:t>
+            </a:r>
+          </a:p>
+          <a:p>
+            <a:pPr marL="0" indent="0">
+              <a:buNone/>
+            </a:pPr>
+            <a:endParaRPr lang="en-US" sz="2000" dirty="0" smtClean="0">
+              <a:latin typeface="Lucida Console"/>
+              <a:cs typeface="Lucida Console"/>
+            </a:endParaRPr>
+          </a:p>
+          <a:p>
+            <a:pPr marL="400050" lvl="1" indent="0">
+              <a:buNone/>
+            </a:pPr>
+            <a:r>
+              <a:rPr lang="en-US" sz="2000" dirty="0" err="1">
+                <a:latin typeface="Lucida Console"/>
+                <a:cs typeface="Lucida Console"/>
+              </a:rPr>
+              <a:t>onActivityResult</a:t>
+            </a:r>
+            <a:r>
+              <a:rPr lang="en-US" sz="2000" dirty="0" smtClean="0">
+                <a:latin typeface="Lucida Console"/>
+                <a:cs typeface="Lucida Console"/>
+              </a:rPr>
+              <a:t>(</a:t>
+            </a:r>
+          </a:p>
+          <a:p>
+            <a:pPr marL="400050" lvl="1" indent="0">
+              <a:buNone/>
+            </a:pPr>
+            <a:r>
+              <a:rPr lang="en-US" sz="2000" dirty="0">
+                <a:latin typeface="Lucida Console"/>
+                <a:cs typeface="Lucida Console"/>
+              </a:rPr>
+              <a:t>	</a:t>
+            </a:r>
+            <a:r>
+              <a:rPr lang="en-US" sz="2000" dirty="0" smtClean="0">
+                <a:latin typeface="Lucida Console"/>
+                <a:cs typeface="Lucida Console"/>
+              </a:rPr>
+              <a:t>	</a:t>
+            </a:r>
+            <a:r>
+              <a:rPr lang="en-US" sz="2000" dirty="0" err="1" smtClean="0">
+                <a:latin typeface="Lucida Console"/>
+                <a:cs typeface="Lucida Console"/>
+              </a:rPr>
+              <a:t>int</a:t>
+            </a:r>
+            <a:r>
+              <a:rPr lang="en-US" sz="2000" dirty="0" smtClean="0">
+                <a:latin typeface="Lucida Console"/>
+                <a:cs typeface="Lucida Console"/>
+              </a:rPr>
+              <a:t> </a:t>
+            </a:r>
+            <a:r>
+              <a:rPr lang="en-US" sz="2000" dirty="0" err="1">
+                <a:latin typeface="Lucida Console"/>
+                <a:cs typeface="Lucida Console"/>
+              </a:rPr>
+              <a:t>requestCode</a:t>
+            </a:r>
+            <a:r>
+              <a:rPr lang="en-US" sz="2000" dirty="0">
+                <a:latin typeface="Lucida Console"/>
+                <a:cs typeface="Lucida Console"/>
+              </a:rPr>
+              <a:t>, </a:t>
+            </a:r>
+            <a:r>
+              <a:rPr lang="en-US" sz="2000" dirty="0" err="1">
+                <a:latin typeface="Lucida Console"/>
+                <a:cs typeface="Lucida Console"/>
+              </a:rPr>
+              <a:t>int</a:t>
+            </a:r>
+            <a:r>
+              <a:rPr lang="en-US" sz="2000" dirty="0">
+                <a:latin typeface="Lucida Console"/>
+                <a:cs typeface="Lucida Console"/>
+              </a:rPr>
+              <a:t> </a:t>
+            </a:r>
+            <a:r>
+              <a:rPr lang="en-US" sz="2000" dirty="0" err="1">
+                <a:latin typeface="Lucida Console"/>
+                <a:cs typeface="Lucida Console"/>
+              </a:rPr>
+              <a:t>resultCode</a:t>
+            </a:r>
+            <a:r>
+              <a:rPr lang="en-US" sz="2000" dirty="0">
+                <a:latin typeface="Lucida Console"/>
+                <a:cs typeface="Lucida Console"/>
+              </a:rPr>
+              <a:t>, </a:t>
+            </a:r>
+            <a:r>
+              <a:rPr lang="en-US" sz="2000" dirty="0" smtClean="0">
+                <a:latin typeface="Lucida Console"/>
+                <a:cs typeface="Lucida Console"/>
+              </a:rPr>
+              <a:t>Intent </a:t>
+            </a:r>
+            <a:r>
+              <a:rPr lang="en-US" sz="2000" dirty="0">
+                <a:latin typeface="Lucida Console"/>
+                <a:cs typeface="Lucida Console"/>
+              </a:rPr>
+              <a:t>data)</a:t>
             </a:r>
           </a:p>
         </p:txBody>
@@ -5737,7 +5584,7 @@
     </p:spTree>
     <p:extLst>
       <p:ext uri="{BB962C8B-B14F-4D97-AF65-F5344CB8AC3E}">
-        <p14:creationId xmlns:p14="http://schemas.microsoft.com/office/powerpoint/2010/main" val="822748568"/>
+        <p14:creationId xmlns:p14="http://schemas.microsoft.com/office/powerpoint/2010/main" val="3500067521"/>
       </p:ext>
     </p:extLst>
   </p:cSld>
@@ -5781,6 +5628,409 @@
           <a:p>
             <a:r>
               <a:rPr lang="en-US" dirty="0" smtClean="0"/>
+              <a:t>Intent Filter</a:t>
+            </a:r>
+            <a:endParaRPr lang="en-US" dirty="0"/>
+          </a:p>
+        </p:txBody>
+      </p:sp>
+      <p:sp>
+        <p:nvSpPr>
+          <p:cNvPr id="3" name="Content Placeholder 2"/>
+          <p:cNvSpPr>
+            <a:spLocks noGrp="1"/>
+          </p:cNvSpPr>
+          <p:nvPr>
+            <p:ph idx="1"/>
+          </p:nvPr>
+        </p:nvSpPr>
+        <p:spPr/>
+        <p:txBody>
+          <a:bodyPr>
+            <a:normAutofit fontScale="92500"/>
+          </a:bodyPr>
+          <a:lstStyle/>
+          <a:p>
+            <a:r>
+              <a:rPr lang="en-US" sz="2800" dirty="0" smtClean="0"/>
+              <a:t>Allows other applications to activate your Activity</a:t>
+            </a:r>
+          </a:p>
+          <a:p>
+            <a:r>
+              <a:rPr lang="en-US" sz="2800" dirty="0" smtClean="0"/>
+              <a:t>Three “tests”</a:t>
+            </a:r>
+          </a:p>
+          <a:p>
+            <a:pPr lvl="1"/>
+            <a:r>
+              <a:rPr lang="en-US" dirty="0" smtClean="0"/>
+              <a:t>Action</a:t>
+            </a:r>
+          </a:p>
+          <a:p>
+            <a:pPr lvl="1"/>
+            <a:r>
+              <a:rPr lang="en-US" dirty="0" smtClean="0"/>
+              <a:t>Category</a:t>
+            </a:r>
+          </a:p>
+          <a:p>
+            <a:pPr lvl="1"/>
+            <a:r>
+              <a:rPr lang="en-US" dirty="0" smtClean="0"/>
+              <a:t>Data</a:t>
+            </a:r>
+          </a:p>
+          <a:p>
+            <a:pPr marL="0" indent="0">
+              <a:buNone/>
+            </a:pPr>
+            <a:endParaRPr lang="en-US" sz="2200" dirty="0" smtClean="0"/>
+          </a:p>
+          <a:p>
+            <a:pPr marL="0" indent="0">
+              <a:buNone/>
+            </a:pPr>
+            <a:r>
+              <a:rPr lang="en-US" sz="1700" dirty="0" smtClean="0">
+                <a:latin typeface="Lucida Console"/>
+                <a:cs typeface="Lucida Console"/>
+              </a:rPr>
+              <a:t>&lt;</a:t>
+            </a:r>
+            <a:r>
+              <a:rPr lang="en-US" sz="1700" dirty="0">
+                <a:latin typeface="Lucida Console"/>
+                <a:cs typeface="Lucida Console"/>
+              </a:rPr>
+              <a:t>activity </a:t>
+            </a:r>
+            <a:r>
+              <a:rPr lang="en-US" sz="1700" dirty="0" err="1">
+                <a:latin typeface="Lucida Console"/>
+                <a:cs typeface="Lucida Console"/>
+              </a:rPr>
+              <a:t>android:name</a:t>
+            </a:r>
+            <a:r>
+              <a:rPr lang="en-US" sz="1700" dirty="0">
+                <a:latin typeface="Lucida Console"/>
+                <a:cs typeface="Lucida Console"/>
+              </a:rPr>
+              <a:t>="</a:t>
+            </a:r>
+            <a:r>
+              <a:rPr lang="en-US" sz="1700" dirty="0" smtClean="0">
+                <a:latin typeface="Lucida Console"/>
+                <a:cs typeface="Lucida Console"/>
+              </a:rPr>
+              <a:t>.</a:t>
+            </a:r>
+            <a:r>
+              <a:rPr lang="en-US" sz="1700" dirty="0" err="1" smtClean="0">
+                <a:latin typeface="Lucida Console"/>
+                <a:cs typeface="Lucida Console"/>
+              </a:rPr>
+              <a:t>MainActivity</a:t>
+            </a:r>
+            <a:r>
+              <a:rPr lang="en-US" sz="1700" dirty="0" smtClean="0">
+                <a:latin typeface="Lucida Console"/>
+                <a:cs typeface="Lucida Console"/>
+              </a:rPr>
+              <a:t>”&gt;</a:t>
+            </a:r>
+            <a:r>
+              <a:rPr lang="en-US" sz="1700" dirty="0">
+                <a:latin typeface="Lucida Console"/>
+                <a:cs typeface="Lucida Console"/>
+              </a:rPr>
+              <a:t/>
+            </a:r>
+            <a:br>
+              <a:rPr lang="en-US" sz="1700" dirty="0">
+                <a:latin typeface="Lucida Console"/>
+                <a:cs typeface="Lucida Console"/>
+              </a:rPr>
+            </a:br>
+            <a:r>
+              <a:rPr lang="en-US" sz="1700" dirty="0" smtClean="0">
+                <a:latin typeface="Lucida Console"/>
+                <a:cs typeface="Lucida Console"/>
+              </a:rPr>
+              <a:t>  &lt;</a:t>
+            </a:r>
+            <a:r>
+              <a:rPr lang="en-US" sz="1700" dirty="0">
+                <a:latin typeface="Lucida Console"/>
+                <a:cs typeface="Lucida Console"/>
+              </a:rPr>
+              <a:t>intent-filter&gt;</a:t>
+            </a:r>
+            <a:br>
+              <a:rPr lang="en-US" sz="1700" dirty="0">
+                <a:latin typeface="Lucida Console"/>
+                <a:cs typeface="Lucida Console"/>
+              </a:rPr>
+            </a:br>
+            <a:r>
+              <a:rPr lang="en-US" sz="1700" dirty="0" smtClean="0">
+                <a:latin typeface="Lucida Console"/>
+                <a:cs typeface="Lucida Console"/>
+              </a:rPr>
+              <a:t>    &lt;</a:t>
+            </a:r>
+            <a:r>
+              <a:rPr lang="en-US" sz="1700" dirty="0">
+                <a:latin typeface="Lucida Console"/>
+                <a:cs typeface="Lucida Console"/>
+              </a:rPr>
+              <a:t>action </a:t>
+            </a:r>
+            <a:r>
+              <a:rPr lang="en-US" sz="1700" dirty="0" err="1">
+                <a:latin typeface="Lucida Console"/>
+                <a:cs typeface="Lucida Console"/>
+              </a:rPr>
+              <a:t>android:name</a:t>
+            </a:r>
+            <a:r>
+              <a:rPr lang="en-US" sz="1700" dirty="0">
+                <a:latin typeface="Lucida Console"/>
+                <a:cs typeface="Lucida Console"/>
+              </a:rPr>
+              <a:t>="</a:t>
+            </a:r>
+            <a:r>
+              <a:rPr lang="en-US" sz="1700" dirty="0" err="1">
+                <a:latin typeface="Lucida Console"/>
+                <a:cs typeface="Lucida Console"/>
+              </a:rPr>
+              <a:t>android.intent.action.MAIN</a:t>
+            </a:r>
+            <a:r>
+              <a:rPr lang="en-US" sz="1700" dirty="0">
+                <a:latin typeface="Lucida Console"/>
+                <a:cs typeface="Lucida Console"/>
+              </a:rPr>
+              <a:t>" /&gt;</a:t>
+            </a:r>
+            <a:br>
+              <a:rPr lang="en-US" sz="1700" dirty="0">
+                <a:latin typeface="Lucida Console"/>
+                <a:cs typeface="Lucida Console"/>
+              </a:rPr>
+            </a:br>
+            <a:r>
+              <a:rPr lang="en-US" sz="1700" dirty="0">
+                <a:latin typeface="Lucida Console"/>
+                <a:cs typeface="Lucida Console"/>
+              </a:rPr>
+              <a:t>    </a:t>
+            </a:r>
+            <a:r>
+              <a:rPr lang="en-US" sz="1700" dirty="0" smtClean="0">
+                <a:latin typeface="Lucida Console"/>
+                <a:cs typeface="Lucida Console"/>
+              </a:rPr>
+              <a:t>&lt;</a:t>
+            </a:r>
+            <a:r>
+              <a:rPr lang="en-US" sz="1700" dirty="0">
+                <a:latin typeface="Lucida Console"/>
+                <a:cs typeface="Lucida Console"/>
+              </a:rPr>
+              <a:t>category </a:t>
+            </a:r>
+            <a:r>
+              <a:rPr lang="en-US" sz="1700" dirty="0" err="1">
+                <a:latin typeface="Lucida Console"/>
+                <a:cs typeface="Lucida Console"/>
+              </a:rPr>
+              <a:t>android:name</a:t>
+            </a:r>
+            <a:r>
+              <a:rPr lang="en-US" sz="1700" dirty="0">
+                <a:latin typeface="Lucida Console"/>
+                <a:cs typeface="Lucida Console"/>
+              </a:rPr>
+              <a:t>="</a:t>
+            </a:r>
+            <a:r>
+              <a:rPr lang="en-US" sz="1700" dirty="0" err="1">
+                <a:latin typeface="Lucida Console"/>
+                <a:cs typeface="Lucida Console"/>
+              </a:rPr>
+              <a:t>android.intent.category.LAUNCHER</a:t>
+            </a:r>
+            <a:r>
+              <a:rPr lang="en-US" sz="1700" dirty="0">
+                <a:latin typeface="Lucida Console"/>
+                <a:cs typeface="Lucida Console"/>
+              </a:rPr>
+              <a:t>" /&gt;</a:t>
+            </a:r>
+            <a:br>
+              <a:rPr lang="en-US" sz="1700" dirty="0">
+                <a:latin typeface="Lucida Console"/>
+                <a:cs typeface="Lucida Console"/>
+              </a:rPr>
+            </a:br>
+            <a:r>
+              <a:rPr lang="en-US" sz="1700" dirty="0">
+                <a:latin typeface="Lucida Console"/>
+                <a:cs typeface="Lucida Console"/>
+              </a:rPr>
+              <a:t>	 </a:t>
+            </a:r>
+            <a:r>
+              <a:rPr lang="en-US" sz="1700" dirty="0" smtClean="0">
+                <a:latin typeface="Lucida Console"/>
+                <a:cs typeface="Lucida Console"/>
+              </a:rPr>
+              <a:t>&lt;</a:t>
+            </a:r>
+            <a:r>
+              <a:rPr lang="en-US" sz="1700" dirty="0">
+                <a:latin typeface="Lucida Console"/>
+                <a:cs typeface="Lucida Console"/>
+              </a:rPr>
+              <a:t>data </a:t>
+            </a:r>
+            <a:r>
+              <a:rPr lang="en-US" sz="1700" dirty="0" err="1">
+                <a:latin typeface="Lucida Console"/>
+                <a:cs typeface="Lucida Console"/>
+              </a:rPr>
+              <a:t>android:mimeType</a:t>
+            </a:r>
+            <a:r>
+              <a:rPr lang="en-US" sz="1700" dirty="0">
+                <a:latin typeface="Lucida Console"/>
+                <a:cs typeface="Lucida Console"/>
+              </a:rPr>
+              <a:t>="audio/mpeg" </a:t>
+            </a:r>
+            <a:r>
+              <a:rPr lang="en-US" sz="1700" dirty="0" err="1">
+                <a:latin typeface="Lucida Console"/>
+                <a:cs typeface="Lucida Console"/>
+              </a:rPr>
+              <a:t>android:scheme</a:t>
+            </a:r>
+            <a:r>
+              <a:rPr lang="en-US" sz="1700" dirty="0">
+                <a:latin typeface="Lucida Console"/>
+                <a:cs typeface="Lucida Console"/>
+              </a:rPr>
+              <a:t>="</a:t>
+            </a:r>
+            <a:r>
+              <a:rPr lang="en-US" sz="1700" dirty="0" smtClean="0">
+                <a:latin typeface="Lucida Console"/>
+                <a:cs typeface="Lucida Console"/>
+              </a:rPr>
+              <a:t>http” /</a:t>
+            </a:r>
+            <a:r>
+              <a:rPr lang="en-US" sz="1700" dirty="0">
+                <a:latin typeface="Lucida Console"/>
+                <a:cs typeface="Lucida Console"/>
+              </a:rPr>
+              <a:t>&gt;</a:t>
+            </a:r>
+            <a:br>
+              <a:rPr lang="en-US" sz="1700" dirty="0">
+                <a:latin typeface="Lucida Console"/>
+                <a:cs typeface="Lucida Console"/>
+              </a:rPr>
+            </a:br>
+            <a:r>
+              <a:rPr lang="en-US" sz="1700" dirty="0">
+                <a:latin typeface="Lucida Console"/>
+                <a:cs typeface="Lucida Console"/>
+              </a:rPr>
+              <a:t>  </a:t>
+            </a:r>
+            <a:r>
+              <a:rPr lang="en-US" sz="1700" dirty="0" smtClean="0">
+                <a:latin typeface="Lucida Console"/>
+                <a:cs typeface="Lucida Console"/>
+              </a:rPr>
+              <a:t> &lt;</a:t>
+            </a:r>
+            <a:r>
+              <a:rPr lang="en-US" sz="1700" dirty="0">
+                <a:latin typeface="Lucida Console"/>
+                <a:cs typeface="Lucida Console"/>
+              </a:rPr>
+              <a:t>/intent-filter&gt;</a:t>
+            </a:r>
+            <a:br>
+              <a:rPr lang="en-US" sz="1700" dirty="0">
+                <a:latin typeface="Lucida Console"/>
+                <a:cs typeface="Lucida Console"/>
+              </a:rPr>
+            </a:br>
+            <a:r>
+              <a:rPr lang="en-US" sz="1700" dirty="0">
+                <a:latin typeface="Lucida Console"/>
+                <a:cs typeface="Lucida Console"/>
+              </a:rPr>
+              <a:t>&lt;/activity&gt;</a:t>
+            </a:r>
+          </a:p>
+        </p:txBody>
+      </p:sp>
+    </p:spTree>
+    <p:extLst>
+      <p:ext uri="{BB962C8B-B14F-4D97-AF65-F5344CB8AC3E}">
+        <p14:creationId xmlns:p14="http://schemas.microsoft.com/office/powerpoint/2010/main" val="822748568"/>
+      </p:ext>
+    </p:extLst>
+  </p:cSld>
+  <p:clrMapOvr>
+    <a:masterClrMapping/>
+  </p:clrMapOvr>
+</p:sld>
+</file>
+
+<file path=ppt/slides/slide24.xml><?xml version="1.0" encoding="utf-8"?>
+<p:sld xmlns:a="http://schemas.openxmlformats.org/drawingml/2006/main" xmlns:r="http://schemas.openxmlformats.org/officeDocument/2006/relationships" xmlns:p="http://schemas.openxmlformats.org/presentationml/2006/main">
+  <p:cSld>
+    <p:spTree>
+      <p:nvGrpSpPr>
+        <p:cNvPr id="1" name=""/>
+        <p:cNvGrpSpPr/>
+        <p:nvPr/>
+      </p:nvGrpSpPr>
+      <p:grpSpPr>
+        <a:xfrm>
+          <a:off x="0" y="0"/>
+          <a:ext cx="0" cy="0"/>
+          <a:chOff x="0" y="0"/>
+          <a:chExt cx="0" cy="0"/>
+        </a:xfrm>
+      </p:grpSpPr>
+      <p:sp>
+        <p:nvSpPr>
+          <p:cNvPr id="2" name="Title 1"/>
+          <p:cNvSpPr>
+            <a:spLocks noGrp="1"/>
+          </p:cNvSpPr>
+          <p:nvPr>
+            <p:ph type="title"/>
+          </p:nvPr>
+        </p:nvSpPr>
+        <p:spPr/>
+        <p:txBody>
+          <a:bodyPr/>
+          <a:lstStyle/>
+          <a:p>
+            <a:r>
+              <a:rPr lang="en-US" dirty="0" smtClean="0"/>
               <a:t>Activity Lifecycle</a:t>
             </a:r>
             <a:endParaRPr lang="en-US" dirty="0"/>
@@ -5857,7 +6107,7 @@
 </p:sld>
 </file>
 
-<file path=ppt/slides/slide24.xml><?xml version="1.0" encoding="utf-8"?>
+<file path=ppt/slides/slide25.xml><?xml version="1.0" encoding="utf-8"?>
 <p:sld xmlns:a="http://schemas.openxmlformats.org/drawingml/2006/main" xmlns:r="http://schemas.openxmlformats.org/officeDocument/2006/relationships" xmlns:p="http://schemas.openxmlformats.org/presentationml/2006/main">
   <p:cSld>
     <p:spTree>
@@ -5982,7 +6232,7 @@
 </p:sld>
 </file>
 
-<file path=ppt/slides/slide25.xml><?xml version="1.0" encoding="utf-8"?>
+<file path=ppt/slides/slide26.xml><?xml version="1.0" encoding="utf-8"?>
 <p:sld xmlns:a="http://schemas.openxmlformats.org/drawingml/2006/main" xmlns:r="http://schemas.openxmlformats.org/officeDocument/2006/relationships" xmlns:p="http://schemas.openxmlformats.org/presentationml/2006/main">
   <p:cSld>
     <p:spTree>
@@ -6059,7 +6309,7 @@
 </p:sld>
 </file>
 
-<file path=ppt/slides/slide26.xml><?xml version="1.0" encoding="utf-8"?>
+<file path=ppt/slides/slide27.xml><?xml version="1.0" encoding="utf-8"?>
 <p:sld xmlns:a="http://schemas.openxmlformats.org/drawingml/2006/main" xmlns:r="http://schemas.openxmlformats.org/officeDocument/2006/relationships" xmlns:p="http://schemas.openxmlformats.org/presentationml/2006/main">
   <p:cSld>
     <p:spTree>
@@ -6168,81 +6418,6 @@
 </p:sld>
 </file>
 
-<file path=ppt/slides/slide27.xml><?xml version="1.0" encoding="utf-8"?>
-<p:sld xmlns:a="http://schemas.openxmlformats.org/drawingml/2006/main" xmlns:r="http://schemas.openxmlformats.org/officeDocument/2006/relationships" xmlns:p="http://schemas.openxmlformats.org/presentationml/2006/main">
-  <p:cSld>
-    <p:spTree>
-      <p:nvGrpSpPr>
-        <p:cNvPr id="1" name=""/>
-        <p:cNvGrpSpPr/>
-        <p:nvPr/>
-      </p:nvGrpSpPr>
-      <p:grpSpPr>
-        <a:xfrm>
-          <a:off x="0" y="0"/>
-          <a:ext cx="0" cy="0"/>
-          <a:chOff x="0" y="0"/>
-          <a:chExt cx="0" cy="0"/>
-        </a:xfrm>
-      </p:grpSpPr>
-      <p:sp>
-        <p:nvSpPr>
-          <p:cNvPr id="2" name="Title 1"/>
-          <p:cNvSpPr>
-            <a:spLocks noGrp="1"/>
-          </p:cNvSpPr>
-          <p:nvPr>
-            <p:ph type="title"/>
-          </p:nvPr>
-        </p:nvSpPr>
-        <p:spPr/>
-        <p:txBody>
-          <a:bodyPr/>
-          <a:lstStyle/>
-          <a:p>
-            <a:r>
-              <a:rPr lang="en-US" dirty="0" smtClean="0"/>
-              <a:t>Lab 2</a:t>
-            </a:r>
-            <a:endParaRPr lang="en-US" dirty="0"/>
-          </a:p>
-        </p:txBody>
-      </p:sp>
-      <p:sp>
-        <p:nvSpPr>
-          <p:cNvPr id="3" name="Content Placeholder 2"/>
-          <p:cNvSpPr>
-            <a:spLocks noGrp="1"/>
-          </p:cNvSpPr>
-          <p:nvPr>
-            <p:ph idx="1"/>
-          </p:nvPr>
-        </p:nvSpPr>
-        <p:spPr/>
-        <p:txBody>
-          <a:bodyPr/>
-          <a:lstStyle/>
-          <a:p>
-            <a:pPr marL="0" indent="0">
-              <a:buNone/>
-            </a:pPr>
-            <a:endParaRPr lang="en-US" dirty="0"/>
-          </a:p>
-        </p:txBody>
-      </p:sp>
-    </p:spTree>
-    <p:extLst>
-      <p:ext uri="{BB962C8B-B14F-4D97-AF65-F5344CB8AC3E}">
-        <p14:creationId xmlns:p14="http://schemas.microsoft.com/office/powerpoint/2010/main" val="2733705789"/>
-      </p:ext>
-    </p:extLst>
-  </p:cSld>
-  <p:clrMapOvr>
-    <a:masterClrMapping/>
-  </p:clrMapOvr>
-</p:sld>
-</file>
-
 <file path=ppt/slides/slide28.xml><?xml version="1.0" encoding="utf-8"?>
 <p:sld xmlns:a="http://schemas.openxmlformats.org/drawingml/2006/main" xmlns:r="http://schemas.openxmlformats.org/officeDocument/2006/relationships" xmlns:p="http://schemas.openxmlformats.org/presentationml/2006/main">
   <p:cSld>
@@ -6277,6 +6452,81 @@
           <a:p>
             <a:r>
               <a:rPr lang="en-US" dirty="0" smtClean="0"/>
+              <a:t>Lab 2</a:t>
+            </a:r>
+            <a:endParaRPr lang="en-US" dirty="0"/>
+          </a:p>
+        </p:txBody>
+      </p:sp>
+      <p:sp>
+        <p:nvSpPr>
+          <p:cNvPr id="3" name="Content Placeholder 2"/>
+          <p:cNvSpPr>
+            <a:spLocks noGrp="1"/>
+          </p:cNvSpPr>
+          <p:nvPr>
+            <p:ph idx="1"/>
+          </p:nvPr>
+        </p:nvSpPr>
+        <p:spPr/>
+        <p:txBody>
+          <a:bodyPr/>
+          <a:lstStyle/>
+          <a:p>
+            <a:pPr marL="0" indent="0">
+              <a:buNone/>
+            </a:pPr>
+            <a:endParaRPr lang="en-US" dirty="0"/>
+          </a:p>
+        </p:txBody>
+      </p:sp>
+    </p:spTree>
+    <p:extLst>
+      <p:ext uri="{BB962C8B-B14F-4D97-AF65-F5344CB8AC3E}">
+        <p14:creationId xmlns:p14="http://schemas.microsoft.com/office/powerpoint/2010/main" val="2733705789"/>
+      </p:ext>
+    </p:extLst>
+  </p:cSld>
+  <p:clrMapOvr>
+    <a:masterClrMapping/>
+  </p:clrMapOvr>
+</p:sld>
+</file>
+
+<file path=ppt/slides/slide29.xml><?xml version="1.0" encoding="utf-8"?>
+<p:sld xmlns:a="http://schemas.openxmlformats.org/drawingml/2006/main" xmlns:r="http://schemas.openxmlformats.org/officeDocument/2006/relationships" xmlns:p="http://schemas.openxmlformats.org/presentationml/2006/main">
+  <p:cSld>
+    <p:spTree>
+      <p:nvGrpSpPr>
+        <p:cNvPr id="1" name=""/>
+        <p:cNvGrpSpPr/>
+        <p:nvPr/>
+      </p:nvGrpSpPr>
+      <p:grpSpPr>
+        <a:xfrm>
+          <a:off x="0" y="0"/>
+          <a:ext cx="0" cy="0"/>
+          <a:chOff x="0" y="0"/>
+          <a:chExt cx="0" cy="0"/>
+        </a:xfrm>
+      </p:grpSpPr>
+      <p:sp>
+        <p:nvSpPr>
+          <p:cNvPr id="2" name="Title 1"/>
+          <p:cNvSpPr>
+            <a:spLocks noGrp="1"/>
+          </p:cNvSpPr>
+          <p:nvPr>
+            <p:ph type="title"/>
+          </p:nvPr>
+        </p:nvSpPr>
+        <p:spPr/>
+        <p:txBody>
+          <a:bodyPr/>
+          <a:lstStyle/>
+          <a:p>
+            <a:r>
+              <a:rPr lang="en-US" dirty="0" smtClean="0"/>
               <a:t>Menus</a:t>
             </a:r>
             <a:endParaRPr lang="en-US" dirty="0"/>
@@ -6345,7 +6595,86 @@
 </p:sld>
 </file>
 
-<file path=ppt/slides/slide29.xml><?xml version="1.0" encoding="utf-8"?>
+<file path=ppt/slides/slide3.xml><?xml version="1.0" encoding="utf-8"?>
+<p:sld xmlns:a="http://schemas.openxmlformats.org/drawingml/2006/main" xmlns:r="http://schemas.openxmlformats.org/officeDocument/2006/relationships" xmlns:p="http://schemas.openxmlformats.org/presentationml/2006/main">
+  <p:cSld>
+    <p:spTree>
+      <p:nvGrpSpPr>
+        <p:cNvPr id="1" name=""/>
+        <p:cNvGrpSpPr/>
+        <p:nvPr/>
+      </p:nvGrpSpPr>
+      <p:grpSpPr>
+        <a:xfrm>
+          <a:off x="0" y="0"/>
+          <a:ext cx="0" cy="0"/>
+          <a:chOff x="0" y="0"/>
+          <a:chExt cx="0" cy="0"/>
+        </a:xfrm>
+      </p:grpSpPr>
+      <p:sp>
+        <p:nvSpPr>
+          <p:cNvPr id="2" name="Title 1"/>
+          <p:cNvSpPr>
+            <a:spLocks noGrp="1"/>
+          </p:cNvSpPr>
+          <p:nvPr>
+            <p:ph type="title"/>
+          </p:nvPr>
+        </p:nvSpPr>
+        <p:spPr/>
+        <p:txBody>
+          <a:bodyPr/>
+          <a:lstStyle/>
+          <a:p>
+            <a:r>
+              <a:rPr lang="en-US" dirty="0" smtClean="0"/>
+              <a:t>Goals</a:t>
+            </a:r>
+            <a:endParaRPr lang="en-US" dirty="0"/>
+          </a:p>
+        </p:txBody>
+      </p:sp>
+      <p:sp>
+        <p:nvSpPr>
+          <p:cNvPr id="3" name="Content Placeholder 2"/>
+          <p:cNvSpPr>
+            <a:spLocks noGrp="1"/>
+          </p:cNvSpPr>
+          <p:nvPr>
+            <p:ph idx="1"/>
+          </p:nvPr>
+        </p:nvSpPr>
+        <p:spPr/>
+        <p:txBody>
+          <a:bodyPr/>
+          <a:lstStyle/>
+          <a:p>
+            <a:pPr marL="0" indent="0">
+              <a:buNone/>
+            </a:pPr>
+            <a:r>
+              <a:rPr lang="en-US" dirty="0" smtClean="0"/>
+              <a:t>Familiarize yourself with the Android development environment and platform basics</a:t>
+            </a:r>
+            <a:endParaRPr lang="en-US" dirty="0"/>
+          </a:p>
+        </p:txBody>
+      </p:sp>
+    </p:spTree>
+    <p:extLst>
+      <p:ext uri="{BB962C8B-B14F-4D97-AF65-F5344CB8AC3E}">
+        <p14:creationId xmlns:p14="http://schemas.microsoft.com/office/powerpoint/2010/main" val="1955818029"/>
+      </p:ext>
+    </p:extLst>
+  </p:cSld>
+  <p:clrMapOvr>
+    <a:masterClrMapping/>
+  </p:clrMapOvr>
+</p:sld>
+</file>
+
+<file path=ppt/slides/slide30.xml><?xml version="1.0" encoding="utf-8"?>
 <p:sld xmlns:a="http://schemas.openxmlformats.org/drawingml/2006/main" xmlns:r="http://schemas.openxmlformats.org/officeDocument/2006/relationships" xmlns:p="http://schemas.openxmlformats.org/presentationml/2006/main">
   <p:cSld>
     <p:spTree>
@@ -6460,168 +6789,6 @@
 </p:sld>
 </file>
 
-<file path=ppt/slides/slide3.xml><?xml version="1.0" encoding="utf-8"?>
-<p:sld xmlns:a="http://schemas.openxmlformats.org/drawingml/2006/main" xmlns:r="http://schemas.openxmlformats.org/officeDocument/2006/relationships" xmlns:p="http://schemas.openxmlformats.org/presentationml/2006/main">
-  <p:cSld>
-    <p:spTree>
-      <p:nvGrpSpPr>
-        <p:cNvPr id="1" name=""/>
-        <p:cNvGrpSpPr/>
-        <p:nvPr/>
-      </p:nvGrpSpPr>
-      <p:grpSpPr>
-        <a:xfrm>
-          <a:off x="0" y="0"/>
-          <a:ext cx="0" cy="0"/>
-          <a:chOff x="0" y="0"/>
-          <a:chExt cx="0" cy="0"/>
-        </a:xfrm>
-      </p:grpSpPr>
-      <p:sp>
-        <p:nvSpPr>
-          <p:cNvPr id="2" name="Title 1"/>
-          <p:cNvSpPr>
-            <a:spLocks noGrp="1"/>
-          </p:cNvSpPr>
-          <p:nvPr>
-            <p:ph type="title"/>
-          </p:nvPr>
-        </p:nvSpPr>
-        <p:spPr/>
-        <p:txBody>
-          <a:bodyPr/>
-          <a:lstStyle/>
-          <a:p>
-            <a:r>
-              <a:rPr lang="en-US" dirty="0" smtClean="0"/>
-              <a:t>Setup &amp; Installation</a:t>
-            </a:r>
-            <a:endParaRPr lang="en-US" dirty="0"/>
-          </a:p>
-        </p:txBody>
-      </p:sp>
-      <p:sp>
-        <p:nvSpPr>
-          <p:cNvPr id="3" name="Content Placeholder 2"/>
-          <p:cNvSpPr>
-            <a:spLocks noGrp="1"/>
-          </p:cNvSpPr>
-          <p:nvPr>
-            <p:ph idx="1"/>
-          </p:nvPr>
-        </p:nvSpPr>
-        <p:spPr/>
-        <p:txBody>
-          <a:bodyPr/>
-          <a:lstStyle/>
-          <a:p>
-            <a:r>
-              <a:rPr lang="en-US" dirty="0" smtClean="0">
-                <a:hlinkClick r:id="rId2"/>
-              </a:rPr>
-              <a:t>http://developer.android.com/sdk/installing.html</a:t>
-            </a:r>
-            <a:endParaRPr lang="en-US" dirty="0" smtClean="0"/>
-          </a:p>
-        </p:txBody>
-      </p:sp>
-    </p:spTree>
-    <p:extLst>
-      <p:ext uri="{BB962C8B-B14F-4D97-AF65-F5344CB8AC3E}">
-        <p14:creationId xmlns:p14="http://schemas.microsoft.com/office/powerpoint/2010/main" val="2250275275"/>
-      </p:ext>
-    </p:extLst>
-  </p:cSld>
-  <p:clrMapOvr>
-    <a:masterClrMapping/>
-  </p:clrMapOvr>
-</p:sld>
-</file>
-
-<file path=ppt/slides/slide30.xml><?xml version="1.0" encoding="utf-8"?>
-<p:sld xmlns:a="http://schemas.openxmlformats.org/drawingml/2006/main" xmlns:r="http://schemas.openxmlformats.org/officeDocument/2006/relationships" xmlns:p="http://schemas.openxmlformats.org/presentationml/2006/main">
-  <p:cSld>
-    <p:spTree>
-      <p:nvGrpSpPr>
-        <p:cNvPr id="1" name=""/>
-        <p:cNvGrpSpPr/>
-        <p:nvPr/>
-      </p:nvGrpSpPr>
-      <p:grpSpPr>
-        <a:xfrm>
-          <a:off x="0" y="0"/>
-          <a:ext cx="0" cy="0"/>
-          <a:chOff x="0" y="0"/>
-          <a:chExt cx="0" cy="0"/>
-        </a:xfrm>
-      </p:grpSpPr>
-      <p:sp>
-        <p:nvSpPr>
-          <p:cNvPr id="2" name="Title 1"/>
-          <p:cNvSpPr>
-            <a:spLocks noGrp="1"/>
-          </p:cNvSpPr>
-          <p:nvPr>
-            <p:ph type="title"/>
-          </p:nvPr>
-        </p:nvSpPr>
-        <p:spPr/>
-        <p:txBody>
-          <a:bodyPr/>
-          <a:lstStyle/>
-          <a:p>
-            <a:r>
-              <a:rPr lang="en-US" dirty="0" smtClean="0"/>
-              <a:t>Context Menu</a:t>
-            </a:r>
-            <a:endParaRPr lang="en-US" dirty="0"/>
-          </a:p>
-        </p:txBody>
-      </p:sp>
-      <p:sp>
-        <p:nvSpPr>
-          <p:cNvPr id="3" name="Content Placeholder 2"/>
-          <p:cNvSpPr>
-            <a:spLocks noGrp="1"/>
-          </p:cNvSpPr>
-          <p:nvPr>
-            <p:ph idx="1"/>
-          </p:nvPr>
-        </p:nvSpPr>
-        <p:spPr/>
-        <p:txBody>
-          <a:bodyPr/>
-          <a:lstStyle/>
-          <a:p>
-            <a:r>
-              <a:rPr lang="en-US" dirty="0" smtClean="0"/>
-              <a:t>Floating list of menu items when the user touches and </a:t>
-            </a:r>
-            <a:r>
-              <a:rPr lang="en-US" b="1" dirty="0" smtClean="0"/>
-              <a:t>holds</a:t>
-            </a:r>
-            <a:r>
-              <a:rPr lang="en-US" dirty="0" smtClean="0"/>
-              <a:t> a view that is registered to provide a context menu</a:t>
-            </a:r>
-            <a:endParaRPr lang="en-US" dirty="0"/>
-          </a:p>
-        </p:txBody>
-      </p:sp>
-    </p:spTree>
-    <p:extLst>
-      <p:ext uri="{BB962C8B-B14F-4D97-AF65-F5344CB8AC3E}">
-        <p14:creationId xmlns:p14="http://schemas.microsoft.com/office/powerpoint/2010/main" val="1841164981"/>
-      </p:ext>
-    </p:extLst>
-  </p:cSld>
-  <p:clrMapOvr>
-    <a:masterClrMapping/>
-  </p:clrMapOvr>
-</p:sld>
-</file>
-
 <file path=ppt/slides/slide31.xml><?xml version="1.0" encoding="utf-8"?>
 <p:sld xmlns:a="http://schemas.openxmlformats.org/drawingml/2006/main" xmlns:r="http://schemas.openxmlformats.org/officeDocument/2006/relationships" xmlns:p="http://schemas.openxmlformats.org/presentationml/2006/main">
   <p:cSld>
@@ -6656,7 +6823,7 @@
           <a:p>
             <a:r>
               <a:rPr lang="en-US" dirty="0" smtClean="0"/>
-              <a:t>Submenu</a:t>
+              <a:t>Context Menu</a:t>
             </a:r>
             <a:endParaRPr lang="en-US" dirty="0"/>
           </a:p>
@@ -6679,7 +6846,15 @@
           <a:p>
             <a:r>
               <a:rPr lang="en-US" dirty="0" smtClean="0"/>
-              <a:t>Floating list displayed when Options menu has a nested menu</a:t>
+              <a:t>Floating list of menu items when the user touches and </a:t>
+            </a:r>
+            <a:r>
+              <a:rPr lang="en-US" b="1" dirty="0" smtClean="0"/>
+              <a:t>holds</a:t>
+            </a:r>
+            <a:r>
+              <a:rPr lang="en-US" dirty="0" smtClean="0"/>
+              <a:t> a view that is registered to provide a context menu</a:t>
             </a:r>
             <a:endParaRPr lang="en-US" dirty="0"/>
           </a:p>
@@ -6688,7 +6863,7 @@
     </p:spTree>
     <p:extLst>
       <p:ext uri="{BB962C8B-B14F-4D97-AF65-F5344CB8AC3E}">
-        <p14:creationId xmlns:p14="http://schemas.microsoft.com/office/powerpoint/2010/main" val="2663306216"/>
+        <p14:creationId xmlns:p14="http://schemas.microsoft.com/office/powerpoint/2010/main" val="1841164981"/>
       </p:ext>
     </p:extLst>
   </p:cSld>
@@ -6732,7 +6907,7 @@
           <a:p>
             <a:r>
               <a:rPr lang="en-US" dirty="0" smtClean="0"/>
-              <a:t>Creating a Menu</a:t>
+              <a:t>Submenu</a:t>
             </a:r>
             <a:endParaRPr lang="en-US" dirty="0"/>
           </a:p>
@@ -6750,382 +6925,21 @@
         </p:nvSpPr>
         <p:spPr/>
         <p:txBody>
-          <a:bodyPr>
-            <a:normAutofit/>
-          </a:bodyPr>
-          <a:lstStyle/>
-          <a:p>
-            <a:r>
-              <a:rPr lang="en-US" dirty="0" smtClean="0"/>
-              <a:t>Define in XML</a:t>
-            </a:r>
-          </a:p>
-          <a:p>
-            <a:pPr marL="400050" lvl="1" indent="0">
-              <a:buNone/>
-            </a:pPr>
-            <a:r>
-              <a:rPr lang="en-US" sz="1800" dirty="0">
-                <a:latin typeface="Lucida Console"/>
-                <a:cs typeface="Lucida Console"/>
-              </a:rPr>
-              <a:t>&lt;menu </a:t>
-            </a:r>
-            <a:r>
-              <a:rPr lang="en-US" sz="1800" dirty="0" err="1">
-                <a:latin typeface="Lucida Console"/>
-                <a:cs typeface="Lucida Console"/>
-              </a:rPr>
-              <a:t>xmlns:android</a:t>
-            </a:r>
-            <a:r>
-              <a:rPr lang="en-US" sz="1800" dirty="0" smtClean="0">
-                <a:latin typeface="Lucida Console"/>
-                <a:cs typeface="Lucida Console"/>
-              </a:rPr>
-              <a:t>=”</a:t>
-            </a:r>
-          </a:p>
-          <a:p>
-            <a:pPr marL="400050" lvl="1" indent="0">
-              <a:buNone/>
-            </a:pPr>
-            <a:r>
-              <a:rPr lang="en-US" sz="1800" dirty="0">
-                <a:latin typeface="Lucida Console"/>
-                <a:cs typeface="Lucida Console"/>
-              </a:rPr>
-              <a:t>	</a:t>
-            </a:r>
-            <a:r>
-              <a:rPr lang="en-US" sz="1800" dirty="0" smtClean="0">
-                <a:latin typeface="Lucida Console"/>
-                <a:cs typeface="Lucida Console"/>
-              </a:rPr>
-              <a:t>		http</a:t>
-            </a:r>
-            <a:r>
-              <a:rPr lang="en-US" sz="1800" dirty="0">
-                <a:latin typeface="Lucida Console"/>
-                <a:cs typeface="Lucida Console"/>
-              </a:rPr>
-              <a:t>://</a:t>
-            </a:r>
-            <a:r>
-              <a:rPr lang="en-US" sz="1800" dirty="0" err="1">
-                <a:latin typeface="Lucida Console"/>
-                <a:cs typeface="Lucida Console"/>
-              </a:rPr>
-              <a:t>schemas.android.com</a:t>
-            </a:r>
-            <a:r>
-              <a:rPr lang="en-US" sz="1800" dirty="0">
-                <a:latin typeface="Lucida Console"/>
-                <a:cs typeface="Lucida Console"/>
-              </a:rPr>
-              <a:t>/</a:t>
-            </a:r>
-            <a:r>
-              <a:rPr lang="en-US" sz="1800" dirty="0" err="1">
-                <a:latin typeface="Lucida Console"/>
-                <a:cs typeface="Lucida Console"/>
-              </a:rPr>
-              <a:t>apk</a:t>
-            </a:r>
-            <a:r>
-              <a:rPr lang="en-US" sz="1800" dirty="0">
-                <a:latin typeface="Lucida Console"/>
-                <a:cs typeface="Lucida Console"/>
-              </a:rPr>
-              <a:t>/res/android"&gt;</a:t>
-            </a:r>
-            <a:br>
-              <a:rPr lang="en-US" sz="1800" dirty="0">
-                <a:latin typeface="Lucida Console"/>
-                <a:cs typeface="Lucida Console"/>
-              </a:rPr>
-            </a:br>
-            <a:r>
-              <a:rPr lang="en-US" sz="1800" dirty="0" smtClean="0">
-                <a:latin typeface="Lucida Console"/>
-                <a:cs typeface="Lucida Console"/>
-              </a:rPr>
-              <a:t>  &lt;</a:t>
-            </a:r>
-            <a:r>
-              <a:rPr lang="en-US" sz="1800" dirty="0">
-                <a:latin typeface="Lucida Console"/>
-                <a:cs typeface="Lucida Console"/>
-              </a:rPr>
-              <a:t>item </a:t>
-            </a:r>
-            <a:r>
-              <a:rPr lang="en-US" sz="1800" dirty="0" err="1">
-                <a:latin typeface="Lucida Console"/>
-                <a:cs typeface="Lucida Console"/>
-              </a:rPr>
-              <a:t>android:id</a:t>
-            </a:r>
-            <a:r>
-              <a:rPr lang="en-US" sz="1800" dirty="0">
-                <a:latin typeface="Lucida Console"/>
-                <a:cs typeface="Lucida Console"/>
-              </a:rPr>
-              <a:t>="@+id/</a:t>
-            </a:r>
-            <a:r>
-              <a:rPr lang="en-US" sz="1800" dirty="0" err="1">
-                <a:latin typeface="Lucida Console"/>
-                <a:cs typeface="Lucida Console"/>
-              </a:rPr>
-              <a:t>new_game</a:t>
-            </a:r>
-            <a:r>
-              <a:rPr lang="en-US" sz="1800" dirty="0">
-                <a:latin typeface="Lucida Console"/>
-                <a:cs typeface="Lucida Console"/>
-              </a:rPr>
-              <a:t>"</a:t>
-            </a:r>
-            <a:br>
-              <a:rPr lang="en-US" sz="1800" dirty="0">
-                <a:latin typeface="Lucida Console"/>
-                <a:cs typeface="Lucida Console"/>
-              </a:rPr>
-            </a:br>
-            <a:r>
-              <a:rPr lang="en-US" sz="1800" dirty="0">
-                <a:latin typeface="Lucida Console"/>
-                <a:cs typeface="Lucida Console"/>
-              </a:rPr>
-              <a:t>        </a:t>
-            </a:r>
-            <a:r>
-              <a:rPr lang="en-US" sz="1800" dirty="0" err="1" smtClean="0">
-                <a:latin typeface="Lucida Console"/>
-                <a:cs typeface="Lucida Console"/>
-              </a:rPr>
-              <a:t>android:icon</a:t>
-            </a:r>
-            <a:r>
-              <a:rPr lang="en-US" sz="1800" dirty="0">
-                <a:latin typeface="Lucida Console"/>
-                <a:cs typeface="Lucida Console"/>
-              </a:rPr>
-              <a:t>="@</a:t>
-            </a:r>
-            <a:r>
-              <a:rPr lang="en-US" sz="1800" dirty="0" err="1">
-                <a:latin typeface="Lucida Console"/>
-                <a:cs typeface="Lucida Console"/>
-              </a:rPr>
-              <a:t>drawable</a:t>
-            </a:r>
-            <a:r>
-              <a:rPr lang="en-US" sz="1800" dirty="0">
-                <a:latin typeface="Lucida Console"/>
-                <a:cs typeface="Lucida Console"/>
-              </a:rPr>
-              <a:t>/</a:t>
-            </a:r>
-            <a:r>
-              <a:rPr lang="en-US" sz="1800" dirty="0" err="1">
-                <a:latin typeface="Lucida Console"/>
-                <a:cs typeface="Lucida Console"/>
-              </a:rPr>
-              <a:t>ic_new_game</a:t>
-            </a:r>
-            <a:r>
-              <a:rPr lang="en-US" sz="1800" dirty="0">
-                <a:latin typeface="Lucida Console"/>
-                <a:cs typeface="Lucida Console"/>
-              </a:rPr>
-              <a:t>"</a:t>
-            </a:r>
-            <a:br>
-              <a:rPr lang="en-US" sz="1800" dirty="0">
-                <a:latin typeface="Lucida Console"/>
-                <a:cs typeface="Lucida Console"/>
-              </a:rPr>
-            </a:br>
-            <a:r>
-              <a:rPr lang="en-US" sz="1800" dirty="0">
-                <a:latin typeface="Lucida Console"/>
-                <a:cs typeface="Lucida Console"/>
-              </a:rPr>
-              <a:t>        </a:t>
-            </a:r>
-            <a:r>
-              <a:rPr lang="en-US" sz="1800" dirty="0" err="1" smtClean="0">
-                <a:latin typeface="Lucida Console"/>
-                <a:cs typeface="Lucida Console"/>
-              </a:rPr>
-              <a:t>android:title</a:t>
-            </a:r>
-            <a:r>
-              <a:rPr lang="en-US" sz="1800" dirty="0">
-                <a:latin typeface="Lucida Console"/>
-                <a:cs typeface="Lucida Console"/>
-              </a:rPr>
-              <a:t>="@string/</a:t>
-            </a:r>
-            <a:r>
-              <a:rPr lang="en-US" sz="1800" dirty="0" err="1">
-                <a:latin typeface="Lucida Console"/>
-                <a:cs typeface="Lucida Console"/>
-              </a:rPr>
-              <a:t>new_game</a:t>
-            </a:r>
-            <a:r>
-              <a:rPr lang="en-US" sz="1800" dirty="0">
-                <a:latin typeface="Lucida Console"/>
-                <a:cs typeface="Lucida Console"/>
-              </a:rPr>
-              <a:t>" /&gt;</a:t>
-            </a:r>
-            <a:br>
-              <a:rPr lang="en-US" sz="1800" dirty="0">
-                <a:latin typeface="Lucida Console"/>
-                <a:cs typeface="Lucida Console"/>
-              </a:rPr>
-            </a:br>
-            <a:r>
-              <a:rPr lang="en-US" sz="1800" dirty="0">
-                <a:latin typeface="Lucida Console"/>
-                <a:cs typeface="Lucida Console"/>
-              </a:rPr>
-              <a:t>  </a:t>
-            </a:r>
-            <a:r>
-              <a:rPr lang="en-US" sz="1800" dirty="0" smtClean="0">
-                <a:latin typeface="Lucida Console"/>
-                <a:cs typeface="Lucida Console"/>
-              </a:rPr>
-              <a:t>&lt;</a:t>
-            </a:r>
-            <a:r>
-              <a:rPr lang="en-US" sz="1800" dirty="0">
-                <a:latin typeface="Lucida Console"/>
-                <a:cs typeface="Lucida Console"/>
-              </a:rPr>
-              <a:t>item </a:t>
-            </a:r>
-            <a:r>
-              <a:rPr lang="en-US" sz="1800" dirty="0" err="1">
-                <a:latin typeface="Lucida Console"/>
-                <a:cs typeface="Lucida Console"/>
-              </a:rPr>
-              <a:t>android:id</a:t>
-            </a:r>
-            <a:r>
-              <a:rPr lang="en-US" sz="1800" dirty="0">
-                <a:latin typeface="Lucida Console"/>
-                <a:cs typeface="Lucida Console"/>
-              </a:rPr>
-              <a:t>="@+id/help"</a:t>
-            </a:r>
-            <a:br>
-              <a:rPr lang="en-US" sz="1800" dirty="0">
-                <a:latin typeface="Lucida Console"/>
-                <a:cs typeface="Lucida Console"/>
-              </a:rPr>
-            </a:br>
-            <a:r>
-              <a:rPr lang="en-US" sz="1800" dirty="0">
-                <a:latin typeface="Lucida Console"/>
-                <a:cs typeface="Lucida Console"/>
-              </a:rPr>
-              <a:t>        </a:t>
-            </a:r>
-            <a:r>
-              <a:rPr lang="en-US" sz="1800" dirty="0" err="1" smtClean="0">
-                <a:latin typeface="Lucida Console"/>
-                <a:cs typeface="Lucida Console"/>
-              </a:rPr>
-              <a:t>android:icon</a:t>
-            </a:r>
-            <a:r>
-              <a:rPr lang="en-US" sz="1800" dirty="0">
-                <a:latin typeface="Lucida Console"/>
-                <a:cs typeface="Lucida Console"/>
-              </a:rPr>
-              <a:t>="@</a:t>
-            </a:r>
-            <a:r>
-              <a:rPr lang="en-US" sz="1800" dirty="0" err="1">
-                <a:latin typeface="Lucida Console"/>
-                <a:cs typeface="Lucida Console"/>
-              </a:rPr>
-              <a:t>drawable</a:t>
-            </a:r>
-            <a:r>
-              <a:rPr lang="en-US" sz="1800" dirty="0">
-                <a:latin typeface="Lucida Console"/>
-                <a:cs typeface="Lucida Console"/>
-              </a:rPr>
-              <a:t>/</a:t>
-            </a:r>
-            <a:r>
-              <a:rPr lang="en-US" sz="1800" dirty="0" err="1">
-                <a:latin typeface="Lucida Console"/>
-                <a:cs typeface="Lucida Console"/>
-              </a:rPr>
-              <a:t>ic_help</a:t>
-            </a:r>
-            <a:r>
-              <a:rPr lang="en-US" sz="1800" dirty="0">
-                <a:latin typeface="Lucida Console"/>
-                <a:cs typeface="Lucida Console"/>
-              </a:rPr>
-              <a:t>"</a:t>
-            </a:r>
-            <a:br>
-              <a:rPr lang="en-US" sz="1800" dirty="0">
-                <a:latin typeface="Lucida Console"/>
-                <a:cs typeface="Lucida Console"/>
-              </a:rPr>
-            </a:br>
-            <a:r>
-              <a:rPr lang="en-US" sz="1800" dirty="0">
-                <a:latin typeface="Lucida Console"/>
-                <a:cs typeface="Lucida Console"/>
-              </a:rPr>
-              <a:t>        </a:t>
-            </a:r>
-            <a:r>
-              <a:rPr lang="en-US" sz="1800" dirty="0" err="1" smtClean="0">
-                <a:latin typeface="Lucida Console"/>
-                <a:cs typeface="Lucida Console"/>
-              </a:rPr>
-              <a:t>android:title</a:t>
-            </a:r>
-            <a:r>
-              <a:rPr lang="en-US" sz="1800" dirty="0">
-                <a:latin typeface="Lucida Console"/>
-                <a:cs typeface="Lucida Console"/>
-              </a:rPr>
-              <a:t>="@string/help" /&gt;</a:t>
-            </a:r>
-            <a:br>
-              <a:rPr lang="en-US" sz="1800" dirty="0">
-                <a:latin typeface="Lucida Console"/>
-                <a:cs typeface="Lucida Console"/>
-              </a:rPr>
-            </a:br>
-            <a:r>
-              <a:rPr lang="en-US" sz="1800" dirty="0">
-                <a:latin typeface="Lucida Console"/>
-                <a:cs typeface="Lucida Console"/>
-              </a:rPr>
-              <a:t>&lt;/menu&gt;</a:t>
-            </a:r>
+          <a:bodyPr/>
+          <a:lstStyle/>
+          <a:p>
+            <a:r>
+              <a:rPr lang="en-US" dirty="0" smtClean="0"/>
+              <a:t>Floating list displayed when Options menu has a nested menu</a:t>
+            </a:r>
+            <a:endParaRPr lang="en-US" dirty="0"/>
           </a:p>
         </p:txBody>
       </p:sp>
     </p:spTree>
     <p:extLst>
       <p:ext uri="{BB962C8B-B14F-4D97-AF65-F5344CB8AC3E}">
-        <p14:creationId xmlns:p14="http://schemas.microsoft.com/office/powerpoint/2010/main" val="1280193345"/>
+        <p14:creationId xmlns:p14="http://schemas.microsoft.com/office/powerpoint/2010/main" val="2663306216"/>
       </p:ext>
     </p:extLst>
   </p:cSld>
@@ -7169,7 +6983,7 @@
           <a:p>
             <a:r>
               <a:rPr lang="en-US" dirty="0" smtClean="0"/>
-              <a:t>Creating a Menu (cont.) </a:t>
+              <a:t>Creating a Menu</a:t>
             </a:r>
             <a:endParaRPr lang="en-US" dirty="0"/>
           </a:p>
@@ -7194,250 +7008,375 @@
           <a:p>
             <a:r>
               <a:rPr lang="en-US" dirty="0" smtClean="0"/>
-              <a:t>Inflate in code</a:t>
-            </a:r>
-          </a:p>
-          <a:p>
-            <a:pPr marL="0" indent="0">
+              <a:t>Define in XML</a:t>
+            </a:r>
+          </a:p>
+          <a:p>
+            <a:pPr marL="400050" lvl="1" indent="0">
               <a:buNone/>
             </a:pPr>
             <a:r>
-              <a:rPr lang="en-US" sz="2100" dirty="0" smtClean="0">
-                <a:latin typeface="Lucida Console"/>
-                <a:cs typeface="Lucida Console"/>
-              </a:rPr>
-              <a:t>  @</a:t>
-            </a:r>
-            <a:r>
-              <a:rPr lang="en-US" sz="2100" dirty="0">
-                <a:latin typeface="Lucida Console"/>
-                <a:cs typeface="Lucida Console"/>
-              </a:rPr>
-              <a:t>Override</a:t>
+              <a:rPr lang="en-US" sz="1800" dirty="0">
+                <a:latin typeface="Lucida Console"/>
+                <a:cs typeface="Lucida Console"/>
+              </a:rPr>
+              <a:t>&lt;menu </a:t>
+            </a:r>
+            <a:r>
+              <a:rPr lang="en-US" sz="1800" dirty="0" err="1">
+                <a:latin typeface="Lucida Console"/>
+                <a:cs typeface="Lucida Console"/>
+              </a:rPr>
+              <a:t>xmlns:android</a:t>
+            </a:r>
+            <a:r>
+              <a:rPr lang="en-US" sz="1800" dirty="0" smtClean="0">
+                <a:latin typeface="Lucida Console"/>
+                <a:cs typeface="Lucida Console"/>
+              </a:rPr>
+              <a:t>=”</a:t>
+            </a:r>
+          </a:p>
+          <a:p>
+            <a:pPr marL="400050" lvl="1" indent="0">
+              <a:buNone/>
+            </a:pPr>
+            <a:r>
+              <a:rPr lang="en-US" sz="1800" dirty="0">
+                <a:latin typeface="Lucida Console"/>
+                <a:cs typeface="Lucida Console"/>
+              </a:rPr>
+              <a:t>	</a:t>
+            </a:r>
+            <a:r>
+              <a:rPr lang="en-US" sz="1800" dirty="0" smtClean="0">
+                <a:latin typeface="Lucida Console"/>
+                <a:cs typeface="Lucida Console"/>
+              </a:rPr>
+              <a:t>		http</a:t>
+            </a:r>
+            <a:r>
+              <a:rPr lang="en-US" sz="1800" dirty="0">
+                <a:latin typeface="Lucida Console"/>
+                <a:cs typeface="Lucida Console"/>
+              </a:rPr>
+              <a:t>://</a:t>
+            </a:r>
+            <a:r>
+              <a:rPr lang="en-US" sz="1800" dirty="0" err="1">
+                <a:latin typeface="Lucida Console"/>
+                <a:cs typeface="Lucida Console"/>
+              </a:rPr>
+              <a:t>schemas.android.com</a:t>
+            </a:r>
+            <a:r>
+              <a:rPr lang="en-US" sz="1800" dirty="0">
+                <a:latin typeface="Lucida Console"/>
+                <a:cs typeface="Lucida Console"/>
+              </a:rPr>
+              <a:t>/</a:t>
+            </a:r>
+            <a:r>
+              <a:rPr lang="en-US" sz="1800" dirty="0" err="1">
+                <a:latin typeface="Lucida Console"/>
+                <a:cs typeface="Lucida Console"/>
+              </a:rPr>
+              <a:t>apk</a:t>
+            </a:r>
+            <a:r>
+              <a:rPr lang="en-US" sz="1800" dirty="0">
+                <a:latin typeface="Lucida Console"/>
+                <a:cs typeface="Lucida Console"/>
+              </a:rPr>
+              <a:t>/res/android"&gt;</a:t>
             </a:r>
             <a:br>
-              <a:rPr lang="en-US" sz="2100" dirty="0">
+              <a:rPr lang="en-US" sz="1800" dirty="0">
                 <a:latin typeface="Lucida Console"/>
                 <a:cs typeface="Lucida Console"/>
               </a:rPr>
             </a:br>
             <a:r>
-              <a:rPr lang="en-US" sz="2100" dirty="0" smtClean="0">
-                <a:latin typeface="Lucida Console"/>
-                <a:cs typeface="Lucida Console"/>
-              </a:rPr>
-              <a:t>  public </a:t>
-            </a:r>
-            <a:r>
-              <a:rPr lang="en-US" sz="2100" dirty="0" err="1">
-                <a:latin typeface="Lucida Console"/>
-                <a:cs typeface="Lucida Console"/>
-              </a:rPr>
-              <a:t>boolean</a:t>
-            </a:r>
-            <a:r>
-              <a:rPr lang="en-US" sz="2100" dirty="0">
-                <a:latin typeface="Lucida Console"/>
-                <a:cs typeface="Lucida Console"/>
-              </a:rPr>
-              <a:t> </a:t>
-            </a:r>
-            <a:r>
-              <a:rPr lang="en-US" sz="2100" dirty="0" err="1">
-                <a:latin typeface="Lucida Console"/>
-                <a:cs typeface="Lucida Console"/>
-              </a:rPr>
-              <a:t>onCreateOptionsMenu</a:t>
-            </a:r>
-            <a:r>
-              <a:rPr lang="en-US" sz="2100" dirty="0">
-                <a:latin typeface="Lucida Console"/>
-                <a:cs typeface="Lucida Console"/>
-              </a:rPr>
-              <a:t>(Menu </a:t>
-            </a:r>
-            <a:r>
-              <a:rPr lang="en-US" sz="2100" dirty="0" smtClean="0">
-                <a:latin typeface="Lucida Console"/>
-                <a:cs typeface="Lucida Console"/>
-              </a:rPr>
-              <a:t>menu</a:t>
-            </a:r>
-            <a:r>
-              <a:rPr lang="en-US" sz="2100" dirty="0">
-                <a:latin typeface="Lucida Console"/>
-                <a:cs typeface="Lucida Console"/>
-              </a:rPr>
-              <a:t>)</a:t>
-            </a:r>
-            <a:r>
-              <a:rPr lang="en-US" sz="2100" dirty="0" smtClean="0">
-                <a:latin typeface="Lucida Console"/>
-                <a:cs typeface="Lucida Console"/>
-              </a:rPr>
-              <a:t>{</a:t>
-            </a:r>
-            <a:r>
-              <a:rPr lang="en-US" sz="2100" dirty="0">
-                <a:latin typeface="Lucida Console"/>
-                <a:cs typeface="Lucida Console"/>
-              </a:rPr>
-              <a:t/>
+              <a:rPr lang="en-US" sz="1800" dirty="0" smtClean="0">
+                <a:latin typeface="Lucida Console"/>
+                <a:cs typeface="Lucida Console"/>
+              </a:rPr>
+              <a:t>  &lt;</a:t>
+            </a:r>
+            <a:r>
+              <a:rPr lang="en-US" sz="1800" dirty="0">
+                <a:latin typeface="Lucida Console"/>
+                <a:cs typeface="Lucida Console"/>
+              </a:rPr>
+              <a:t>item </a:t>
+            </a:r>
+            <a:r>
+              <a:rPr lang="en-US" sz="1800" dirty="0" err="1">
+                <a:latin typeface="Lucida Console"/>
+                <a:cs typeface="Lucida Console"/>
+              </a:rPr>
+              <a:t>android:id</a:t>
+            </a:r>
+            <a:r>
+              <a:rPr lang="en-US" sz="1800" dirty="0">
+                <a:latin typeface="Lucida Console"/>
+                <a:cs typeface="Lucida Console"/>
+              </a:rPr>
+              <a:t>="@+id/</a:t>
+            </a:r>
+            <a:r>
+              <a:rPr lang="en-US" sz="1800" dirty="0" err="1">
+                <a:latin typeface="Lucida Console"/>
+                <a:cs typeface="Lucida Console"/>
+              </a:rPr>
+              <a:t>new_game</a:t>
+            </a:r>
+            <a:r>
+              <a:rPr lang="en-US" sz="1800" dirty="0">
+                <a:latin typeface="Lucida Console"/>
+                <a:cs typeface="Lucida Console"/>
+              </a:rPr>
+              <a:t>"</a:t>
             </a:r>
             <a:br>
-              <a:rPr lang="en-US" sz="2100" dirty="0">
+              <a:rPr lang="en-US" sz="1800" dirty="0">
                 <a:latin typeface="Lucida Console"/>
                 <a:cs typeface="Lucida Console"/>
               </a:rPr>
             </a:br>
             <a:r>
-              <a:rPr lang="en-US" sz="2100" dirty="0" smtClean="0">
-                <a:latin typeface="Lucida Console"/>
-                <a:cs typeface="Lucida Console"/>
-              </a:rPr>
-              <a:t>    </a:t>
-            </a:r>
-            <a:r>
-              <a:rPr lang="en-US" sz="2100" dirty="0" err="1" smtClean="0">
-                <a:latin typeface="Lucida Console"/>
-                <a:cs typeface="Lucida Console"/>
-              </a:rPr>
-              <a:t>MenuInflater</a:t>
-            </a:r>
-            <a:r>
-              <a:rPr lang="en-US" sz="2100" dirty="0" smtClean="0">
-                <a:latin typeface="Lucida Console"/>
-                <a:cs typeface="Lucida Console"/>
-              </a:rPr>
-              <a:t> </a:t>
-            </a:r>
-            <a:r>
-              <a:rPr lang="en-US" sz="2100" dirty="0" err="1">
-                <a:latin typeface="Lucida Console"/>
-                <a:cs typeface="Lucida Console"/>
-              </a:rPr>
-              <a:t>inflater</a:t>
-            </a:r>
-            <a:r>
-              <a:rPr lang="en-US" sz="2100" dirty="0">
-                <a:latin typeface="Lucida Console"/>
-                <a:cs typeface="Lucida Console"/>
-              </a:rPr>
-              <a:t> = </a:t>
-            </a:r>
-            <a:r>
-              <a:rPr lang="en-US" sz="2100" dirty="0" err="1">
-                <a:latin typeface="Lucida Console"/>
-                <a:cs typeface="Lucida Console"/>
-              </a:rPr>
-              <a:t>getMenuInflater</a:t>
-            </a:r>
-            <a:r>
-              <a:rPr lang="en-US" sz="2100" dirty="0">
-                <a:latin typeface="Lucida Console"/>
-                <a:cs typeface="Lucida Console"/>
-              </a:rPr>
-              <a:t>();</a:t>
+              <a:rPr lang="en-US" sz="1800" dirty="0">
+                <a:latin typeface="Lucida Console"/>
+                <a:cs typeface="Lucida Console"/>
+              </a:rPr>
+              <a:t>        </a:t>
+            </a:r>
+            <a:r>
+              <a:rPr lang="en-US" sz="1800" dirty="0" err="1" smtClean="0">
+                <a:latin typeface="Lucida Console"/>
+                <a:cs typeface="Lucida Console"/>
+              </a:rPr>
+              <a:t>android:icon</a:t>
+            </a:r>
+            <a:r>
+              <a:rPr lang="en-US" sz="1800" dirty="0">
+                <a:latin typeface="Lucida Console"/>
+                <a:cs typeface="Lucida Console"/>
+              </a:rPr>
+              <a:t>="@</a:t>
+            </a:r>
+            <a:r>
+              <a:rPr lang="en-US" sz="1800" dirty="0" err="1">
+                <a:latin typeface="Lucida Console"/>
+                <a:cs typeface="Lucida Console"/>
+              </a:rPr>
+              <a:t>drawable</a:t>
+            </a:r>
+            <a:r>
+              <a:rPr lang="en-US" sz="1800" dirty="0">
+                <a:latin typeface="Lucida Console"/>
+                <a:cs typeface="Lucida Console"/>
+              </a:rPr>
+              <a:t>/</a:t>
+            </a:r>
+            <a:r>
+              <a:rPr lang="en-US" sz="1800" dirty="0" err="1">
+                <a:latin typeface="Lucida Console"/>
+                <a:cs typeface="Lucida Console"/>
+              </a:rPr>
+              <a:t>ic_new_game</a:t>
+            </a:r>
+            <a:r>
+              <a:rPr lang="en-US" sz="1800" dirty="0">
+                <a:latin typeface="Lucida Console"/>
+                <a:cs typeface="Lucida Console"/>
+              </a:rPr>
+              <a:t>"</a:t>
             </a:r>
             <a:br>
-              <a:rPr lang="en-US" sz="2100" dirty="0">
+              <a:rPr lang="en-US" sz="1800" dirty="0">
                 <a:latin typeface="Lucida Console"/>
                 <a:cs typeface="Lucida Console"/>
               </a:rPr>
             </a:br>
             <a:r>
-              <a:rPr lang="en-US" sz="2100" dirty="0">
+              <a:rPr lang="en-US" sz="1800" dirty="0">
+                <a:latin typeface="Lucida Console"/>
+                <a:cs typeface="Lucida Console"/>
+              </a:rPr>
+              <a:t>        </a:t>
+            </a:r>
+            <a:r>
+              <a:rPr lang="en-US" sz="1800" dirty="0" err="1" smtClean="0">
+                <a:latin typeface="Lucida Console"/>
+                <a:cs typeface="Lucida Console"/>
+              </a:rPr>
+              <a:t>android:title</a:t>
+            </a:r>
+            <a:r>
+              <a:rPr lang="en-US" sz="1800" dirty="0">
+                <a:latin typeface="Lucida Console"/>
+                <a:cs typeface="Lucida Console"/>
+              </a:rPr>
+              <a:t>="@string/</a:t>
+            </a:r>
+            <a:r>
+              <a:rPr lang="en-US" sz="1800" dirty="0" err="1">
+                <a:latin typeface="Lucida Console"/>
+                <a:cs typeface="Lucida Console"/>
+              </a:rPr>
+              <a:t>new_game</a:t>
+            </a:r>
+            <a:r>
+              <a:rPr lang="en-US" sz="1800" dirty="0">
+                <a:latin typeface="Lucida Console"/>
+                <a:cs typeface="Lucida Console"/>
+              </a:rPr>
+              <a:t>" /&gt;</a:t>
+            </a:r>
+            <a:br>
+              <a:rPr lang="en-US" sz="1800" dirty="0">
+                <a:latin typeface="Lucida Console"/>
+                <a:cs typeface="Lucida Console"/>
+              </a:rPr>
+            </a:br>
+            <a:r>
+              <a:rPr lang="en-US" sz="1800" dirty="0">
                 <a:latin typeface="Lucida Console"/>
                 <a:cs typeface="Lucida Console"/>
               </a:rPr>
               <a:t>  </a:t>
             </a:r>
             <a:r>
-              <a:rPr lang="en-US" sz="2100" dirty="0" smtClean="0">
-                <a:latin typeface="Lucida Console"/>
-                <a:cs typeface="Lucida Console"/>
-              </a:rPr>
-              <a:t>  </a:t>
-            </a:r>
-            <a:r>
-              <a:rPr lang="en-US" sz="2100" dirty="0" err="1" smtClean="0">
-                <a:latin typeface="Lucida Console"/>
-                <a:cs typeface="Lucida Console"/>
-              </a:rPr>
-              <a:t>inflater.inflate</a:t>
-            </a:r>
-            <a:r>
-              <a:rPr lang="en-US" sz="2100" dirty="0">
-                <a:latin typeface="Lucida Console"/>
-                <a:cs typeface="Lucida Console"/>
-              </a:rPr>
-              <a:t>(</a:t>
-            </a:r>
-            <a:r>
-              <a:rPr lang="en-US" sz="2100" dirty="0" err="1">
-                <a:latin typeface="Lucida Console"/>
-                <a:cs typeface="Lucida Console"/>
-              </a:rPr>
-              <a:t>R.menu.game_menu</a:t>
-            </a:r>
-            <a:r>
-              <a:rPr lang="en-US" sz="2100" dirty="0">
-                <a:latin typeface="Lucida Console"/>
-                <a:cs typeface="Lucida Console"/>
-              </a:rPr>
-              <a:t>, menu);</a:t>
+              <a:rPr lang="en-US" sz="1800" dirty="0" smtClean="0">
+                <a:latin typeface="Lucida Console"/>
+                <a:cs typeface="Lucida Console"/>
+              </a:rPr>
+              <a:t>&lt;</a:t>
+            </a:r>
+            <a:r>
+              <a:rPr lang="en-US" sz="1800" dirty="0">
+                <a:latin typeface="Lucida Console"/>
+                <a:cs typeface="Lucida Console"/>
+              </a:rPr>
+              <a:t>item </a:t>
+            </a:r>
+            <a:r>
+              <a:rPr lang="en-US" sz="1800" dirty="0" err="1">
+                <a:latin typeface="Lucida Console"/>
+                <a:cs typeface="Lucida Console"/>
+              </a:rPr>
+              <a:t>android:id</a:t>
+            </a:r>
+            <a:r>
+              <a:rPr lang="en-US" sz="1800" dirty="0">
+                <a:latin typeface="Lucida Console"/>
+                <a:cs typeface="Lucida Console"/>
+              </a:rPr>
+              <a:t>="@+id/help"</a:t>
             </a:r>
             <a:br>
-              <a:rPr lang="en-US" sz="2100" dirty="0">
+              <a:rPr lang="en-US" sz="1800" dirty="0">
                 <a:latin typeface="Lucida Console"/>
                 <a:cs typeface="Lucida Console"/>
               </a:rPr>
             </a:br>
             <a:r>
-              <a:rPr lang="en-US" sz="2100" dirty="0">
-                <a:latin typeface="Lucida Console"/>
-                <a:cs typeface="Lucida Console"/>
-              </a:rPr>
-              <a:t>  </a:t>
-            </a:r>
-            <a:r>
-              <a:rPr lang="en-US" sz="2100" dirty="0" smtClean="0">
-                <a:latin typeface="Lucida Console"/>
-                <a:cs typeface="Lucida Console"/>
-              </a:rPr>
-              <a:t>  return </a:t>
-            </a:r>
-            <a:r>
-              <a:rPr lang="en-US" sz="2100" dirty="0">
-                <a:latin typeface="Lucida Console"/>
-                <a:cs typeface="Lucida Console"/>
-              </a:rPr>
-              <a:t>true;</a:t>
+              <a:rPr lang="en-US" sz="1800" dirty="0">
+                <a:latin typeface="Lucida Console"/>
+                <a:cs typeface="Lucida Console"/>
+              </a:rPr>
+              <a:t>        </a:t>
+            </a:r>
+            <a:r>
+              <a:rPr lang="en-US" sz="1800" dirty="0" err="1" smtClean="0">
+                <a:latin typeface="Lucida Console"/>
+                <a:cs typeface="Lucida Console"/>
+              </a:rPr>
+              <a:t>android:icon</a:t>
+            </a:r>
+            <a:r>
+              <a:rPr lang="en-US" sz="1800" dirty="0">
+                <a:latin typeface="Lucida Console"/>
+                <a:cs typeface="Lucida Console"/>
+              </a:rPr>
+              <a:t>="@</a:t>
+            </a:r>
+            <a:r>
+              <a:rPr lang="en-US" sz="1800" dirty="0" err="1">
+                <a:latin typeface="Lucida Console"/>
+                <a:cs typeface="Lucida Console"/>
+              </a:rPr>
+              <a:t>drawable</a:t>
+            </a:r>
+            <a:r>
+              <a:rPr lang="en-US" sz="1800" dirty="0">
+                <a:latin typeface="Lucida Console"/>
+                <a:cs typeface="Lucida Console"/>
+              </a:rPr>
+              <a:t>/</a:t>
+            </a:r>
+            <a:r>
+              <a:rPr lang="en-US" sz="1800" dirty="0" err="1">
+                <a:latin typeface="Lucida Console"/>
+                <a:cs typeface="Lucida Console"/>
+              </a:rPr>
+              <a:t>ic_help</a:t>
+            </a:r>
+            <a:r>
+              <a:rPr lang="en-US" sz="1800" dirty="0">
+                <a:latin typeface="Lucida Console"/>
+                <a:cs typeface="Lucida Console"/>
+              </a:rPr>
+              <a:t>"</a:t>
             </a:r>
             <a:br>
-              <a:rPr lang="en-US" sz="2100" dirty="0">
+              <a:rPr lang="en-US" sz="1800" dirty="0">
                 <a:latin typeface="Lucida Console"/>
                 <a:cs typeface="Lucida Console"/>
               </a:rPr>
             </a:br>
             <a:r>
-              <a:rPr lang="en-US" sz="2100" dirty="0" smtClean="0">
-                <a:latin typeface="Lucida Console"/>
-                <a:cs typeface="Lucida Console"/>
-              </a:rPr>
-              <a:t>  }</a:t>
-            </a:r>
-            <a:endParaRPr lang="en-US" sz="2100" dirty="0">
-              <a:latin typeface="Lucida Console"/>
-              <a:cs typeface="Lucida Console"/>
-            </a:endParaRPr>
+              <a:rPr lang="en-US" sz="1800" dirty="0">
+                <a:latin typeface="Lucida Console"/>
+                <a:cs typeface="Lucida Console"/>
+              </a:rPr>
+              <a:t>        </a:t>
+            </a:r>
+            <a:r>
+              <a:rPr lang="en-US" sz="1800" dirty="0" err="1" smtClean="0">
+                <a:latin typeface="Lucida Console"/>
+                <a:cs typeface="Lucida Console"/>
+              </a:rPr>
+              <a:t>android:title</a:t>
+            </a:r>
+            <a:r>
+              <a:rPr lang="en-US" sz="1800" dirty="0">
+                <a:latin typeface="Lucida Console"/>
+                <a:cs typeface="Lucida Console"/>
+              </a:rPr>
+              <a:t>="@string/help" /&gt;</a:t>
+            </a:r>
+            <a:br>
+              <a:rPr lang="en-US" sz="1800" dirty="0">
+                <a:latin typeface="Lucida Console"/>
+                <a:cs typeface="Lucida Console"/>
+              </a:rPr>
+            </a:br>
+            <a:r>
+              <a:rPr lang="en-US" sz="1800" dirty="0">
+                <a:latin typeface="Lucida Console"/>
+                <a:cs typeface="Lucida Console"/>
+              </a:rPr>
+              <a:t>&lt;/menu&gt;</a:t>
+            </a:r>
           </a:p>
         </p:txBody>
       </p:sp>
     </p:spTree>
     <p:extLst>
       <p:ext uri="{BB962C8B-B14F-4D97-AF65-F5344CB8AC3E}">
-        <p14:creationId xmlns:p14="http://schemas.microsoft.com/office/powerpoint/2010/main" val="2601931694"/>
+        <p14:creationId xmlns:p14="http://schemas.microsoft.com/office/powerpoint/2010/main" val="1280193345"/>
       </p:ext>
     </p:extLst>
   </p:cSld>
@@ -7481,7 +7420,7 @@
           <a:p>
             <a:r>
               <a:rPr lang="en-US" dirty="0" smtClean="0"/>
-              <a:t>Lab 3</a:t>
+              <a:t>Creating a Menu (cont.) </a:t>
             </a:r>
             <a:endParaRPr lang="en-US" dirty="0"/>
           </a:p>
@@ -7499,17 +7438,257 @@
         </p:nvSpPr>
         <p:spPr/>
         <p:txBody>
-          <a:bodyPr/>
-          <a:lstStyle/>
-          <a:p>
-            <a:endParaRPr lang="en-US"/>
+          <a:bodyPr>
+            <a:normAutofit/>
+          </a:bodyPr>
+          <a:lstStyle/>
+          <a:p>
+            <a:r>
+              <a:rPr lang="en-US" dirty="0" smtClean="0"/>
+              <a:t>Inflate in code</a:t>
+            </a:r>
+          </a:p>
+          <a:p>
+            <a:pPr marL="0" indent="0">
+              <a:buNone/>
+            </a:pPr>
+            <a:r>
+              <a:rPr lang="en-US" sz="2100" dirty="0" smtClean="0">
+                <a:latin typeface="Lucida Console"/>
+                <a:cs typeface="Lucida Console"/>
+              </a:rPr>
+              <a:t>  @</a:t>
+            </a:r>
+            <a:r>
+              <a:rPr lang="en-US" sz="2100" dirty="0">
+                <a:latin typeface="Lucida Console"/>
+                <a:cs typeface="Lucida Console"/>
+              </a:rPr>
+              <a:t>Override</a:t>
+            </a:r>
+            <a:br>
+              <a:rPr lang="en-US" sz="2100" dirty="0">
+                <a:latin typeface="Lucida Console"/>
+                <a:cs typeface="Lucida Console"/>
+              </a:rPr>
+            </a:br>
+            <a:r>
+              <a:rPr lang="en-US" sz="2100" dirty="0" smtClean="0">
+                <a:latin typeface="Lucida Console"/>
+                <a:cs typeface="Lucida Console"/>
+              </a:rPr>
+              <a:t>  public </a:t>
+            </a:r>
+            <a:r>
+              <a:rPr lang="en-US" sz="2100" dirty="0" err="1">
+                <a:latin typeface="Lucida Console"/>
+                <a:cs typeface="Lucida Console"/>
+              </a:rPr>
+              <a:t>boolean</a:t>
+            </a:r>
+            <a:r>
+              <a:rPr lang="en-US" sz="2100" dirty="0">
+                <a:latin typeface="Lucida Console"/>
+                <a:cs typeface="Lucida Console"/>
+              </a:rPr>
+              <a:t> </a:t>
+            </a:r>
+            <a:r>
+              <a:rPr lang="en-US" sz="2100" dirty="0" err="1">
+                <a:latin typeface="Lucida Console"/>
+                <a:cs typeface="Lucida Console"/>
+              </a:rPr>
+              <a:t>onCreateOptionsMenu</a:t>
+            </a:r>
+            <a:r>
+              <a:rPr lang="en-US" sz="2100" dirty="0">
+                <a:latin typeface="Lucida Console"/>
+                <a:cs typeface="Lucida Console"/>
+              </a:rPr>
+              <a:t>(Menu </a:t>
+            </a:r>
+            <a:r>
+              <a:rPr lang="en-US" sz="2100" dirty="0" smtClean="0">
+                <a:latin typeface="Lucida Console"/>
+                <a:cs typeface="Lucida Console"/>
+              </a:rPr>
+              <a:t>menu</a:t>
+            </a:r>
+            <a:r>
+              <a:rPr lang="en-US" sz="2100" dirty="0">
+                <a:latin typeface="Lucida Console"/>
+                <a:cs typeface="Lucida Console"/>
+              </a:rPr>
+              <a:t>)</a:t>
+            </a:r>
+            <a:r>
+              <a:rPr lang="en-US" sz="2100" dirty="0" smtClean="0">
+                <a:latin typeface="Lucida Console"/>
+                <a:cs typeface="Lucida Console"/>
+              </a:rPr>
+              <a:t>{</a:t>
+            </a:r>
+            <a:r>
+              <a:rPr lang="en-US" sz="2100" dirty="0">
+                <a:latin typeface="Lucida Console"/>
+                <a:cs typeface="Lucida Console"/>
+              </a:rPr>
+              <a:t/>
+            </a:r>
+            <a:br>
+              <a:rPr lang="en-US" sz="2100" dirty="0">
+                <a:latin typeface="Lucida Console"/>
+                <a:cs typeface="Lucida Console"/>
+              </a:rPr>
+            </a:br>
+            <a:r>
+              <a:rPr lang="en-US" sz="2100" dirty="0" smtClean="0">
+                <a:latin typeface="Lucida Console"/>
+                <a:cs typeface="Lucida Console"/>
+              </a:rPr>
+              <a:t>    </a:t>
+            </a:r>
+            <a:r>
+              <a:rPr lang="en-US" sz="2100" dirty="0" err="1" smtClean="0">
+                <a:latin typeface="Lucida Console"/>
+                <a:cs typeface="Lucida Console"/>
+              </a:rPr>
+              <a:t>MenuInflater</a:t>
+            </a:r>
+            <a:r>
+              <a:rPr lang="en-US" sz="2100" dirty="0" smtClean="0">
+                <a:latin typeface="Lucida Console"/>
+                <a:cs typeface="Lucida Console"/>
+              </a:rPr>
+              <a:t> </a:t>
+            </a:r>
+            <a:r>
+              <a:rPr lang="en-US" sz="2100" dirty="0" err="1">
+                <a:latin typeface="Lucida Console"/>
+                <a:cs typeface="Lucida Console"/>
+              </a:rPr>
+              <a:t>inflater</a:t>
+            </a:r>
+            <a:r>
+              <a:rPr lang="en-US" sz="2100" dirty="0">
+                <a:latin typeface="Lucida Console"/>
+                <a:cs typeface="Lucida Console"/>
+              </a:rPr>
+              <a:t> = </a:t>
+            </a:r>
+            <a:r>
+              <a:rPr lang="en-US" sz="2100" dirty="0" err="1">
+                <a:latin typeface="Lucida Console"/>
+                <a:cs typeface="Lucida Console"/>
+              </a:rPr>
+              <a:t>getMenuInflater</a:t>
+            </a:r>
+            <a:r>
+              <a:rPr lang="en-US" sz="2100" dirty="0">
+                <a:latin typeface="Lucida Console"/>
+                <a:cs typeface="Lucida Console"/>
+              </a:rPr>
+              <a:t>();</a:t>
+            </a:r>
+            <a:br>
+              <a:rPr lang="en-US" sz="2100" dirty="0">
+                <a:latin typeface="Lucida Console"/>
+                <a:cs typeface="Lucida Console"/>
+              </a:rPr>
+            </a:br>
+            <a:r>
+              <a:rPr lang="en-US" sz="2100" dirty="0">
+                <a:latin typeface="Lucida Console"/>
+                <a:cs typeface="Lucida Console"/>
+              </a:rPr>
+              <a:t>  </a:t>
+            </a:r>
+            <a:r>
+              <a:rPr lang="en-US" sz="2100" dirty="0" smtClean="0">
+                <a:latin typeface="Lucida Console"/>
+                <a:cs typeface="Lucida Console"/>
+              </a:rPr>
+              <a:t>  </a:t>
+            </a:r>
+            <a:r>
+              <a:rPr lang="en-US" sz="2100" dirty="0" err="1" smtClean="0">
+                <a:latin typeface="Lucida Console"/>
+                <a:cs typeface="Lucida Console"/>
+              </a:rPr>
+              <a:t>inflater.inflate</a:t>
+            </a:r>
+            <a:r>
+              <a:rPr lang="en-US" sz="2100" dirty="0">
+                <a:latin typeface="Lucida Console"/>
+                <a:cs typeface="Lucida Console"/>
+              </a:rPr>
+              <a:t>(</a:t>
+            </a:r>
+            <a:r>
+              <a:rPr lang="en-US" sz="2100" dirty="0" err="1">
+                <a:latin typeface="Lucida Console"/>
+                <a:cs typeface="Lucida Console"/>
+              </a:rPr>
+              <a:t>R.menu.game_menu</a:t>
+            </a:r>
+            <a:r>
+              <a:rPr lang="en-US" sz="2100" dirty="0">
+                <a:latin typeface="Lucida Console"/>
+                <a:cs typeface="Lucida Console"/>
+              </a:rPr>
+              <a:t>, menu);</a:t>
+            </a:r>
+            <a:br>
+              <a:rPr lang="en-US" sz="2100" dirty="0">
+                <a:latin typeface="Lucida Console"/>
+                <a:cs typeface="Lucida Console"/>
+              </a:rPr>
+            </a:br>
+            <a:r>
+              <a:rPr lang="en-US" sz="2100" dirty="0">
+                <a:latin typeface="Lucida Console"/>
+                <a:cs typeface="Lucida Console"/>
+              </a:rPr>
+              <a:t>  </a:t>
+            </a:r>
+            <a:r>
+              <a:rPr lang="en-US" sz="2100" dirty="0" smtClean="0">
+                <a:latin typeface="Lucida Console"/>
+                <a:cs typeface="Lucida Console"/>
+              </a:rPr>
+              <a:t>  return </a:t>
+            </a:r>
+            <a:r>
+              <a:rPr lang="en-US" sz="2100" dirty="0">
+                <a:latin typeface="Lucida Console"/>
+                <a:cs typeface="Lucida Console"/>
+              </a:rPr>
+              <a:t>true;</a:t>
+            </a:r>
+            <a:br>
+              <a:rPr lang="en-US" sz="2100" dirty="0">
+                <a:latin typeface="Lucida Console"/>
+                <a:cs typeface="Lucida Console"/>
+              </a:rPr>
+            </a:br>
+            <a:r>
+              <a:rPr lang="en-US" sz="2100" dirty="0" smtClean="0">
+                <a:latin typeface="Lucida Console"/>
+                <a:cs typeface="Lucida Console"/>
+              </a:rPr>
+              <a:t>  }</a:t>
+            </a:r>
+            <a:endParaRPr lang="en-US" sz="2100" dirty="0">
+              <a:latin typeface="Lucida Console"/>
+              <a:cs typeface="Lucida Console"/>
+            </a:endParaRPr>
           </a:p>
         </p:txBody>
       </p:sp>
     </p:spTree>
     <p:extLst>
       <p:ext uri="{BB962C8B-B14F-4D97-AF65-F5344CB8AC3E}">
-        <p14:creationId xmlns:p14="http://schemas.microsoft.com/office/powerpoint/2010/main" val="1693115952"/>
+        <p14:creationId xmlns:p14="http://schemas.microsoft.com/office/powerpoint/2010/main" val="2601931694"/>
       </p:ext>
     </p:extLst>
   </p:cSld>
@@ -7553,7 +7732,7 @@
           <a:p>
             <a:r>
               <a:rPr lang="en-US" dirty="0" smtClean="0"/>
-              <a:t>Data Storage</a:t>
+              <a:t>Lab 3</a:t>
             </a:r>
             <a:endParaRPr lang="en-US" dirty="0"/>
           </a:p>
@@ -7574,53 +7753,14 @@
           <a:bodyPr/>
           <a:lstStyle/>
           <a:p>
-            <a:r>
-              <a:rPr lang="en-US" dirty="0" smtClean="0"/>
-              <a:t>Android provides multiple storage options:</a:t>
-            </a:r>
-          </a:p>
-          <a:p>
-            <a:pPr lvl="1"/>
-            <a:r>
-              <a:rPr lang="en-US" sz="3200" dirty="0" smtClean="0"/>
-              <a:t>Shared Preferences</a:t>
-            </a:r>
-          </a:p>
-          <a:p>
-            <a:pPr lvl="1"/>
-            <a:r>
-              <a:rPr lang="en-US" sz="3200" dirty="0" smtClean="0"/>
-              <a:t>Internal Storage</a:t>
-            </a:r>
-          </a:p>
-          <a:p>
-            <a:pPr lvl="1"/>
-            <a:r>
-              <a:rPr lang="en-US" sz="3200" dirty="0" smtClean="0"/>
-              <a:t>External Storage</a:t>
-            </a:r>
-          </a:p>
-          <a:p>
-            <a:pPr lvl="1"/>
-            <a:r>
-              <a:rPr lang="en-US" sz="3200" dirty="0" smtClean="0"/>
-              <a:t>SQLite Database</a:t>
-            </a:r>
-          </a:p>
-          <a:p>
-            <a:pPr lvl="1"/>
-            <a:r>
-              <a:rPr lang="en-US" sz="3200" dirty="0" smtClean="0"/>
-              <a:t>Network Connection</a:t>
-            </a:r>
-            <a:endParaRPr lang="en-US" sz="3200" dirty="0"/>
+            <a:endParaRPr lang="en-US"/>
           </a:p>
         </p:txBody>
       </p:sp>
     </p:spTree>
     <p:extLst>
       <p:ext uri="{BB962C8B-B14F-4D97-AF65-F5344CB8AC3E}">
-        <p14:creationId xmlns:p14="http://schemas.microsoft.com/office/powerpoint/2010/main" val="3961721073"/>
+        <p14:creationId xmlns:p14="http://schemas.microsoft.com/office/powerpoint/2010/main" val="1693115952"/>
       </p:ext>
     </p:extLst>
   </p:cSld>
@@ -7664,105 +7804,74 @@
           <a:p>
             <a:r>
               <a:rPr lang="en-US" dirty="0" smtClean="0"/>
+              <a:t>Data Storage</a:t>
+            </a:r>
+            <a:endParaRPr lang="en-US" dirty="0"/>
+          </a:p>
+        </p:txBody>
+      </p:sp>
+      <p:sp>
+        <p:nvSpPr>
+          <p:cNvPr id="3" name="Content Placeholder 2"/>
+          <p:cNvSpPr>
+            <a:spLocks noGrp="1"/>
+          </p:cNvSpPr>
+          <p:nvPr>
+            <p:ph idx="1"/>
+          </p:nvPr>
+        </p:nvSpPr>
+        <p:spPr/>
+        <p:txBody>
+          <a:bodyPr/>
+          <a:lstStyle/>
+          <a:p>
+            <a:r>
+              <a:rPr lang="en-US" dirty="0" smtClean="0"/>
+              <a:t>Android provides multiple storage options:</a:t>
+            </a:r>
+          </a:p>
+          <a:p>
+            <a:pPr lvl="1"/>
+            <a:r>
+              <a:rPr lang="en-US" sz="3200" dirty="0" smtClean="0"/>
               <a:t>Shared Preferences</a:t>
             </a:r>
-            <a:endParaRPr lang="en-US" dirty="0"/>
-          </a:p>
-        </p:txBody>
-      </p:sp>
-      <p:sp>
-        <p:nvSpPr>
-          <p:cNvPr id="3" name="Content Placeholder 2"/>
-          <p:cNvSpPr>
-            <a:spLocks noGrp="1"/>
-          </p:cNvSpPr>
-          <p:nvPr>
-            <p:ph idx="1"/>
-          </p:nvPr>
-        </p:nvSpPr>
-        <p:spPr/>
-        <p:txBody>
-          <a:bodyPr/>
-          <a:lstStyle/>
-          <a:p>
-            <a:r>
-              <a:rPr lang="en-US" dirty="0" smtClean="0"/>
-              <a:t>Save </a:t>
-            </a:r>
-            <a:r>
-              <a:rPr lang="en-US" dirty="0"/>
-              <a:t>and retrieve persistent key-value pairs of primitive data </a:t>
-            </a:r>
-            <a:r>
-              <a:rPr lang="en-US" dirty="0" smtClean="0"/>
-              <a:t>types</a:t>
-            </a:r>
-          </a:p>
-          <a:p>
-            <a:r>
-              <a:rPr lang="en-US" dirty="0" smtClean="0"/>
-              <a:t>Data </a:t>
-            </a:r>
-            <a:r>
-              <a:rPr lang="en-US" dirty="0"/>
-              <a:t>will persist across user sessions (even if your application is killed</a:t>
-            </a:r>
-            <a:r>
-              <a:rPr lang="en-US" dirty="0" smtClean="0"/>
-              <a:t>)</a:t>
-            </a:r>
-          </a:p>
-          <a:p>
-            <a:r>
-              <a:rPr lang="en-US" dirty="0" smtClean="0"/>
-              <a:t>Not to be used to store “user preferences”</a:t>
-            </a:r>
-          </a:p>
-          <a:p>
-            <a:r>
-              <a:rPr lang="en-US" dirty="0" smtClean="0"/>
-              <a:t>Multiple files: </a:t>
-            </a:r>
-            <a:r>
-              <a:rPr lang="en-US" dirty="0" err="1" smtClean="0"/>
-              <a:t>getSharedPreferences</a:t>
-            </a:r>
-            <a:r>
-              <a:rPr lang="en-US" dirty="0" smtClean="0"/>
-              <a:t>()</a:t>
-            </a:r>
-          </a:p>
-          <a:p>
-            <a:r>
-              <a:rPr lang="en-US" dirty="0" smtClean="0"/>
-              <a:t>Single file: </a:t>
-            </a:r>
-            <a:r>
-              <a:rPr lang="en-US" dirty="0" err="1" smtClean="0"/>
-              <a:t>getPreferences</a:t>
-            </a:r>
-            <a:r>
-              <a:rPr lang="en-US" dirty="0" smtClean="0"/>
-              <a:t>()</a:t>
-            </a:r>
-          </a:p>
-          <a:p>
-            <a:r>
-              <a:rPr lang="en-US" dirty="0" smtClean="0"/>
-              <a:t>Write with: </a:t>
-            </a:r>
-            <a:r>
-              <a:rPr lang="en-US" dirty="0" err="1" smtClean="0"/>
-              <a:t>SharedPreferences.Editor</a:t>
-            </a:r>
-            <a:endParaRPr lang="en-US" dirty="0"/>
+          </a:p>
+          <a:p>
+            <a:pPr lvl="1"/>
+            <a:r>
+              <a:rPr lang="en-US" sz="3200" dirty="0" smtClean="0"/>
+              <a:t>Internal Storage</a:t>
+            </a:r>
+          </a:p>
+          <a:p>
+            <a:pPr lvl="1"/>
+            <a:r>
+              <a:rPr lang="en-US" sz="3200" dirty="0" smtClean="0"/>
+              <a:t>External Storage</a:t>
+            </a:r>
+          </a:p>
+          <a:p>
+            <a:pPr lvl="1"/>
+            <a:r>
+              <a:rPr lang="en-US" sz="3200" dirty="0" smtClean="0"/>
+              <a:t>SQLite Database</a:t>
+            </a:r>
+          </a:p>
+          <a:p>
+            <a:pPr lvl="1"/>
+            <a:r>
+              <a:rPr lang="en-US" sz="3200" dirty="0" smtClean="0"/>
+              <a:t>Network Connection</a:t>
+            </a:r>
+            <a:endParaRPr lang="en-US" sz="3200" dirty="0"/>
           </a:p>
         </p:txBody>
       </p:sp>
     </p:spTree>
     <p:extLst>
       <p:ext uri="{BB962C8B-B14F-4D97-AF65-F5344CB8AC3E}">
-        <p14:creationId xmlns:p14="http://schemas.microsoft.com/office/powerpoint/2010/main" val="2871724635"/>
+        <p14:creationId xmlns:p14="http://schemas.microsoft.com/office/powerpoint/2010/main" val="3961721073"/>
       </p:ext>
     </p:extLst>
   </p:cSld>
@@ -7806,7 +7915,7 @@
           <a:p>
             <a:r>
               <a:rPr lang="en-US" dirty="0" smtClean="0"/>
-              <a:t>Internal Storage</a:t>
+              <a:t>Shared Preferences</a:t>
             </a:r>
             <a:endParaRPr lang="en-US" dirty="0"/>
           </a:p>
@@ -7824,37 +7933,50 @@
         </p:nvSpPr>
         <p:spPr/>
         <p:txBody>
-          <a:bodyPr>
-            <a:normAutofit lnSpcReduction="10000"/>
-          </a:bodyPr>
-          <a:lstStyle/>
-          <a:p>
-            <a:r>
-              <a:rPr lang="en-US" dirty="0" smtClean="0"/>
-              <a:t>Store files on device’s internal storage</a:t>
-            </a:r>
-          </a:p>
-          <a:p>
-            <a:r>
-              <a:rPr lang="en-US" dirty="0" smtClean="0"/>
-              <a:t>Files saved are private by default</a:t>
-            </a:r>
-          </a:p>
-          <a:p>
-            <a:pPr lvl="1"/>
-            <a:r>
-              <a:rPr lang="en-US" dirty="0" smtClean="0"/>
-              <a:t>MODE_PRIVATE, MODE_APPEND, MODE_WORD_READABLE,  MODE_WORLD_WRITEABLE</a:t>
-            </a:r>
-          </a:p>
-          <a:p>
-            <a:r>
-              <a:rPr lang="en-US" dirty="0" smtClean="0"/>
-              <a:t>Cache files with </a:t>
+          <a:bodyPr/>
+          <a:lstStyle/>
+          <a:p>
+            <a:r>
+              <a:rPr lang="en-US" dirty="0" smtClean="0"/>
+              <a:t>Save </a:t>
+            </a:r>
+            <a:r>
+              <a:rPr lang="en-US" dirty="0"/>
+              <a:t>and retrieve persistent key-value pairs of primitive data </a:t>
+            </a:r>
+            <a:r>
+              <a:rPr lang="en-US" dirty="0" smtClean="0"/>
+              <a:t>types</a:t>
+            </a:r>
+          </a:p>
+          <a:p>
+            <a:r>
+              <a:rPr lang="en-US" dirty="0" smtClean="0"/>
+              <a:t>Data </a:t>
+            </a:r>
+            <a:r>
+              <a:rPr lang="en-US" dirty="0"/>
+              <a:t>will persist across user sessions (even if your application is killed</a:t>
+            </a:r>
+            <a:r>
+              <a:rPr lang="en-US" dirty="0" smtClean="0"/>
+              <a:t>)</a:t>
+            </a:r>
+          </a:p>
+          <a:p>
+            <a:r>
+              <a:rPr lang="en-US" dirty="0" smtClean="0"/>
+              <a:t>Not to be used to store “user preferences”</a:t>
+            </a:r>
+          </a:p>
+          <a:p>
+            <a:r>
+              <a:rPr lang="en-US" dirty="0" smtClean="0"/>
+              <a:t>Multiple files: </a:t>
             </a:r>
             <a:r>
               <a:rPr lang="en-US" dirty="0" err="1" smtClean="0"/>
-              <a:t>getCacheDir</a:t>
+              <a:t>getSharedPreferences</a:t>
             </a:r>
             <a:r>
               <a:rPr lang="en-US" dirty="0" smtClean="0"/>
@@ -7862,31 +7984,27 @@
             </a:r>
           </a:p>
           <a:p>
-            <a:pPr lvl="1"/>
-            <a:r>
-              <a:rPr lang="en-US" dirty="0" smtClean="0"/>
-              <a:t>Android deletes when space is low</a:t>
-            </a:r>
-          </a:p>
-          <a:p>
-            <a:r>
-              <a:rPr lang="en-US" dirty="0" smtClean="0"/>
-              <a:t>Static files in res/raw directory</a:t>
-            </a:r>
-          </a:p>
-          <a:p>
-            <a:pPr lvl="1"/>
-            <a:r>
-              <a:rPr lang="en-US" dirty="0" smtClean="0"/>
-              <a:t>Access w/ </a:t>
+            <a:r>
+              <a:rPr lang="en-US" dirty="0" smtClean="0"/>
+              <a:t>Single file: </a:t>
             </a:r>
             <a:r>
               <a:rPr lang="en-US" dirty="0" err="1" smtClean="0"/>
-              <a:t>openRawResource</a:t>
+              <a:t>getPreferences</a:t>
             </a:r>
             <a:r>
               <a:rPr lang="en-US" dirty="0" smtClean="0"/>
               <a:t>()</a:t>
+            </a:r>
+          </a:p>
+          <a:p>
+            <a:r>
+              <a:rPr lang="en-US" dirty="0" smtClean="0"/>
+              <a:t>Write with: </a:t>
+            </a:r>
+            <a:r>
+              <a:rPr lang="en-US" dirty="0" err="1" smtClean="0"/>
+              <a:t>SharedPreferences.Editor</a:t>
             </a:r>
             <a:endParaRPr lang="en-US" dirty="0"/>
           </a:p>
@@ -7895,7 +8013,7 @@
     </p:spTree>
     <p:extLst>
       <p:ext uri="{BB962C8B-B14F-4D97-AF65-F5344CB8AC3E}">
-        <p14:creationId xmlns:p14="http://schemas.microsoft.com/office/powerpoint/2010/main" val="1195496456"/>
+        <p14:creationId xmlns:p14="http://schemas.microsoft.com/office/powerpoint/2010/main" val="2871724635"/>
       </p:ext>
     </p:extLst>
   </p:cSld>
@@ -7939,7 +8057,7 @@
           <a:p>
             <a:r>
               <a:rPr lang="en-US" dirty="0" smtClean="0"/>
-              <a:t>External Storage</a:t>
+              <a:t>Internal Storage</a:t>
             </a:r>
             <a:endParaRPr lang="en-US" dirty="0"/>
           </a:p>
@@ -7958,92 +8076,77 @@
         <p:spPr/>
         <p:txBody>
           <a:bodyPr>
-            <a:normAutofit/>
+            <a:normAutofit lnSpcReduction="10000"/>
           </a:bodyPr>
           <a:lstStyle/>
           <a:p>
             <a:r>
+              <a:rPr lang="en-US" dirty="0" smtClean="0"/>
+              <a:t>Store files on device’s internal storage</a:t>
+            </a:r>
+          </a:p>
+          <a:p>
+            <a:r>
+              <a:rPr lang="en-US" dirty="0" smtClean="0"/>
+              <a:t>Files saved are private by default</a:t>
+            </a:r>
+          </a:p>
+          <a:p>
+            <a:pPr lvl="1"/>
+            <a:r>
+              <a:rPr lang="en-US" dirty="0" smtClean="0"/>
+              <a:t>MODE_PRIVATE, MODE_APPEND, MODE_WORD_READABLE,  MODE_WORLD_WRITEABLE</a:t>
+            </a:r>
+          </a:p>
+          <a:p>
+            <a:r>
+              <a:rPr lang="en-US" dirty="0" smtClean="0"/>
+              <a:t>Cache files with </a:t>
+            </a:r>
+            <a:r>
               <a:rPr lang="en-US" dirty="0" err="1" smtClean="0"/>
-              <a:t>getExternalFilesDir</a:t>
-            </a:r>
-            <a:r>
-              <a:rPr lang="en-US" dirty="0" smtClean="0"/>
-              <a:t>() while specifying “type”</a:t>
+              <a:t>getCacheDir</a:t>
+            </a:r>
+            <a:r>
+              <a:rPr lang="en-US" dirty="0" smtClean="0"/>
+              <a:t>()</a:t>
             </a:r>
           </a:p>
           <a:p>
             <a:pPr lvl="1"/>
             <a:r>
-              <a:rPr lang="en-US" sz="1900" dirty="0" smtClean="0"/>
-              <a:t>DIRECTORY_ALARM, DIRECTORY_DCIM, DIRECTORY_DOWNLOADS, DIRECTORY_MOVIES, DIRECTORY_MUSIC, DIRECTORY_NOTIFICATIONS, DIRECTORY_PICTURES, DIRECTORY_PODCASTS,</a:t>
-            </a:r>
-            <a:r>
-              <a:rPr lang="en-US" sz="1900" dirty="0"/>
-              <a:t> </a:t>
-            </a:r>
-            <a:r>
-              <a:rPr lang="en-US" sz="1900" dirty="0" smtClean="0"/>
-              <a:t>DIRECTORY_RINGTONES</a:t>
-            </a:r>
-          </a:p>
-          <a:p>
-            <a:r>
-              <a:rPr lang="en-US" dirty="0" smtClean="0"/>
-              <a:t>Allows media scanner to find files</a:t>
+              <a:rPr lang="en-US" dirty="0" smtClean="0"/>
+              <a:t>Android deletes when space is low</a:t>
+            </a:r>
+          </a:p>
+          <a:p>
+            <a:r>
+              <a:rPr lang="en-US" dirty="0" smtClean="0"/>
+              <a:t>Static files in res/raw directory</a:t>
             </a:r>
           </a:p>
           <a:p>
             <a:pPr lvl="1"/>
             <a:r>
               <a:rPr lang="en-US" dirty="0" smtClean="0"/>
-              <a:t>Hide with .</a:t>
+              <a:t>Access w/ </a:t>
             </a:r>
             <a:r>
               <a:rPr lang="en-US" dirty="0" err="1" smtClean="0"/>
-              <a:t>nomedia</a:t>
-            </a:r>
-            <a:r>
-              <a:rPr lang="en-US" dirty="0" smtClean="0"/>
-              <a:t> file in directory</a:t>
-            </a:r>
-          </a:p>
-          <a:p>
-            <a:r>
-              <a:rPr lang="en-US" dirty="0" err="1" smtClean="0"/>
-              <a:t>getExternalCacheDir</a:t>
+              <a:t>openRawResource</a:t>
             </a:r>
             <a:r>
               <a:rPr lang="en-US" dirty="0" smtClean="0"/>
               <a:t>()</a:t>
             </a:r>
-          </a:p>
-          <a:p>
-            <a:pPr lvl="1"/>
-            <a:r>
-              <a:rPr lang="en-US" dirty="0"/>
-              <a:t>d</a:t>
-            </a:r>
-            <a:r>
-              <a:rPr lang="en-US" dirty="0" smtClean="0"/>
-              <a:t>eleted when uninstalled, we manage other times</a:t>
-            </a:r>
-          </a:p>
-          <a:p>
-            <a:r>
-              <a:rPr lang="en-US" dirty="0" smtClean="0"/>
-              <a:t>User can “disappear” your files being dumb</a:t>
-            </a:r>
-          </a:p>
-          <a:p>
-            <a:pPr lvl="1"/>
-            <a:endParaRPr lang="en-US" sz="1900" dirty="0"/>
+            <a:endParaRPr lang="en-US" dirty="0"/>
           </a:p>
         </p:txBody>
       </p:sp>
     </p:spTree>
     <p:extLst>
       <p:ext uri="{BB962C8B-B14F-4D97-AF65-F5344CB8AC3E}">
-        <p14:creationId xmlns:p14="http://schemas.microsoft.com/office/powerpoint/2010/main" val="810485229"/>
+        <p14:creationId xmlns:p14="http://schemas.microsoft.com/office/powerpoint/2010/main" val="1195496456"/>
       </p:ext>
     </p:extLst>
   </p:cSld>
@@ -8087,7 +8190,7 @@
           <a:p>
             <a:r>
               <a:rPr lang="en-US" dirty="0" smtClean="0"/>
-              <a:t>SQLite</a:t>
+              <a:t>External Storage</a:t>
             </a:r>
             <a:endParaRPr lang="en-US" dirty="0"/>
           </a:p>
@@ -8106,33 +8209,59 @@
         <p:spPr/>
         <p:txBody>
           <a:bodyPr>
-            <a:normAutofit fontScale="92500" lnSpcReduction="10000"/>
+            <a:normAutofit/>
           </a:bodyPr>
           <a:lstStyle/>
           <a:p>
             <a:r>
-              <a:rPr lang="en-US" dirty="0" smtClean="0"/>
-              <a:t>Created databases are private to application, but available to all classes</a:t>
-            </a:r>
-          </a:p>
-          <a:p>
-            <a:r>
               <a:rPr lang="en-US" dirty="0" err="1" smtClean="0"/>
-              <a:t>SQLiteOpenHelper</a:t>
-            </a:r>
-            <a:endParaRPr lang="en-US" dirty="0" smtClean="0"/>
+              <a:t>getExternalFilesDir</a:t>
+            </a:r>
+            <a:r>
+              <a:rPr lang="en-US" dirty="0" smtClean="0"/>
+              <a:t>() while specifying “type”</a:t>
+            </a:r>
           </a:p>
           <a:p>
             <a:pPr lvl="1"/>
             <a:r>
-              <a:rPr lang="en-US" dirty="0" smtClean="0"/>
-              <a:t>Manage creation and version management</a:t>
-            </a:r>
-          </a:p>
-          <a:p>
+              <a:rPr lang="en-US" sz="1900" dirty="0" smtClean="0"/>
+              <a:t>DIRECTORY_ALARM, DIRECTORY_DCIM, DIRECTORY_DOWNLOADS, DIRECTORY_MOVIES, DIRECTORY_MUSIC, DIRECTORY_NOTIFICATIONS, DIRECTORY_PICTURES, DIRECTORY_PODCASTS,</a:t>
+            </a:r>
+            <a:r>
+              <a:rPr lang="en-US" sz="1900" dirty="0"/>
+              <a:t> </a:t>
+            </a:r>
+            <a:r>
+              <a:rPr lang="en-US" sz="1900" dirty="0" smtClean="0"/>
+              <a:t>DIRECTORY_RINGTONES</a:t>
+            </a:r>
+          </a:p>
+          <a:p>
+            <a:r>
+              <a:rPr lang="en-US" dirty="0" smtClean="0"/>
+              <a:t>Allows media scanner to find files</a:t>
+            </a:r>
+          </a:p>
+          <a:p>
+            <a:pPr lvl="1"/>
+            <a:r>
+              <a:rPr lang="en-US" dirty="0" smtClean="0"/>
+              <a:t>Hide with .</a:t>
+            </a:r>
             <a:r>
               <a:rPr lang="en-US" dirty="0" err="1" smtClean="0"/>
-              <a:t>SQLiteQueryBuilder</a:t>
+              <a:t>nomedia</a:t>
+            </a:r>
+            <a:r>
+              <a:rPr lang="en-US" dirty="0" smtClean="0"/>
+              <a:t> file in directory</a:t>
+            </a:r>
+          </a:p>
+          <a:p>
+            <a:r>
+              <a:rPr lang="en-US" dirty="0" err="1" smtClean="0"/>
+              <a:t>getExternalCacheDir</a:t>
             </a:r>
             <a:r>
               <a:rPr lang="en-US" dirty="0" smtClean="0"/>
@@ -8140,101 +8269,32 @@
             </a:r>
           </a:p>
           <a:p>
-            <a:r>
-              <a:rPr lang="en-US" dirty="0" smtClean="0"/>
-              <a:t>Cursor</a:t>
-            </a:r>
-          </a:p>
-          <a:p>
-            <a:r>
-              <a:rPr lang="en-US" dirty="0" smtClean="0"/>
-              <a:t>Connect from host computer</a:t>
-            </a:r>
-          </a:p>
-          <a:p>
-            <a:pPr marL="800100" lvl="2" indent="0">
-              <a:buNone/>
-            </a:pPr>
-            <a:r>
-              <a:rPr lang="en-US" sz="2000" dirty="0">
-                <a:latin typeface="Lucida Console"/>
-                <a:cs typeface="Lucida Console"/>
-              </a:rPr>
-              <a:t>$ </a:t>
-            </a:r>
-            <a:r>
-              <a:rPr lang="en-US" sz="2000" dirty="0" err="1">
-                <a:latin typeface="Lucida Console"/>
-                <a:cs typeface="Lucida Console"/>
-              </a:rPr>
-              <a:t>adb</a:t>
-            </a:r>
-            <a:r>
-              <a:rPr lang="en-US" sz="2000" dirty="0">
-                <a:latin typeface="Lucida Console"/>
-                <a:cs typeface="Lucida Console"/>
-              </a:rPr>
-              <a:t> -s </a:t>
-            </a:r>
-            <a:r>
-              <a:rPr lang="en-US" sz="2000" dirty="0" smtClean="0">
-                <a:latin typeface="Lucida Console"/>
-                <a:cs typeface="Lucida Console"/>
-              </a:rPr>
-              <a:t>&lt;emulator serial number&gt; shell</a:t>
-            </a:r>
-          </a:p>
-          <a:p>
-            <a:pPr marL="800100" lvl="2" indent="0">
-              <a:buNone/>
-            </a:pPr>
-            <a:r>
-              <a:rPr lang="en-US" sz="2000" dirty="0" smtClean="0">
-                <a:latin typeface="Lucida Console"/>
-                <a:cs typeface="Lucida Console"/>
-              </a:rPr>
-              <a:t>#sqlite3 &lt;</a:t>
-            </a:r>
-            <a:r>
-              <a:rPr lang="en-US" sz="2000" dirty="0" err="1" smtClean="0">
-                <a:latin typeface="Lucida Console"/>
-                <a:cs typeface="Lucida Console"/>
-              </a:rPr>
-              <a:t>dbname</a:t>
-            </a:r>
-            <a:r>
-              <a:rPr lang="en-US" sz="2000" dirty="0" smtClean="0">
-                <a:latin typeface="Lucida Console"/>
-                <a:cs typeface="Lucida Console"/>
-              </a:rPr>
-              <a:t>&gt;</a:t>
-            </a:r>
-          </a:p>
-          <a:p>
-            <a:pPr marL="800100" lvl="2" indent="0">
-              <a:buNone/>
-            </a:pPr>
-            <a:r>
-              <a:rPr lang="en-US" sz="2000" dirty="0" err="1" smtClean="0">
-                <a:latin typeface="Lucida Console"/>
-                <a:cs typeface="Lucida Console"/>
-              </a:rPr>
-              <a:t>sqlite</a:t>
-            </a:r>
-            <a:r>
-              <a:rPr lang="en-US" sz="2000" dirty="0">
-                <a:latin typeface="Lucida Console"/>
-                <a:cs typeface="Lucida Console"/>
-              </a:rPr>
-              <a:t>&gt; .exit </a:t>
-            </a:r>
+            <a:pPr lvl="1"/>
+            <a:r>
+              <a:rPr lang="en-US" dirty="0"/>
+              <a:t>d</a:t>
+            </a:r>
+            <a:r>
+              <a:rPr lang="en-US" dirty="0" smtClean="0"/>
+              <a:t>eleted when uninstalled, we manage other times</a:t>
+            </a:r>
+          </a:p>
+          <a:p>
+            <a:r>
+              <a:rPr lang="en-US" dirty="0" smtClean="0"/>
+              <a:t>User can “disappear” your files being dumb</a:t>
+            </a:r>
+          </a:p>
+          <a:p>
+            <a:pPr lvl="1"/>
+            <a:endParaRPr lang="en-US" sz="1900" dirty="0"/>
           </a:p>
         </p:txBody>
       </p:sp>
     </p:spTree>
     <p:extLst>
       <p:ext uri="{BB962C8B-B14F-4D97-AF65-F5344CB8AC3E}">
-        <p14:creationId xmlns:p14="http://schemas.microsoft.com/office/powerpoint/2010/main" val="3413007383"/>
+        <p14:creationId xmlns:p14="http://schemas.microsoft.com/office/powerpoint/2010/main" val="810485229"/>
       </p:ext>
     </p:extLst>
   </p:cSld>
@@ -8278,9 +8338,8 @@
           <a:p>
             <a:r>
               <a:rPr lang="en-US" dirty="0" smtClean="0"/>
-              <a:t>JDK</a:t>
-            </a:r>
-            <a:endParaRPr lang="en-US" dirty="0"/>
+              <a:t>System requirements</a:t>
+            </a:r>
           </a:p>
         </p:txBody>
       </p:sp>
@@ -8302,105 +8361,51 @@
           <a:lstStyle/>
           <a:p>
             <a:r>
-              <a:rPr lang="en-US" dirty="0" smtClean="0"/>
-              <a:t>Check version with </a:t>
-            </a:r>
-          </a:p>
-          <a:p>
-            <a:pPr marL="457200" lvl="1" indent="0">
-              <a:buNone/>
-            </a:pPr>
-            <a:r>
-              <a:rPr lang="en-US" sz="2200" dirty="0" smtClean="0">
-                <a:latin typeface="Lucida Console"/>
-                <a:cs typeface="Lucida Console"/>
-              </a:rPr>
-              <a:t>$ java -version</a:t>
-            </a:r>
-          </a:p>
-          <a:p>
-            <a:pPr marL="457200" lvl="1" indent="0">
-              <a:buNone/>
-            </a:pPr>
-            <a:r>
-              <a:rPr lang="en-US" sz="2200" dirty="0" smtClean="0">
-                <a:latin typeface="Lucida Console"/>
-                <a:cs typeface="Lucida Console"/>
-              </a:rPr>
-              <a:t>java version "1.6.0_29"</a:t>
-            </a:r>
-          </a:p>
-          <a:p>
-            <a:pPr marL="457200" lvl="1" indent="0">
-              <a:buNone/>
-            </a:pPr>
-            <a:r>
-              <a:rPr lang="en-US" sz="2200" dirty="0" smtClean="0">
-                <a:latin typeface="Lucida Console"/>
-                <a:cs typeface="Lucida Console"/>
-              </a:rPr>
-              <a:t>Java(TM) SE Runtime Environment (build 1.6.0_29-b11-402-11M3527)</a:t>
-            </a:r>
-          </a:p>
-          <a:p>
-            <a:pPr marL="457200" lvl="1" indent="0">
-              <a:buNone/>
-            </a:pPr>
-            <a:r>
-              <a:rPr lang="en-US" sz="2200" dirty="0" smtClean="0">
-                <a:latin typeface="Lucida Console"/>
-                <a:cs typeface="Lucida Console"/>
-              </a:rPr>
-              <a:t>Java </a:t>
-            </a:r>
-            <a:r>
-              <a:rPr lang="en-US" sz="2200" dirty="0" err="1" smtClean="0">
-                <a:latin typeface="Lucida Console"/>
-                <a:cs typeface="Lucida Console"/>
-              </a:rPr>
-              <a:t>HotSpot</a:t>
-            </a:r>
-            <a:r>
-              <a:rPr lang="en-US" sz="2200" dirty="0" smtClean="0">
-                <a:latin typeface="Lucida Console"/>
-                <a:cs typeface="Lucida Console"/>
-              </a:rPr>
-              <a:t>(TM) 64-Bit Server VM (build 20.4-b02-402, mixed mode)</a:t>
-            </a:r>
-          </a:p>
-          <a:p>
-            <a:r>
               <a:rPr lang="en-US" dirty="0" smtClean="0">
-                <a:cs typeface="Lucida Console"/>
-              </a:rPr>
-              <a:t>Download:</a:t>
+                <a:hlinkClick r:id="rId2"/>
+              </a:rPr>
+              <a:t>http://developer.android.com/sdk/requirements.html</a:t>
+            </a:r>
+            <a:endParaRPr lang="en-US" dirty="0" smtClean="0"/>
+          </a:p>
+          <a:p>
+            <a:pPr lvl="2"/>
+            <a:r>
+              <a:rPr lang="en-US" dirty="0" smtClean="0"/>
+              <a:t>Windows XP/Vista/7, Mac OS X &gt;= 10.4.8, Linux</a:t>
+            </a:r>
+          </a:p>
+          <a:p>
+            <a:pPr lvl="2"/>
+            <a:r>
+              <a:rPr lang="en-US" dirty="0" smtClean="0"/>
+              <a:t>JDK and Java Runtime Environment (JRE) &gt;= 5</a:t>
+            </a:r>
+          </a:p>
+          <a:p>
+            <a:pPr lvl="2"/>
+            <a:r>
+              <a:rPr lang="en-US" dirty="0" smtClean="0"/>
+              <a:t>Eclipse &gt;= 3.4, including the JDT and Web Tools Platform, which are included in the Eclipse installation package</a:t>
+            </a:r>
+          </a:p>
+          <a:p>
+            <a:pPr lvl="2"/>
+            <a:r>
+              <a:rPr lang="en-US" dirty="0" smtClean="0"/>
+              <a:t>ADT plug-in for Eclipse</a:t>
             </a:r>
           </a:p>
           <a:p>
             <a:pPr lvl="1"/>
-            <a:r>
-              <a:rPr lang="en-US" dirty="0" smtClean="0">
-                <a:cs typeface="Lucida Console"/>
-                <a:hlinkClick r:id="rId2"/>
-              </a:rPr>
-              <a:t>http://www.oracle.com/technetwork/java/javase/downloads/index.html</a:t>
-            </a:r>
-            <a:endParaRPr lang="en-US" dirty="0" smtClean="0">
-              <a:cs typeface="Lucida Console"/>
-            </a:endParaRPr>
-          </a:p>
-          <a:p>
-            <a:pPr lvl="1"/>
-            <a:endParaRPr lang="en-US" dirty="0">
-              <a:cs typeface="Lucida Console"/>
-            </a:endParaRPr>
+            <a:endParaRPr lang="en-US" dirty="0"/>
           </a:p>
         </p:txBody>
       </p:sp>
     </p:spTree>
     <p:extLst>
       <p:ext uri="{BB962C8B-B14F-4D97-AF65-F5344CB8AC3E}">
-        <p14:creationId xmlns:p14="http://schemas.microsoft.com/office/powerpoint/2010/main" val="926608828"/>
+        <p14:creationId xmlns:p14="http://schemas.microsoft.com/office/powerpoint/2010/main" val="1610948595"/>
       </p:ext>
     </p:extLst>
   </p:cSld>
@@ -8443,145 +8448,147 @@
           <a:lstStyle/>
           <a:p>
             <a:r>
+              <a:rPr lang="en-US" dirty="0" smtClean="0"/>
+              <a:t>SQLite</a:t>
+            </a:r>
+            <a:endParaRPr lang="en-US" dirty="0"/>
+          </a:p>
+        </p:txBody>
+      </p:sp>
+      <p:sp>
+        <p:nvSpPr>
+          <p:cNvPr id="3" name="Content Placeholder 2"/>
+          <p:cNvSpPr>
+            <a:spLocks noGrp="1"/>
+          </p:cNvSpPr>
+          <p:nvPr>
+            <p:ph idx="1"/>
+          </p:nvPr>
+        </p:nvSpPr>
+        <p:spPr/>
+        <p:txBody>
+          <a:bodyPr>
+            <a:normAutofit fontScale="92500" lnSpcReduction="10000"/>
+          </a:bodyPr>
+          <a:lstStyle/>
+          <a:p>
+            <a:r>
+              <a:rPr lang="en-US" dirty="0" smtClean="0"/>
+              <a:t>Created databases are private to application, but available to all classes</a:t>
+            </a:r>
+          </a:p>
+          <a:p>
+            <a:r>
               <a:rPr lang="en-US" dirty="0" err="1" smtClean="0"/>
-              <a:t>PreferenceActivity</a:t>
-            </a:r>
-            <a:endParaRPr lang="en-US" dirty="0"/>
-          </a:p>
-        </p:txBody>
-      </p:sp>
-      <p:sp>
-        <p:nvSpPr>
-          <p:cNvPr id="3" name="Content Placeholder 2"/>
-          <p:cNvSpPr>
-            <a:spLocks noGrp="1"/>
-          </p:cNvSpPr>
-          <p:nvPr>
-            <p:ph idx="1"/>
-          </p:nvPr>
-        </p:nvSpPr>
-        <p:spPr>
-          <a:xfrm>
-            <a:off x="457200" y="1600200"/>
-            <a:ext cx="4799020" cy="4525963"/>
-          </a:xfrm>
-        </p:spPr>
-        <p:txBody>
-          <a:bodyPr>
-            <a:normAutofit lnSpcReduction="10000"/>
-          </a:bodyPr>
-          <a:lstStyle/>
-          <a:p>
-            <a:r>
-              <a:rPr lang="en-US" dirty="0" smtClean="0"/>
-              <a:t>Makes storing user application data easy</a:t>
-            </a:r>
-          </a:p>
-          <a:p>
-            <a:r>
-              <a:rPr lang="en-US" dirty="0" smtClean="0"/>
-              <a:t>5 different preference views</a:t>
-            </a:r>
+              <a:t>SQLiteOpenHelper</a:t>
+            </a:r>
+            <a:endParaRPr lang="en-US" dirty="0" smtClean="0"/>
           </a:p>
           <a:p>
             <a:pPr lvl="1"/>
             <a:r>
+              <a:rPr lang="en-US" dirty="0" smtClean="0"/>
+              <a:t>Manage creation and version management</a:t>
+            </a:r>
+          </a:p>
+          <a:p>
+            <a:r>
               <a:rPr lang="en-US" dirty="0" err="1" smtClean="0"/>
-              <a:t>CheckBoxPreference</a:t>
-            </a:r>
-            <a:endParaRPr lang="en-US" dirty="0" smtClean="0"/>
-          </a:p>
-          <a:p>
-            <a:pPr lvl="1"/>
-            <a:r>
-              <a:rPr lang="en-US" dirty="0" err="1" smtClean="0"/>
-              <a:t>ListPreference</a:t>
-            </a:r>
-            <a:endParaRPr lang="en-US" dirty="0" smtClean="0"/>
-          </a:p>
-          <a:p>
-            <a:pPr lvl="1"/>
-            <a:r>
-              <a:rPr lang="en-US" dirty="0" err="1" smtClean="0"/>
-              <a:t>EditTextPreference</a:t>
-            </a:r>
-            <a:endParaRPr lang="en-US" dirty="0" smtClean="0"/>
-          </a:p>
-          <a:p>
-            <a:pPr lvl="1"/>
-            <a:r>
-              <a:rPr lang="en-US" dirty="0" err="1" smtClean="0"/>
-              <a:t>RingtonePreference</a:t>
-            </a:r>
-            <a:endParaRPr lang="en-US" dirty="0" smtClean="0"/>
-          </a:p>
-          <a:p>
-            <a:pPr lvl="1"/>
-            <a:r>
-              <a:rPr lang="en-US" dirty="0" smtClean="0"/>
-              <a:t>Preference (custom) </a:t>
-            </a:r>
-            <a:endParaRPr lang="en-US" dirty="0"/>
-          </a:p>
-        </p:txBody>
-      </p:sp>
-      <p:pic>
-        <p:nvPicPr>
-          <p:cNvPr id="4" name="Picture 3"/>
-          <p:cNvPicPr>
-            <a:picLocks noChangeAspect="1"/>
-          </p:cNvPicPr>
-          <p:nvPr/>
-        </p:nvPicPr>
-        <p:blipFill>
-          <a:blip r:embed="rId2"/>
-          <a:stretch>
-            <a:fillRect/>
-          </a:stretch>
-        </p:blipFill>
-        <p:spPr>
-          <a:xfrm>
-            <a:off x="5432604" y="1600200"/>
-            <a:ext cx="2847605" cy="4271407"/>
-          </a:xfrm>
-          <a:prstGeom prst="rect">
-            <a:avLst/>
-          </a:prstGeom>
-        </p:spPr>
-      </p:pic>
-      <p:sp>
-        <p:nvSpPr>
-          <p:cNvPr id="5" name="TextBox 4"/>
-          <p:cNvSpPr txBox="1"/>
-          <p:nvPr/>
-        </p:nvSpPr>
-        <p:spPr>
-          <a:xfrm>
-            <a:off x="3247039" y="6164904"/>
-            <a:ext cx="5186035" cy="369332"/>
-          </a:xfrm>
-          <a:prstGeom prst="rect">
-            <a:avLst/>
-          </a:prstGeom>
-          <a:noFill/>
-        </p:spPr>
-        <p:txBody>
-          <a:bodyPr wrap="none" rtlCol="0">
-            <a:spAutoFit/>
-          </a:bodyPr>
-          <a:lstStyle/>
-          <a:p>
-            <a:r>
-              <a:rPr lang="en-US" dirty="0"/>
-              <a:t>Source: http://</a:t>
-            </a:r>
-            <a:r>
-              <a:rPr lang="en-US" dirty="0" err="1"/>
-              <a:t>www.kaloer.com</a:t>
-            </a:r>
-            <a:r>
-              <a:rPr lang="en-US" dirty="0"/>
-              <a:t>/android-preferences</a:t>
+              <a:t>SQLiteQueryBuilder</a:t>
+            </a:r>
+            <a:r>
+              <a:rPr lang="en-US" dirty="0" smtClean="0"/>
+              <a:t>()</a:t>
+            </a:r>
+          </a:p>
+          <a:p>
+            <a:r>
+              <a:rPr lang="en-US" dirty="0" smtClean="0"/>
+              <a:t>Cursor</a:t>
+            </a:r>
+          </a:p>
+          <a:p>
+            <a:r>
+              <a:rPr lang="en-US" dirty="0" smtClean="0"/>
+              <a:t>Connect from host computer</a:t>
+            </a:r>
+          </a:p>
+          <a:p>
+            <a:pPr marL="800100" lvl="2" indent="0">
+              <a:buNone/>
+            </a:pPr>
+            <a:r>
+              <a:rPr lang="en-US" sz="2000" dirty="0">
+                <a:latin typeface="Lucida Console"/>
+                <a:cs typeface="Lucida Console"/>
+              </a:rPr>
+              <a:t>$ </a:t>
+            </a:r>
+            <a:r>
+              <a:rPr lang="en-US" sz="2000" dirty="0" err="1">
+                <a:latin typeface="Lucida Console"/>
+                <a:cs typeface="Lucida Console"/>
+              </a:rPr>
+              <a:t>adb</a:t>
+            </a:r>
+            <a:r>
+              <a:rPr lang="en-US" sz="2000" dirty="0">
+                <a:latin typeface="Lucida Console"/>
+                <a:cs typeface="Lucida Console"/>
+              </a:rPr>
+              <a:t> -s </a:t>
+            </a:r>
+            <a:r>
+              <a:rPr lang="en-US" sz="2000" dirty="0" smtClean="0">
+                <a:latin typeface="Lucida Console"/>
+                <a:cs typeface="Lucida Console"/>
+              </a:rPr>
+              <a:t>&lt;emulator serial number&gt; shell</a:t>
+            </a:r>
+          </a:p>
+          <a:p>
+            <a:pPr marL="800100" lvl="2" indent="0">
+              <a:buNone/>
+            </a:pPr>
+            <a:r>
+              <a:rPr lang="en-US" sz="2000" dirty="0" smtClean="0">
+                <a:latin typeface="Lucida Console"/>
+                <a:cs typeface="Lucida Console"/>
+              </a:rPr>
+              <a:t>#sqlite3 &lt;</a:t>
+            </a:r>
+            <a:r>
+              <a:rPr lang="en-US" sz="2000" dirty="0" err="1" smtClean="0">
+                <a:latin typeface="Lucida Console"/>
+                <a:cs typeface="Lucida Console"/>
+              </a:rPr>
+              <a:t>dbname</a:t>
+            </a:r>
+            <a:r>
+              <a:rPr lang="en-US" sz="2000" dirty="0" smtClean="0">
+                <a:latin typeface="Lucida Console"/>
+                <a:cs typeface="Lucida Console"/>
+              </a:rPr>
+              <a:t>&gt;</a:t>
+            </a:r>
+          </a:p>
+          <a:p>
+            <a:pPr marL="800100" lvl="2" indent="0">
+              <a:buNone/>
+            </a:pPr>
+            <a:r>
+              <a:rPr lang="en-US" sz="2000" dirty="0" err="1" smtClean="0">
+                <a:latin typeface="Lucida Console"/>
+                <a:cs typeface="Lucida Console"/>
+              </a:rPr>
+              <a:t>sqlite</a:t>
+            </a:r>
+            <a:r>
+              <a:rPr lang="en-US" sz="2000" dirty="0">
+                <a:latin typeface="Lucida Console"/>
+                <a:cs typeface="Lucida Console"/>
+              </a:rPr>
+              <a:t>&gt; .exit </a:t>
             </a:r>
           </a:p>
         </p:txBody>
@@ -8589,7 +8596,7 @@
     </p:spTree>
     <p:extLst>
       <p:ext uri="{BB962C8B-B14F-4D97-AF65-F5344CB8AC3E}">
-        <p14:creationId xmlns:p14="http://schemas.microsoft.com/office/powerpoint/2010/main" val="854840571"/>
+        <p14:creationId xmlns:p14="http://schemas.microsoft.com/office/powerpoint/2010/main" val="3413007383"/>
       </p:ext>
     </p:extLst>
   </p:cSld>
@@ -8632,8 +8639,8 @@
           <a:lstStyle/>
           <a:p>
             <a:r>
-              <a:rPr lang="en-US" dirty="0" smtClean="0"/>
-              <a:t>Lab 4</a:t>
+              <a:rPr lang="en-US" dirty="0" err="1" smtClean="0"/>
+              <a:t>PreferenceActivity</a:t>
             </a:r>
             <a:endParaRPr lang="en-US" dirty="0"/>
           </a:p>
@@ -8649,19 +8656,136 @@
             <p:ph idx="1"/>
           </p:nvPr>
         </p:nvSpPr>
-        <p:spPr/>
-        <p:txBody>
-          <a:bodyPr/>
-          <a:lstStyle/>
-          <a:p>
-            <a:endParaRPr lang="en-US"/>
+        <p:spPr>
+          <a:xfrm>
+            <a:off x="457200" y="1600200"/>
+            <a:ext cx="4799020" cy="4525963"/>
+          </a:xfrm>
+        </p:spPr>
+        <p:txBody>
+          <a:bodyPr>
+            <a:normAutofit lnSpcReduction="10000"/>
+          </a:bodyPr>
+          <a:lstStyle/>
+          <a:p>
+            <a:r>
+              <a:rPr lang="en-US" dirty="0" smtClean="0"/>
+              <a:t>Makes storing user application data easy</a:t>
+            </a:r>
+          </a:p>
+          <a:p>
+            <a:r>
+              <a:rPr lang="en-US" dirty="0" smtClean="0"/>
+              <a:t>5 different preference views</a:t>
+            </a:r>
+          </a:p>
+          <a:p>
+            <a:pPr lvl="1"/>
+            <a:r>
+              <a:rPr lang="en-US" dirty="0" err="1" smtClean="0"/>
+              <a:t>CheckBoxPreference</a:t>
+            </a:r>
+            <a:endParaRPr lang="en-US" dirty="0" smtClean="0"/>
+          </a:p>
+          <a:p>
+            <a:pPr lvl="1"/>
+            <a:r>
+              <a:rPr lang="en-US" dirty="0" err="1" smtClean="0"/>
+              <a:t>ListPreference</a:t>
+            </a:r>
+            <a:endParaRPr lang="en-US" dirty="0" smtClean="0"/>
+          </a:p>
+          <a:p>
+            <a:pPr lvl="1"/>
+            <a:r>
+              <a:rPr lang="en-US" dirty="0" err="1" smtClean="0"/>
+              <a:t>EditTextPreference</a:t>
+            </a:r>
+            <a:endParaRPr lang="en-US" dirty="0" smtClean="0"/>
+          </a:p>
+          <a:p>
+            <a:pPr lvl="1"/>
+            <a:r>
+              <a:rPr lang="en-US" dirty="0" err="1" smtClean="0"/>
+              <a:t>RingtonePreference</a:t>
+            </a:r>
+            <a:endParaRPr lang="en-US" dirty="0" smtClean="0"/>
+          </a:p>
+          <a:p>
+            <a:pPr lvl="1"/>
+            <a:r>
+              <a:rPr lang="en-US" dirty="0" smtClean="0"/>
+              <a:t>Preference (custom) </a:t>
+            </a:r>
+            <a:endParaRPr lang="en-US" dirty="0"/>
+          </a:p>
+        </p:txBody>
+      </p:sp>
+      <p:pic>
+        <p:nvPicPr>
+          <p:cNvPr id="4" name="Picture 3"/>
+          <p:cNvPicPr>
+            <a:picLocks noChangeAspect="1"/>
+          </p:cNvPicPr>
+          <p:nvPr/>
+        </p:nvPicPr>
+        <p:blipFill>
+          <a:blip r:embed="rId2"/>
+          <a:stretch>
+            <a:fillRect/>
+          </a:stretch>
+        </p:blipFill>
+        <p:spPr>
+          <a:xfrm>
+            <a:off x="5432604" y="1600200"/>
+            <a:ext cx="2847605" cy="4271407"/>
+          </a:xfrm>
+          <a:prstGeom prst="rect">
+            <a:avLst/>
+          </a:prstGeom>
+        </p:spPr>
+      </p:pic>
+      <p:sp>
+        <p:nvSpPr>
+          <p:cNvPr id="5" name="TextBox 4"/>
+          <p:cNvSpPr txBox="1"/>
+          <p:nvPr/>
+        </p:nvSpPr>
+        <p:spPr>
+          <a:xfrm>
+            <a:off x="3247039" y="6164904"/>
+            <a:ext cx="5186035" cy="369332"/>
+          </a:xfrm>
+          <a:prstGeom prst="rect">
+            <a:avLst/>
+          </a:prstGeom>
+          <a:noFill/>
+        </p:spPr>
+        <p:txBody>
+          <a:bodyPr wrap="none" rtlCol="0">
+            <a:spAutoFit/>
+          </a:bodyPr>
+          <a:lstStyle/>
+          <a:p>
+            <a:r>
+              <a:rPr lang="en-US" dirty="0"/>
+              <a:t>Source: http://</a:t>
+            </a:r>
+            <a:r>
+              <a:rPr lang="en-US" dirty="0" err="1"/>
+              <a:t>www.kaloer.com</a:t>
+            </a:r>
+            <a:r>
+              <a:rPr lang="en-US" dirty="0"/>
+              <a:t>/android-preferences</a:t>
+            </a:r>
           </a:p>
         </p:txBody>
       </p:sp>
     </p:spTree>
     <p:extLst>
       <p:ext uri="{BB962C8B-B14F-4D97-AF65-F5344CB8AC3E}">
-        <p14:creationId xmlns:p14="http://schemas.microsoft.com/office/powerpoint/2010/main" val="2423390600"/>
+        <p14:creationId xmlns:p14="http://schemas.microsoft.com/office/powerpoint/2010/main" val="854840571"/>
       </p:ext>
     </p:extLst>
   </p:cSld>
@@ -8705,53 +8829,40 @@
           <a:p>
             <a:r>
               <a:rPr lang="en-US" dirty="0" smtClean="0"/>
-              <a:t>Location, Location, Location</a:t>
+              <a:t>Lab 4</a:t>
             </a:r>
             <a:endParaRPr lang="en-US" dirty="0"/>
           </a:p>
         </p:txBody>
       </p:sp>
-      <p:sp>
-        <p:nvSpPr>
-          <p:cNvPr id="3" name="Content Placeholder 2"/>
-          <p:cNvSpPr>
-            <a:spLocks noGrp="1"/>
-          </p:cNvSpPr>
-          <p:nvPr>
-            <p:ph idx="1"/>
-          </p:nvPr>
-        </p:nvSpPr>
-        <p:spPr/>
-        <p:txBody>
-          <a:bodyPr/>
-          <a:lstStyle/>
-          <a:p>
-            <a:r>
-              <a:rPr lang="en-US" dirty="0" err="1" smtClean="0"/>
-              <a:t>MapView</a:t>
-            </a:r>
-            <a:endParaRPr lang="en-US" dirty="0" smtClean="0"/>
-          </a:p>
-          <a:p>
-            <a:r>
-              <a:rPr lang="en-US" dirty="0" err="1" smtClean="0"/>
-              <a:t>MapActivity</a:t>
-            </a:r>
-            <a:endParaRPr lang="en-US" dirty="0" smtClean="0"/>
-          </a:p>
-          <a:p>
-            <a:r>
-              <a:rPr lang="en-US" dirty="0" err="1" smtClean="0"/>
-              <a:t>Geocoder</a:t>
-            </a:r>
-            <a:endParaRPr lang="en-US" dirty="0"/>
-          </a:p>
-        </p:txBody>
-      </p:sp>
+      <p:pic>
+        <p:nvPicPr>
+          <p:cNvPr id="5" name="Picture 4"/>
+          <p:cNvPicPr>
+            <a:picLocks noChangeAspect="1"/>
+          </p:cNvPicPr>
+          <p:nvPr/>
+        </p:nvPicPr>
+        <p:blipFill>
+          <a:blip r:embed="rId2"/>
+          <a:stretch>
+            <a:fillRect/>
+          </a:stretch>
+        </p:blipFill>
+        <p:spPr>
+          <a:xfrm>
+            <a:off x="5481156" y="1578735"/>
+            <a:ext cx="2910612" cy="4821259"/>
+          </a:xfrm>
+          <a:prstGeom prst="rect">
+            <a:avLst/>
+          </a:prstGeom>
+        </p:spPr>
+      </p:pic>
     </p:spTree>
     <p:extLst>
       <p:ext uri="{BB962C8B-B14F-4D97-AF65-F5344CB8AC3E}">
-        <p14:creationId xmlns:p14="http://schemas.microsoft.com/office/powerpoint/2010/main" val="647274020"/>
+        <p14:creationId xmlns:p14="http://schemas.microsoft.com/office/powerpoint/2010/main" val="2423390600"/>
       </p:ext>
     </p:extLst>
   </p:cSld>
@@ -8795,7 +8906,7 @@
           <a:p>
             <a:r>
               <a:rPr lang="en-US" dirty="0" smtClean="0"/>
-              <a:t>Get API Key</a:t>
+              <a:t>Location, Location, Location</a:t>
             </a:r>
             <a:endParaRPr lang="en-US" dirty="0"/>
           </a:p>
@@ -8813,217 +8924,35 @@
         </p:nvSpPr>
         <p:spPr/>
         <p:txBody>
-          <a:bodyPr>
-            <a:normAutofit lnSpcReduction="10000"/>
-          </a:bodyPr>
-          <a:lstStyle/>
-          <a:p>
-            <a:pPr marL="0" indent="0">
-              <a:buNone/>
-            </a:pPr>
-            <a:r>
-              <a:rPr lang="en-US" sz="2800" dirty="0">
-                <a:cs typeface="Lucida Console"/>
-                <a:hlinkClick r:id="rId2"/>
-              </a:rPr>
-              <a:t>http://code.google.com/android/maps-api-</a:t>
-            </a:r>
-            <a:r>
-              <a:rPr lang="en-US" sz="2800" dirty="0" smtClean="0">
-                <a:cs typeface="Lucida Console"/>
-                <a:hlinkClick r:id="rId2"/>
-              </a:rPr>
-              <a:t>signup.html</a:t>
-            </a:r>
-            <a:endParaRPr lang="en-US" sz="2800" dirty="0" smtClean="0">
-              <a:cs typeface="Lucida Console"/>
-            </a:endParaRPr>
-          </a:p>
-          <a:p>
-            <a:pPr marL="0" indent="0">
-              <a:buNone/>
-            </a:pPr>
-            <a:endParaRPr lang="en-US" sz="2400" dirty="0">
-              <a:cs typeface="Lucida Console"/>
-            </a:endParaRPr>
-          </a:p>
-          <a:p>
-            <a:pPr marL="0" indent="0">
-              <a:buNone/>
-            </a:pPr>
-            <a:r>
-              <a:rPr lang="en-US" sz="2400" dirty="0" err="1" smtClean="0">
-                <a:latin typeface="Lucida Console"/>
-                <a:cs typeface="Lucida Console"/>
-              </a:rPr>
-              <a:t>keytool</a:t>
-            </a:r>
-            <a:r>
-              <a:rPr lang="en-US" sz="2400" dirty="0" smtClean="0">
-                <a:latin typeface="Lucida Console"/>
-                <a:cs typeface="Lucida Console"/>
-              </a:rPr>
-              <a:t> </a:t>
-            </a:r>
-            <a:r>
-              <a:rPr lang="en-US" sz="2400" dirty="0">
-                <a:latin typeface="Lucida Console"/>
-                <a:cs typeface="Lucida Console"/>
-              </a:rPr>
-              <a:t>-list -alias </a:t>
-            </a:r>
-            <a:r>
-              <a:rPr lang="en-US" sz="2400" dirty="0" err="1">
-                <a:latin typeface="Lucida Console"/>
-                <a:cs typeface="Lucida Console"/>
-              </a:rPr>
-              <a:t>androiddebugkey</a:t>
-            </a:r>
-            <a:r>
-              <a:rPr lang="en-US" sz="2400" dirty="0">
-                <a:latin typeface="Lucida Console"/>
-                <a:cs typeface="Lucida Console"/>
-              </a:rPr>
-              <a:t> -</a:t>
-            </a:r>
-            <a:r>
-              <a:rPr lang="en-US" sz="2400" dirty="0" err="1">
-                <a:latin typeface="Lucida Console"/>
-                <a:cs typeface="Lucida Console"/>
-              </a:rPr>
-              <a:t>keystore</a:t>
-            </a:r>
-            <a:r>
-              <a:rPr lang="en-US" sz="2400" dirty="0">
-                <a:latin typeface="Lucida Console"/>
-                <a:cs typeface="Lucida Console"/>
-              </a:rPr>
-              <a:t> </a:t>
-            </a:r>
-            <a:r>
-              <a:rPr lang="en-US" sz="2400" dirty="0" smtClean="0">
-                <a:latin typeface="Lucida Console"/>
-                <a:cs typeface="Lucida Console"/>
-              </a:rPr>
-              <a:t>”/full/path/</a:t>
-            </a:r>
-            <a:r>
-              <a:rPr lang="en-US" sz="2400" dirty="0">
-                <a:latin typeface="Lucida Console"/>
-                <a:cs typeface="Lucida Console"/>
-              </a:rPr>
-              <a:t>learn-android/</a:t>
-            </a:r>
-            <a:r>
-              <a:rPr lang="en-US" sz="2400" dirty="0" err="1">
-                <a:latin typeface="Lucida Console"/>
-                <a:cs typeface="Lucida Console"/>
-              </a:rPr>
-              <a:t>debug.keystore</a:t>
-            </a:r>
-            <a:r>
-              <a:rPr lang="en-US" sz="2400" dirty="0">
-                <a:latin typeface="Lucida Console"/>
-                <a:cs typeface="Lucida Console"/>
-              </a:rPr>
-              <a:t>" -</a:t>
-            </a:r>
-            <a:r>
-              <a:rPr lang="en-US" sz="2400" dirty="0" err="1">
-                <a:latin typeface="Lucida Console"/>
-                <a:cs typeface="Lucida Console"/>
-              </a:rPr>
-              <a:t>storepass</a:t>
-            </a:r>
-            <a:r>
-              <a:rPr lang="en-US" sz="2400" dirty="0">
-                <a:latin typeface="Lucida Console"/>
-                <a:cs typeface="Lucida Console"/>
-              </a:rPr>
-              <a:t> android -</a:t>
-            </a:r>
-            <a:r>
-              <a:rPr lang="en-US" sz="2400" dirty="0" err="1">
-                <a:latin typeface="Lucida Console"/>
-                <a:cs typeface="Lucida Console"/>
-              </a:rPr>
-              <a:t>keypass</a:t>
-            </a:r>
-            <a:r>
-              <a:rPr lang="en-US" sz="2400" dirty="0">
-                <a:latin typeface="Lucida Console"/>
-                <a:cs typeface="Lucida Console"/>
-              </a:rPr>
-              <a:t> </a:t>
-            </a:r>
-            <a:r>
-              <a:rPr lang="en-US" sz="2400" dirty="0" smtClean="0">
-                <a:latin typeface="Lucida Console"/>
-                <a:cs typeface="Lucida Console"/>
-              </a:rPr>
-              <a:t>android</a:t>
-            </a:r>
-          </a:p>
-          <a:p>
-            <a:pPr marL="0" indent="0">
-              <a:buNone/>
-            </a:pPr>
-            <a:endParaRPr lang="en-US" sz="2400" dirty="0">
-              <a:latin typeface="Lucida Console"/>
-              <a:cs typeface="Lucida Console"/>
-            </a:endParaRPr>
-          </a:p>
-          <a:p>
-            <a:pPr marL="0" indent="0">
-              <a:buNone/>
-            </a:pPr>
-            <a:r>
-              <a:rPr lang="en-US" sz="2400" dirty="0" err="1">
-                <a:latin typeface="Lucida Console"/>
-                <a:cs typeface="Lucida Console"/>
-              </a:rPr>
-              <a:t>androiddebugkey</a:t>
-            </a:r>
-            <a:r>
-              <a:rPr lang="en-US" sz="2400" dirty="0">
-                <a:latin typeface="Lucida Console"/>
-                <a:cs typeface="Lucida Console"/>
-              </a:rPr>
-              <a:t>, Sep 4, 2011, </a:t>
-            </a:r>
-            <a:r>
-              <a:rPr lang="en-US" sz="2400" dirty="0" err="1">
-                <a:latin typeface="Lucida Console"/>
-                <a:cs typeface="Lucida Console"/>
-              </a:rPr>
-              <a:t>PrivateKeyEntry</a:t>
-            </a:r>
-            <a:r>
-              <a:rPr lang="en-US" sz="2400" dirty="0">
-                <a:latin typeface="Lucida Console"/>
-                <a:cs typeface="Lucida Console"/>
-              </a:rPr>
-              <a:t>, </a:t>
-            </a:r>
-          </a:p>
-          <a:p>
-            <a:pPr marL="0" indent="0">
-              <a:buNone/>
-            </a:pPr>
-            <a:r>
-              <a:rPr lang="en-US" sz="2400" dirty="0">
-                <a:latin typeface="Lucida Console"/>
-                <a:cs typeface="Lucida Console"/>
-              </a:rPr>
-              <a:t>Certificate fingerprint (MD5): 70:3C:3D:A9:52:2B:73:9E:E1:81:B4:DD:B9:5B:F6:F8</a:t>
-            </a:r>
+          <a:bodyPr/>
+          <a:lstStyle/>
+          <a:p>
+            <a:r>
+              <a:rPr lang="en-US" dirty="0" err="1" smtClean="0"/>
+              <a:t>MapView</a:t>
+            </a:r>
+            <a:endParaRPr lang="en-US" dirty="0" smtClean="0"/>
+          </a:p>
+          <a:p>
+            <a:r>
+              <a:rPr lang="en-US" dirty="0" err="1" smtClean="0"/>
+              <a:t>MapActivity</a:t>
+            </a:r>
+            <a:endParaRPr lang="en-US" dirty="0" smtClean="0"/>
+          </a:p>
+          <a:p>
+            <a:r>
+              <a:rPr lang="en-US" dirty="0" err="1" smtClean="0"/>
+              <a:t>Geocoder</a:t>
+            </a:r>
+            <a:endParaRPr lang="en-US" dirty="0"/>
           </a:p>
         </p:txBody>
       </p:sp>
     </p:spTree>
     <p:extLst>
       <p:ext uri="{BB962C8B-B14F-4D97-AF65-F5344CB8AC3E}">
-        <p14:creationId xmlns:p14="http://schemas.microsoft.com/office/powerpoint/2010/main" val="381961892"/>
+        <p14:creationId xmlns:p14="http://schemas.microsoft.com/office/powerpoint/2010/main" val="647274020"/>
       </p:ext>
     </p:extLst>
   </p:cSld>
@@ -9067,35 +8996,235 @@
           <a:p>
             <a:r>
               <a:rPr lang="en-US" dirty="0" smtClean="0"/>
-              <a:t>Install APIs</a:t>
+              <a:t>Get API Key</a:t>
             </a:r>
             <a:endParaRPr lang="en-US" dirty="0"/>
           </a:p>
         </p:txBody>
       </p:sp>
-      <p:pic>
-        <p:nvPicPr>
-          <p:cNvPr id="5" name="Content Placeholder 4"/>
-          <p:cNvPicPr>
-            <a:picLocks noGrp="1" noChangeAspect="1"/>
-          </p:cNvPicPr>
+      <p:sp>
+        <p:nvSpPr>
+          <p:cNvPr id="3" name="Content Placeholder 2"/>
+          <p:cNvSpPr>
+            <a:spLocks noGrp="1"/>
+          </p:cNvSpPr>
           <p:nvPr>
             <p:ph idx="1"/>
           </p:nvPr>
-        </p:nvPicPr>
-        <p:blipFill>
-          <a:blip r:embed="rId2"/>
-          <a:srcRect l="-7950" r="-7950"/>
-          <a:stretch>
-            <a:fillRect/>
-          </a:stretch>
-        </p:blipFill>
-        <p:spPr/>
-      </p:pic>
+        </p:nvSpPr>
+        <p:spPr/>
+        <p:txBody>
+          <a:bodyPr>
+            <a:normAutofit lnSpcReduction="10000"/>
+          </a:bodyPr>
+          <a:lstStyle/>
+          <a:p>
+            <a:pPr marL="0" indent="0">
+              <a:buNone/>
+            </a:pPr>
+            <a:r>
+              <a:rPr lang="en-US" sz="2800" dirty="0">
+                <a:cs typeface="Lucida Console"/>
+                <a:hlinkClick r:id="rId2"/>
+              </a:rPr>
+              <a:t>http://code.google.com/android/maps-api-</a:t>
+            </a:r>
+            <a:r>
+              <a:rPr lang="en-US" sz="2800" dirty="0" smtClean="0">
+                <a:cs typeface="Lucida Console"/>
+                <a:hlinkClick r:id="rId2"/>
+              </a:rPr>
+              <a:t>signup.html</a:t>
+            </a:r>
+            <a:endParaRPr lang="en-US" sz="2800" dirty="0" smtClean="0">
+              <a:cs typeface="Lucida Console"/>
+            </a:endParaRPr>
+          </a:p>
+          <a:p>
+            <a:pPr marL="0" indent="0">
+              <a:buNone/>
+            </a:pPr>
+            <a:endParaRPr lang="en-US" sz="2400" dirty="0">
+              <a:cs typeface="Lucida Console"/>
+            </a:endParaRPr>
+          </a:p>
+          <a:p>
+            <a:pPr marL="0" indent="0">
+              <a:buNone/>
+            </a:pPr>
+            <a:r>
+              <a:rPr lang="en-US" sz="2400" dirty="0" err="1" smtClean="0">
+                <a:latin typeface="Lucida Console"/>
+                <a:cs typeface="Lucida Console"/>
+              </a:rPr>
+              <a:t>keytool</a:t>
+            </a:r>
+            <a:r>
+              <a:rPr lang="en-US" sz="2400" dirty="0" smtClean="0">
+                <a:latin typeface="Lucida Console"/>
+                <a:cs typeface="Lucida Console"/>
+              </a:rPr>
+              <a:t> </a:t>
+            </a:r>
+            <a:r>
+              <a:rPr lang="en-US" sz="2400" dirty="0">
+                <a:latin typeface="Lucida Console"/>
+                <a:cs typeface="Lucida Console"/>
+              </a:rPr>
+              <a:t>-list -alias </a:t>
+            </a:r>
+            <a:r>
+              <a:rPr lang="en-US" sz="2400" dirty="0" err="1">
+                <a:latin typeface="Lucida Console"/>
+                <a:cs typeface="Lucida Console"/>
+              </a:rPr>
+              <a:t>androiddebugkey</a:t>
+            </a:r>
+            <a:r>
+              <a:rPr lang="en-US" sz="2400" dirty="0">
+                <a:latin typeface="Lucida Console"/>
+                <a:cs typeface="Lucida Console"/>
+              </a:rPr>
+              <a:t> -</a:t>
+            </a:r>
+            <a:r>
+              <a:rPr lang="en-US" sz="2400" dirty="0" err="1">
+                <a:latin typeface="Lucida Console"/>
+                <a:cs typeface="Lucida Console"/>
+              </a:rPr>
+              <a:t>keystore</a:t>
+            </a:r>
+            <a:r>
+              <a:rPr lang="en-US" sz="2400" dirty="0">
+                <a:latin typeface="Lucida Console"/>
+                <a:cs typeface="Lucida Console"/>
+              </a:rPr>
+              <a:t> </a:t>
+            </a:r>
+            <a:r>
+              <a:rPr lang="en-US" sz="2400" dirty="0" smtClean="0">
+                <a:latin typeface="Lucida Console"/>
+                <a:cs typeface="Lucida Console"/>
+              </a:rPr>
+              <a:t>”/full/path/</a:t>
+            </a:r>
+            <a:r>
+              <a:rPr lang="en-US" sz="2400" dirty="0">
+                <a:latin typeface="Lucida Console"/>
+                <a:cs typeface="Lucida Console"/>
+              </a:rPr>
+              <a:t>learn-android/</a:t>
+            </a:r>
+            <a:r>
+              <a:rPr lang="en-US" sz="2400" dirty="0" err="1">
+                <a:latin typeface="Lucida Console"/>
+                <a:cs typeface="Lucida Console"/>
+              </a:rPr>
+              <a:t>debug.keystore</a:t>
+            </a:r>
+            <a:r>
+              <a:rPr lang="en-US" sz="2400" dirty="0">
+                <a:latin typeface="Lucida Console"/>
+                <a:cs typeface="Lucida Console"/>
+              </a:rPr>
+              <a:t>" -</a:t>
+            </a:r>
+            <a:r>
+              <a:rPr lang="en-US" sz="2400" dirty="0" err="1">
+                <a:latin typeface="Lucida Console"/>
+                <a:cs typeface="Lucida Console"/>
+              </a:rPr>
+              <a:t>storepass</a:t>
+            </a:r>
+            <a:r>
+              <a:rPr lang="en-US" sz="2400" dirty="0">
+                <a:latin typeface="Lucida Console"/>
+                <a:cs typeface="Lucida Console"/>
+              </a:rPr>
+              <a:t> android -</a:t>
+            </a:r>
+            <a:r>
+              <a:rPr lang="en-US" sz="2400" dirty="0" err="1">
+                <a:latin typeface="Lucida Console"/>
+                <a:cs typeface="Lucida Console"/>
+              </a:rPr>
+              <a:t>keypass</a:t>
+            </a:r>
+            <a:r>
+              <a:rPr lang="en-US" sz="2400" dirty="0">
+                <a:latin typeface="Lucida Console"/>
+                <a:cs typeface="Lucida Console"/>
+              </a:rPr>
+              <a:t> </a:t>
+            </a:r>
+            <a:r>
+              <a:rPr lang="en-US" sz="2400" dirty="0" smtClean="0">
+                <a:latin typeface="Lucida Console"/>
+                <a:cs typeface="Lucida Console"/>
+              </a:rPr>
+              <a:t>android</a:t>
+            </a:r>
+          </a:p>
+          <a:p>
+            <a:pPr marL="0" indent="0">
+              <a:buNone/>
+            </a:pPr>
+            <a:endParaRPr lang="en-US" sz="2400" dirty="0">
+              <a:latin typeface="Lucida Console"/>
+              <a:cs typeface="Lucida Console"/>
+            </a:endParaRPr>
+          </a:p>
+          <a:p>
+            <a:pPr marL="0" indent="0">
+              <a:buNone/>
+            </a:pPr>
+            <a:r>
+              <a:rPr lang="en-US" sz="2400" dirty="0" err="1">
+                <a:latin typeface="Lucida Console"/>
+                <a:cs typeface="Lucida Console"/>
+              </a:rPr>
+              <a:t>androiddebugkey</a:t>
+            </a:r>
+            <a:r>
+              <a:rPr lang="en-US" sz="2400" dirty="0">
+                <a:latin typeface="Lucida Console"/>
+                <a:cs typeface="Lucida Console"/>
+              </a:rPr>
+              <a:t>, Sep 4, 2011, </a:t>
+            </a:r>
+            <a:r>
+              <a:rPr lang="en-US" sz="2400" dirty="0" err="1">
+                <a:latin typeface="Lucida Console"/>
+                <a:cs typeface="Lucida Console"/>
+              </a:rPr>
+              <a:t>PrivateKeyEntry</a:t>
+            </a:r>
+            <a:r>
+              <a:rPr lang="en-US" sz="2400" dirty="0">
+                <a:latin typeface="Lucida Console"/>
+                <a:cs typeface="Lucida Console"/>
+              </a:rPr>
+              <a:t>, </a:t>
+            </a:r>
+          </a:p>
+          <a:p>
+            <a:pPr marL="0" indent="0">
+              <a:buNone/>
+            </a:pPr>
+            <a:r>
+              <a:rPr lang="en-US" sz="2400" dirty="0">
+                <a:latin typeface="Lucida Console"/>
+                <a:cs typeface="Lucida Console"/>
+              </a:rPr>
+              <a:t>Certificate fingerprint (MD5): 70:3C:3D:A9:52:2B:73:9E:E1:81:B4:DD:B9:5B:F6:F8</a:t>
+            </a:r>
+          </a:p>
+        </p:txBody>
+      </p:sp>
     </p:spTree>
     <p:extLst>
       <p:ext uri="{BB962C8B-B14F-4D97-AF65-F5344CB8AC3E}">
-        <p14:creationId xmlns:p14="http://schemas.microsoft.com/office/powerpoint/2010/main" val="1979800442"/>
+        <p14:creationId xmlns:p14="http://schemas.microsoft.com/office/powerpoint/2010/main" val="381961892"/>
       </p:ext>
     </p:extLst>
   </p:cSld>
@@ -9139,6 +9268,154 @@
           <a:p>
             <a:r>
               <a:rPr lang="en-US" dirty="0" smtClean="0"/>
+              <a:t>Use Debug </a:t>
+            </a:r>
+            <a:r>
+              <a:rPr lang="en-US" dirty="0" err="1" smtClean="0"/>
+              <a:t>Keystore</a:t>
+            </a:r>
+            <a:endParaRPr lang="en-US" dirty="0"/>
+          </a:p>
+        </p:txBody>
+      </p:sp>
+      <p:pic>
+        <p:nvPicPr>
+          <p:cNvPr id="4" name="Content Placeholder 3"/>
+          <p:cNvPicPr>
+            <a:picLocks noGrp="1" noChangeAspect="1"/>
+          </p:cNvPicPr>
+          <p:nvPr>
+            <p:ph idx="1"/>
+          </p:nvPr>
+        </p:nvPicPr>
+        <p:blipFill>
+          <a:blip r:embed="rId2"/>
+          <a:srcRect l="-23419" r="-23419"/>
+          <a:stretch>
+            <a:fillRect/>
+          </a:stretch>
+        </p:blipFill>
+        <p:spPr/>
+      </p:pic>
+    </p:spTree>
+    <p:extLst>
+      <p:ext uri="{BB962C8B-B14F-4D97-AF65-F5344CB8AC3E}">
+        <p14:creationId xmlns:p14="http://schemas.microsoft.com/office/powerpoint/2010/main" val="2622524024"/>
+      </p:ext>
+    </p:extLst>
+  </p:cSld>
+  <p:clrMapOvr>
+    <a:masterClrMapping/>
+  </p:clrMapOvr>
+</p:sld>
+</file>
+
+<file path=ppt/slides/slide46.xml><?xml version="1.0" encoding="utf-8"?>
+<p:sld xmlns:a="http://schemas.openxmlformats.org/drawingml/2006/main" xmlns:r="http://schemas.openxmlformats.org/officeDocument/2006/relationships" xmlns:p="http://schemas.openxmlformats.org/presentationml/2006/main">
+  <p:cSld>
+    <p:spTree>
+      <p:nvGrpSpPr>
+        <p:cNvPr id="1" name=""/>
+        <p:cNvGrpSpPr/>
+        <p:nvPr/>
+      </p:nvGrpSpPr>
+      <p:grpSpPr>
+        <a:xfrm>
+          <a:off x="0" y="0"/>
+          <a:ext cx="0" cy="0"/>
+          <a:chOff x="0" y="0"/>
+          <a:chExt cx="0" cy="0"/>
+        </a:xfrm>
+      </p:grpSpPr>
+      <p:sp>
+        <p:nvSpPr>
+          <p:cNvPr id="2" name="Title 1"/>
+          <p:cNvSpPr>
+            <a:spLocks noGrp="1"/>
+          </p:cNvSpPr>
+          <p:nvPr>
+            <p:ph type="title"/>
+          </p:nvPr>
+        </p:nvSpPr>
+        <p:spPr/>
+        <p:txBody>
+          <a:bodyPr/>
+          <a:lstStyle/>
+          <a:p>
+            <a:r>
+              <a:rPr lang="en-US" dirty="0" smtClean="0"/>
+              <a:t>Install APIs</a:t>
+            </a:r>
+            <a:endParaRPr lang="en-US" dirty="0"/>
+          </a:p>
+        </p:txBody>
+      </p:sp>
+      <p:pic>
+        <p:nvPicPr>
+          <p:cNvPr id="5" name="Content Placeholder 4"/>
+          <p:cNvPicPr>
+            <a:picLocks noGrp="1" noChangeAspect="1"/>
+          </p:cNvPicPr>
+          <p:nvPr>
+            <p:ph idx="1"/>
+          </p:nvPr>
+        </p:nvPicPr>
+        <p:blipFill>
+          <a:blip r:embed="rId2"/>
+          <a:srcRect l="-7950" r="-7950"/>
+          <a:stretch>
+            <a:fillRect/>
+          </a:stretch>
+        </p:blipFill>
+        <p:spPr/>
+      </p:pic>
+    </p:spTree>
+    <p:extLst>
+      <p:ext uri="{BB962C8B-B14F-4D97-AF65-F5344CB8AC3E}">
+        <p14:creationId xmlns:p14="http://schemas.microsoft.com/office/powerpoint/2010/main" val="1979800442"/>
+      </p:ext>
+    </p:extLst>
+  </p:cSld>
+  <p:clrMapOvr>
+    <a:masterClrMapping/>
+  </p:clrMapOvr>
+</p:sld>
+</file>
+
+<file path=ppt/slides/slide47.xml><?xml version="1.0" encoding="utf-8"?>
+<p:sld xmlns:a="http://schemas.openxmlformats.org/drawingml/2006/main" xmlns:r="http://schemas.openxmlformats.org/officeDocument/2006/relationships" xmlns:p="http://schemas.openxmlformats.org/presentationml/2006/main">
+  <p:cSld>
+    <p:spTree>
+      <p:nvGrpSpPr>
+        <p:cNvPr id="1" name=""/>
+        <p:cNvGrpSpPr/>
+        <p:nvPr/>
+      </p:nvGrpSpPr>
+      <p:grpSpPr>
+        <a:xfrm>
+          <a:off x="0" y="0"/>
+          <a:ext cx="0" cy="0"/>
+          <a:chOff x="0" y="0"/>
+          <a:chExt cx="0" cy="0"/>
+        </a:xfrm>
+      </p:grpSpPr>
+      <p:sp>
+        <p:nvSpPr>
+          <p:cNvPr id="2" name="Title 1"/>
+          <p:cNvSpPr>
+            <a:spLocks noGrp="1"/>
+          </p:cNvSpPr>
+          <p:nvPr>
+            <p:ph type="title"/>
+          </p:nvPr>
+        </p:nvSpPr>
+        <p:spPr/>
+        <p:txBody>
+          <a:bodyPr/>
+          <a:lstStyle/>
+          <a:p>
+            <a:r>
+              <a:rPr lang="en-US" dirty="0" smtClean="0"/>
               <a:t>Change Build Target</a:t>
             </a:r>
             <a:endParaRPr lang="en-US" dirty="0"/>
@@ -9177,7 +9454,7 @@
 </p:sld>
 </file>
 
-<file path=ppt/slides/slide46.xml><?xml version="1.0" encoding="utf-8"?>
+<file path=ppt/slides/slide48.xml><?xml version="1.0" encoding="utf-8"?>
 <p:sld xmlns:a="http://schemas.openxmlformats.org/drawingml/2006/main" xmlns:r="http://schemas.openxmlformats.org/officeDocument/2006/relationships" xmlns:p="http://schemas.openxmlformats.org/presentationml/2006/main">
   <p:cSld>
     <p:spTree>
@@ -9283,7 +9560,7 @@
           <a:p>
             <a:r>
               <a:rPr lang="en-US" dirty="0" smtClean="0"/>
-              <a:t>Eclipse</a:t>
+              <a:t>Setup &amp; Installation</a:t>
             </a:r>
             <a:endParaRPr lang="en-US" dirty="0"/>
           </a:p>
@@ -9305,14 +9582,12 @@
           <a:lstStyle/>
           <a:p>
             <a:r>
-              <a:rPr lang="en-US" dirty="0" smtClean="0"/>
-              <a:t>Current version: Indigo 3.7.1</a:t>
-            </a:r>
-          </a:p>
-          <a:p>
-            <a:r>
-              <a:rPr lang="en-US" dirty="0" smtClean="0"/>
-              <a:t>Download:</a:t>
+              <a:rPr lang="en-US" dirty="0"/>
+              <a:t>Following guide on Android Developer </a:t>
+            </a:r>
+            <a:r>
+              <a:rPr lang="en-US" dirty="0" smtClean="0"/>
+              <a:t>site</a:t>
             </a:r>
           </a:p>
           <a:p>
@@ -9321,51 +9596,34 @@
               <a:rPr lang="en-US" dirty="0" smtClean="0">
                 <a:hlinkClick r:id="rId2"/>
               </a:rPr>
-              <a:t>http://eclipse.org/downloads/</a:t>
+              <a:t>http</a:t>
+            </a:r>
+            <a:r>
+              <a:rPr lang="en-US" dirty="0" smtClean="0">
+                <a:hlinkClick r:id="rId2"/>
+              </a:rPr>
+              <a:t>://developer.android.com/sdk/</a:t>
+            </a:r>
+            <a:r>
+              <a:rPr lang="en-US" dirty="0" smtClean="0">
+                <a:hlinkClick r:id="rId2"/>
+              </a:rPr>
+              <a:t>installing.html</a:t>
             </a:r>
             <a:endParaRPr lang="en-US" dirty="0" smtClean="0"/>
           </a:p>
           <a:p>
-            <a:r>
-              <a:rPr lang="en-US" dirty="0" smtClean="0"/>
-              <a:t>“Eclipse Classic” recommended version</a:t>
-            </a:r>
-          </a:p>
-          <a:p>
-            <a:r>
-              <a:rPr lang="en-US" dirty="0" smtClean="0"/>
-              <a:t>Recommended Plugins (Eclipse Marketplace)</a:t>
-            </a:r>
-          </a:p>
-          <a:p>
-            <a:pPr lvl="1"/>
-            <a:r>
-              <a:rPr lang="en-US" smtClean="0"/>
-              <a:t>EGit</a:t>
-            </a:r>
+            <a:pPr marL="0" indent="0">
+              <a:buNone/>
+            </a:pPr>
             <a:endParaRPr lang="en-US" dirty="0" smtClean="0"/>
-          </a:p>
-          <a:p>
-            <a:pPr lvl="1"/>
-            <a:r>
-              <a:rPr lang="en-US" dirty="0" smtClean="0"/>
-              <a:t>Maven Integration for Eclipse</a:t>
-            </a:r>
-          </a:p>
-          <a:p>
-            <a:pPr lvl="1"/>
-            <a:r>
-              <a:rPr lang="en-US" dirty="0" smtClean="0"/>
-              <a:t>Spring Tools (STS)</a:t>
-            </a:r>
-            <a:endParaRPr lang="en-US" dirty="0"/>
           </a:p>
         </p:txBody>
       </p:sp>
     </p:spTree>
     <p:extLst>
       <p:ext uri="{BB962C8B-B14F-4D97-AF65-F5344CB8AC3E}">
-        <p14:creationId xmlns:p14="http://schemas.microsoft.com/office/powerpoint/2010/main" val="195098258"/>
+        <p14:creationId xmlns:p14="http://schemas.microsoft.com/office/powerpoint/2010/main" val="2250275275"/>
       </p:ext>
     </p:extLst>
   </p:cSld>
@@ -9409,7 +9667,7 @@
           <a:p>
             <a:r>
               <a:rPr lang="en-US" dirty="0" smtClean="0"/>
-              <a:t>Android SDK</a:t>
+              <a:t>JDK</a:t>
             </a:r>
             <a:endParaRPr lang="en-US" dirty="0"/>
           </a:p>
@@ -9427,66 +9685,111 @@
         </p:nvSpPr>
         <p:spPr/>
         <p:txBody>
-          <a:bodyPr/>
-          <a:lstStyle/>
-          <a:p>
-            <a:r>
-              <a:rPr lang="en-US" dirty="0" smtClean="0"/>
-              <a:t>Download at</a:t>
+          <a:bodyPr>
+            <a:normAutofit/>
+          </a:bodyPr>
+          <a:lstStyle/>
+          <a:p>
+            <a:r>
+              <a:rPr lang="en-US" dirty="0" smtClean="0"/>
+              <a:t>Check version with </a:t>
+            </a:r>
+          </a:p>
+          <a:p>
+            <a:pPr marL="457200" lvl="1" indent="0">
+              <a:buNone/>
+            </a:pPr>
+            <a:r>
+              <a:rPr lang="en-US" sz="2200" dirty="0" smtClean="0">
+                <a:latin typeface="Lucida Console"/>
+                <a:cs typeface="Lucida Console"/>
+              </a:rPr>
+              <a:t>$ java -version</a:t>
+            </a:r>
+          </a:p>
+          <a:p>
+            <a:pPr marL="457200" lvl="1" indent="0">
+              <a:buNone/>
+            </a:pPr>
+            <a:r>
+              <a:rPr lang="en-US" sz="2200" dirty="0" smtClean="0">
+                <a:latin typeface="Lucida Console"/>
+                <a:cs typeface="Lucida Console"/>
+              </a:rPr>
+              <a:t>java version "1.6.0_29"</a:t>
+            </a:r>
+          </a:p>
+          <a:p>
+            <a:pPr marL="457200" lvl="1" indent="0">
+              <a:buNone/>
+            </a:pPr>
+            <a:r>
+              <a:rPr lang="en-US" sz="2200" dirty="0" smtClean="0">
+                <a:latin typeface="Lucida Console"/>
+                <a:cs typeface="Lucida Console"/>
+              </a:rPr>
+              <a:t>Java(TM) SE Runtime Environment (build 1.6.0_29-b11-402-11M3527)</a:t>
+            </a:r>
+          </a:p>
+          <a:p>
+            <a:pPr marL="457200" lvl="1" indent="0">
+              <a:buNone/>
+            </a:pPr>
+            <a:r>
+              <a:rPr lang="en-US" sz="2200" dirty="0" smtClean="0">
+                <a:latin typeface="Lucida Console"/>
+                <a:cs typeface="Lucida Console"/>
+              </a:rPr>
+              <a:t>Java </a:t>
+            </a:r>
+            <a:r>
+              <a:rPr lang="en-US" sz="2200" dirty="0" err="1" smtClean="0">
+                <a:latin typeface="Lucida Console"/>
+                <a:cs typeface="Lucida Console"/>
+              </a:rPr>
+              <a:t>HotSpot</a:t>
+            </a:r>
+            <a:r>
+              <a:rPr lang="en-US" sz="2200" dirty="0" smtClean="0">
+                <a:latin typeface="Lucida Console"/>
+                <a:cs typeface="Lucida Console"/>
+              </a:rPr>
+              <a:t>(TM) 64-Bit Server VM (build 20.4-b02-402, mixed mode)</a:t>
+            </a:r>
+          </a:p>
+          <a:p>
+            <a:r>
+              <a:rPr lang="en-US" dirty="0" smtClean="0">
+                <a:cs typeface="Lucida Console"/>
+              </a:rPr>
+              <a:t>Download:</a:t>
             </a:r>
           </a:p>
           <a:p>
             <a:pPr lvl="1"/>
             <a:r>
               <a:rPr lang="en-US" dirty="0" smtClean="0">
+                <a:cs typeface="Lucida Console"/>
                 <a:hlinkClick r:id="rId2"/>
               </a:rPr>
-              <a:t>http://developer.android.com/sdk/</a:t>
-            </a:r>
-            <a:endParaRPr lang="en-US" dirty="0" smtClean="0"/>
-          </a:p>
-          <a:p>
-            <a:r>
-              <a:rPr lang="en-US" dirty="0" smtClean="0"/>
-              <a:t>Add Platforms &amp; Components</a:t>
-            </a:r>
+              <a:t>http://www.oracle.com/technetwork/java/javase/downloads/index.html</a:t>
+            </a:r>
+            <a:endParaRPr lang="en-US" dirty="0" smtClean="0">
+              <a:cs typeface="Lucida Console"/>
+            </a:endParaRPr>
           </a:p>
           <a:p>
             <a:pPr lvl="1"/>
-            <a:r>
-              <a:rPr lang="en-US" dirty="0" smtClean="0"/>
-              <a:t>Mac/Linux: </a:t>
-            </a:r>
-            <a:r>
-              <a:rPr lang="en-US" dirty="0" err="1" smtClean="0"/>
-              <a:t>android_sdk</a:t>
-            </a:r>
-            <a:r>
-              <a:rPr lang="en-US" dirty="0" smtClean="0"/>
-              <a:t>/tools/android</a:t>
-            </a:r>
-          </a:p>
-          <a:p>
-            <a:pPr lvl="1"/>
-            <a:r>
-              <a:rPr lang="en-US" dirty="0" smtClean="0"/>
-              <a:t>Win: SDK </a:t>
-            </a:r>
-            <a:r>
-              <a:rPr lang="en-US" dirty="0" err="1" smtClean="0"/>
-              <a:t>Manger.exe</a:t>
-            </a:r>
-            <a:endParaRPr lang="en-US" dirty="0"/>
-          </a:p>
-          <a:p>
-            <a:endParaRPr lang="en-US" dirty="0"/>
+            <a:endParaRPr lang="en-US" dirty="0">
+              <a:cs typeface="Lucida Console"/>
+            </a:endParaRPr>
           </a:p>
         </p:txBody>
       </p:sp>
     </p:spTree>
     <p:extLst>
       <p:ext uri="{BB962C8B-B14F-4D97-AF65-F5344CB8AC3E}">
-        <p14:creationId xmlns:p14="http://schemas.microsoft.com/office/powerpoint/2010/main" val="45340288"/>
+        <p14:creationId xmlns:p14="http://schemas.microsoft.com/office/powerpoint/2010/main" val="926608828"/>
       </p:ext>
     </p:extLst>
   </p:cSld>
@@ -9529,8 +9832,8 @@
           <a:lstStyle/>
           <a:p>
             <a:r>
-              <a:rPr lang="en-US" dirty="0" err="1" smtClean="0"/>
-              <a:t>Git</a:t>
+              <a:rPr lang="en-US" dirty="0" smtClean="0"/>
+              <a:t>Eclipse</a:t>
             </a:r>
             <a:endParaRPr lang="en-US" dirty="0"/>
           </a:p>
@@ -9548,49 +9851,47 @@
         </p:nvSpPr>
         <p:spPr/>
         <p:txBody>
-          <a:bodyPr>
-            <a:normAutofit fontScale="92500" lnSpcReduction="10000"/>
-          </a:bodyPr>
-          <a:lstStyle/>
-          <a:p>
+          <a:bodyPr/>
+          <a:lstStyle/>
+          <a:p>
+            <a:r>
+              <a:rPr lang="en-US" dirty="0" smtClean="0"/>
+              <a:t>Current version: Indigo 3.7.1</a:t>
+            </a:r>
+          </a:p>
+          <a:p>
+            <a:r>
+              <a:rPr lang="en-US" dirty="0" smtClean="0"/>
+              <a:t>Download:</a:t>
+            </a:r>
+          </a:p>
+          <a:p>
+            <a:pPr lvl="1"/>
             <a:r>
               <a:rPr lang="en-US" dirty="0" smtClean="0">
                 <a:hlinkClick r:id="rId2"/>
               </a:rPr>
-              <a:t>http://git-scm.com/download</a:t>
+              <a:t>http://eclipse.org/downloads/</a:t>
             </a:r>
             <a:endParaRPr lang="en-US" dirty="0" smtClean="0"/>
           </a:p>
           <a:p>
             <a:r>
               <a:rPr lang="en-US" dirty="0" smtClean="0"/>
-              <a:t>Other installation</a:t>
+              <a:t>“Eclipse Classic” recommended version</a:t>
+            </a:r>
+          </a:p>
+          <a:p>
+            <a:r>
+              <a:rPr lang="en-US" dirty="0" smtClean="0"/>
+              <a:t>Recommended Plugins (Eclipse Marketplace)</a:t>
             </a:r>
           </a:p>
           <a:p>
             <a:pPr lvl="1"/>
             <a:r>
-              <a:rPr lang="en-US" dirty="0" err="1" smtClean="0"/>
-              <a:t>Debian</a:t>
-            </a:r>
-            <a:r>
-              <a:rPr lang="en-US" dirty="0" smtClean="0"/>
-              <a:t> based Linux</a:t>
-            </a:r>
-          </a:p>
-          <a:p>
-            <a:pPr lvl="2"/>
-            <a:r>
-              <a:rPr lang="en-US" dirty="0"/>
-              <a:t>a</a:t>
-            </a:r>
-            <a:r>
-              <a:rPr lang="en-US" dirty="0" smtClean="0"/>
-              <a:t>pt-get install </a:t>
-            </a:r>
-            <a:r>
-              <a:rPr lang="en-US" dirty="0" err="1" smtClean="0"/>
-              <a:t>git</a:t>
+              <a:rPr lang="en-US" smtClean="0"/>
+              <a:t>EGit</a:t>
             </a:r>
             <a:endParaRPr lang="en-US" dirty="0" smtClean="0"/>
           </a:p>
@@ -9598,61 +9899,15 @@
             <a:pPr lvl="1"/>
             <a:r>
               <a:rPr lang="en-US" dirty="0" smtClean="0"/>
-              <a:t>OS X (with Homebrew)</a:t>
-            </a:r>
-          </a:p>
-          <a:p>
-            <a:pPr lvl="2"/>
-            <a:r>
-              <a:rPr lang="en-US" dirty="0"/>
-              <a:t>b</a:t>
-            </a:r>
-            <a:r>
-              <a:rPr lang="en-US" dirty="0" smtClean="0"/>
-              <a:t>rew install </a:t>
-            </a:r>
-            <a:r>
-              <a:rPr lang="en-US" dirty="0" err="1" smtClean="0"/>
-              <a:t>git</a:t>
-            </a:r>
-            <a:endParaRPr lang="en-US" dirty="0" smtClean="0"/>
-          </a:p>
-          <a:p>
-            <a:r>
-              <a:rPr lang="en-US" dirty="0" smtClean="0"/>
-              <a:t>Windows Help</a:t>
+              <a:t>Maven Integration for Eclipse</a:t>
             </a:r>
           </a:p>
           <a:p>
             <a:pPr lvl="1"/>
             <a:r>
-              <a:rPr lang="en-US" dirty="0" smtClean="0">
-                <a:hlinkClick r:id="rId3"/>
-              </a:rPr>
-              <a:t>http://help.github.com/win-set-up-git/</a:t>
-            </a:r>
-            <a:endParaRPr lang="en-US" dirty="0" smtClean="0"/>
-          </a:p>
-          <a:p>
-            <a:r>
-              <a:rPr lang="en-US" dirty="0" smtClean="0"/>
-              <a:t>Tutorial</a:t>
-            </a:r>
-          </a:p>
-          <a:p>
-            <a:pPr lvl="1"/>
-            <a:r>
-              <a:rPr lang="en-US" dirty="0" smtClean="0">
-                <a:hlinkClick r:id="rId4"/>
-              </a:rPr>
-              <a:t>http://rogerdudler.github.com/git-guide/</a:t>
-            </a:r>
-            <a:endParaRPr lang="en-US" dirty="0" smtClean="0"/>
-          </a:p>
-          <a:p>
-            <a:pPr marL="457200" lvl="1" indent="0">
-              <a:buNone/>
-            </a:pPr>
+              <a:rPr lang="en-US" dirty="0" smtClean="0"/>
+              <a:t>Spring Tools (STS)</a:t>
+            </a:r>
             <a:endParaRPr lang="en-US" dirty="0"/>
           </a:p>
         </p:txBody>
@@ -9660,7 +9915,7 @@
     </p:spTree>
     <p:extLst>
       <p:ext uri="{BB962C8B-B14F-4D97-AF65-F5344CB8AC3E}">
-        <p14:creationId xmlns:p14="http://schemas.microsoft.com/office/powerpoint/2010/main" val="2584857097"/>
+        <p14:creationId xmlns:p14="http://schemas.microsoft.com/office/powerpoint/2010/main" val="195098258"/>
       </p:ext>
     </p:extLst>
   </p:cSld>
@@ -9704,7 +9959,7 @@
           <a:p>
             <a:r>
               <a:rPr lang="en-US" dirty="0" smtClean="0"/>
-              <a:t>Books</a:t>
+              <a:t>Android SDK</a:t>
             </a:r>
             <a:endParaRPr lang="en-US" dirty="0"/>
           </a:p>
@@ -9712,7 +9967,7 @@
       </p:sp>
       <p:sp>
         <p:nvSpPr>
-          <p:cNvPr id="5" name="Content Placeholder 4"/>
+          <p:cNvPr id="3" name="Content Placeholder 2"/>
           <p:cNvSpPr>
             <a:spLocks noGrp="1"/>
           </p:cNvSpPr>
@@ -9722,137 +9977,55 @@
         </p:nvSpPr>
         <p:spPr/>
         <p:txBody>
-          <a:bodyPr>
-            <a:normAutofit/>
-          </a:bodyPr>
-          <a:lstStyle/>
-          <a:p>
-            <a:r>
-              <a:rPr lang="en-US" sz="2600" b="1" dirty="0"/>
-              <a:t>Android in Action, Third Edition</a:t>
+          <a:bodyPr/>
+          <a:lstStyle/>
+          <a:p>
+            <a:r>
+              <a:rPr lang="en-US" dirty="0" smtClean="0"/>
+              <a:t>Download at</a:t>
             </a:r>
           </a:p>
           <a:p>
             <a:pPr lvl="1"/>
             <a:r>
-              <a:rPr lang="en-US" sz="2600" dirty="0" smtClean="0"/>
-              <a:t>W</a:t>
-            </a:r>
-            <a:r>
-              <a:rPr lang="en-US" sz="2600" dirty="0"/>
-              <a:t>. Frank </a:t>
-            </a:r>
-            <a:r>
-              <a:rPr lang="en-US" sz="2600" dirty="0" err="1"/>
-              <a:t>Ableson</a:t>
-            </a:r>
-            <a:r>
-              <a:rPr lang="en-US" sz="2600" dirty="0"/>
-              <a:t>; </a:t>
-            </a:r>
-            <a:r>
-              <a:rPr lang="en-US" sz="2600" dirty="0" err="1"/>
-              <a:t>Robi</a:t>
-            </a:r>
-            <a:r>
-              <a:rPr lang="en-US" sz="2600" dirty="0"/>
-              <a:t> </a:t>
-            </a:r>
-            <a:r>
-              <a:rPr lang="en-US" sz="2600" dirty="0" err="1"/>
-              <a:t>Sen</a:t>
-            </a:r>
-            <a:r>
-              <a:rPr lang="en-US" sz="2600" dirty="0"/>
-              <a:t>; Chris King; C. Enrique Ortiz</a:t>
-            </a:r>
-          </a:p>
-          <a:p>
-            <a:r>
-              <a:rPr lang="en-US" sz="2600" b="1" dirty="0"/>
-              <a:t>Pro Android 3</a:t>
+              <a:rPr lang="en-US" dirty="0" smtClean="0">
+                <a:hlinkClick r:id="rId2"/>
+              </a:rPr>
+              <a:t>http://developer.android.com/sdk/</a:t>
+            </a:r>
+            <a:endParaRPr lang="en-US" dirty="0" smtClean="0"/>
+          </a:p>
+          <a:p>
+            <a:r>
+              <a:rPr lang="en-US" dirty="0" smtClean="0"/>
+              <a:t>Add Platforms &amp; Components</a:t>
             </a:r>
           </a:p>
           <a:p>
             <a:pPr lvl="1"/>
             <a:r>
-              <a:rPr lang="en-US" sz="2600" dirty="0" err="1" smtClean="0"/>
-              <a:t>Satya</a:t>
-            </a:r>
-            <a:r>
-              <a:rPr lang="en-US" sz="2600" dirty="0" smtClean="0"/>
-              <a:t> </a:t>
-            </a:r>
-            <a:r>
-              <a:rPr lang="en-US" sz="2600" dirty="0" err="1"/>
-              <a:t>Komatineni</a:t>
-            </a:r>
-            <a:r>
-              <a:rPr lang="en-US" sz="2600" dirty="0"/>
-              <a:t>; Dave MacLean; </a:t>
-            </a:r>
-            <a:r>
-              <a:rPr lang="en-US" sz="2600" dirty="0" err="1"/>
-              <a:t>Sayed</a:t>
-            </a:r>
-            <a:r>
-              <a:rPr lang="en-US" sz="2600" dirty="0"/>
-              <a:t> Y. </a:t>
-            </a:r>
-            <a:r>
-              <a:rPr lang="en-US" sz="2600" dirty="0" err="1"/>
-              <a:t>Hashimi</a:t>
-            </a:r>
-            <a:endParaRPr lang="en-US" sz="2600" dirty="0"/>
-          </a:p>
-          <a:p>
-            <a:r>
-              <a:rPr lang="en-US" sz="2600" b="1" dirty="0"/>
-              <a:t>Learning Android</a:t>
+              <a:rPr lang="en-US" dirty="0" smtClean="0"/>
+              <a:t>Mac/Linux: </a:t>
+            </a:r>
+            <a:r>
+              <a:rPr lang="en-US" dirty="0" err="1" smtClean="0"/>
+              <a:t>android_sdk</a:t>
+            </a:r>
+            <a:r>
+              <a:rPr lang="en-US" dirty="0" smtClean="0"/>
+              <a:t>/tools/android</a:t>
             </a:r>
           </a:p>
           <a:p>
             <a:pPr lvl="1"/>
             <a:r>
-              <a:rPr lang="en-US" sz="2600" dirty="0" smtClean="0"/>
-              <a:t>Marko </a:t>
-            </a:r>
-            <a:r>
-              <a:rPr lang="en-US" sz="2600" dirty="0" err="1" smtClean="0"/>
-              <a:t>Gargenta</a:t>
-            </a:r>
-            <a:endParaRPr lang="en-US" sz="2600" dirty="0"/>
-          </a:p>
-          <a:p>
-            <a:r>
-              <a:rPr lang="en-US" sz="2600" b="1" dirty="0" smtClean="0"/>
-              <a:t>Professional Android</a:t>
-            </a:r>
-            <a:r>
-              <a:rPr lang="en-US" sz="2600" b="1" dirty="0"/>
-              <a:t> </a:t>
-            </a:r>
-            <a:r>
-              <a:rPr lang="en-US" sz="2600" b="1" dirty="0" smtClean="0"/>
-              <a:t>2 </a:t>
-            </a:r>
-            <a:r>
-              <a:rPr lang="en-US" sz="2600" b="1" dirty="0"/>
-              <a:t>Application Development</a:t>
-            </a:r>
-          </a:p>
-          <a:p>
-            <a:pPr lvl="1"/>
-            <a:r>
-              <a:rPr lang="en-US" sz="2600" dirty="0" err="1" smtClean="0"/>
-              <a:t>Reto</a:t>
-            </a:r>
-            <a:r>
-              <a:rPr lang="en-US" sz="2600" dirty="0" smtClean="0"/>
-              <a:t> Meier</a:t>
-            </a:r>
-          </a:p>
-          <a:p>
+              <a:rPr lang="en-US" dirty="0" smtClean="0"/>
+              <a:t>Win: SDK </a:t>
+            </a:r>
+            <a:r>
+              <a:rPr lang="en-US" dirty="0" err="1" smtClean="0"/>
+              <a:t>Manger.exe</a:t>
+            </a:r>
             <a:endParaRPr lang="en-US" dirty="0"/>
           </a:p>
           <a:p>
@@ -9863,7 +10036,7 @@
     </p:spTree>
     <p:extLst>
       <p:ext uri="{BB962C8B-B14F-4D97-AF65-F5344CB8AC3E}">
-        <p14:creationId xmlns:p14="http://schemas.microsoft.com/office/powerpoint/2010/main" val="461834404"/>
+        <p14:creationId xmlns:p14="http://schemas.microsoft.com/office/powerpoint/2010/main" val="45340288"/>
       </p:ext>
     </p:extLst>
   </p:cSld>
@@ -9906,8 +10079,8 @@
           <a:lstStyle/>
           <a:p>
             <a:r>
-              <a:rPr lang="en-US" dirty="0" smtClean="0"/>
-              <a:t>Other Resources</a:t>
+              <a:rPr lang="en-US" dirty="0" err="1" smtClean="0"/>
+              <a:t>Git</a:t>
             </a:r>
             <a:endParaRPr lang="en-US" dirty="0"/>
           </a:p>
@@ -9925,55 +10098,109 @@
         </p:nvSpPr>
         <p:spPr/>
         <p:txBody>
-          <a:bodyPr/>
+          <a:bodyPr>
+            <a:normAutofit fontScale="92500" lnSpcReduction="10000"/>
+          </a:bodyPr>
           <a:lstStyle/>
           <a:p>
             <a:r>
               <a:rPr lang="en-US" dirty="0" smtClean="0">
                 <a:hlinkClick r:id="rId2"/>
               </a:rPr>
-              <a:t>http</a:t>
-            </a:r>
-            <a:r>
-              <a:rPr lang="en-US" dirty="0">
-                <a:hlinkClick r:id="rId2"/>
-              </a:rPr>
-              <a:t>://</a:t>
-            </a:r>
-            <a:r>
-              <a:rPr lang="en-US" dirty="0" smtClean="0">
-                <a:hlinkClick r:id="rId2"/>
-              </a:rPr>
-              <a:t>developer.android.com</a:t>
+              <a:t>http://git-scm.com/download</a:t>
             </a:r>
             <a:endParaRPr lang="en-US" dirty="0" smtClean="0"/>
           </a:p>
           <a:p>
             <a:r>
-              <a:rPr lang="en-US" dirty="0">
-                <a:hlinkClick r:id="rId3"/>
-              </a:rPr>
-              <a:t>http://</a:t>
-            </a:r>
+              <a:rPr lang="en-US" dirty="0" smtClean="0"/>
+              <a:t>Other installation</a:t>
+            </a:r>
+          </a:p>
+          <a:p>
+            <a:pPr lvl="1"/>
+            <a:r>
+              <a:rPr lang="en-US" dirty="0" err="1" smtClean="0"/>
+              <a:t>Debian</a:t>
+            </a:r>
+            <a:r>
+              <a:rPr lang="en-US" dirty="0" smtClean="0"/>
+              <a:t> based Linux</a:t>
+            </a:r>
+          </a:p>
+          <a:p>
+            <a:pPr lvl="2"/>
+            <a:r>
+              <a:rPr lang="en-US" dirty="0"/>
+              <a:t>a</a:t>
+            </a:r>
+            <a:r>
+              <a:rPr lang="en-US" dirty="0" smtClean="0"/>
+              <a:t>pt-get install </a:t>
+            </a:r>
+            <a:r>
+              <a:rPr lang="en-US" dirty="0" err="1" smtClean="0"/>
+              <a:t>git</a:t>
+            </a:r>
+            <a:endParaRPr lang="en-US" dirty="0" smtClean="0"/>
+          </a:p>
+          <a:p>
+            <a:pPr lvl="1"/>
+            <a:r>
+              <a:rPr lang="en-US" dirty="0" smtClean="0"/>
+              <a:t>OS X (with Homebrew)</a:t>
+            </a:r>
+          </a:p>
+          <a:p>
+            <a:pPr lvl="2"/>
+            <a:r>
+              <a:rPr lang="en-US" dirty="0"/>
+              <a:t>b</a:t>
+            </a:r>
+            <a:r>
+              <a:rPr lang="en-US" dirty="0" smtClean="0"/>
+              <a:t>rew install </a:t>
+            </a:r>
+            <a:r>
+              <a:rPr lang="en-US" dirty="0" err="1" smtClean="0"/>
+              <a:t>git</a:t>
+            </a:r>
+            <a:endParaRPr lang="en-US" dirty="0" smtClean="0"/>
+          </a:p>
+          <a:p>
+            <a:r>
+              <a:rPr lang="en-US" dirty="0" smtClean="0"/>
+              <a:t>Windows Help</a:t>
+            </a:r>
+          </a:p>
+          <a:p>
+            <a:pPr lvl="1"/>
             <a:r>
               <a:rPr lang="en-US" dirty="0" smtClean="0">
                 <a:hlinkClick r:id="rId3"/>
               </a:rPr>
-              <a:t>vkedco.blogspot.com</a:t>
+              <a:t>http://help.github.com/win-set-up-git/</a:t>
             </a:r>
             <a:endParaRPr lang="en-US" dirty="0" smtClean="0"/>
           </a:p>
           <a:p>
+            <a:r>
+              <a:rPr lang="en-US" dirty="0" smtClean="0"/>
+              <a:t>Tutorial</a:t>
+            </a:r>
+          </a:p>
+          <a:p>
+            <a:pPr lvl="1"/>
             <a:r>
               <a:rPr lang="en-US" dirty="0" smtClean="0">
                 <a:hlinkClick r:id="rId4"/>
               </a:rPr>
-              <a:t>http://code.chadmaughan.com</a:t>
+              <a:t>http://rogerdudler.github.com/git-guide/</a:t>
             </a:r>
             <a:endParaRPr lang="en-US" dirty="0" smtClean="0"/>
           </a:p>
           <a:p>
-            <a:pPr marL="0" indent="0">
+            <a:pPr marL="457200" lvl="1" indent="0">
               <a:buNone/>
             </a:pPr>
             <a:endParaRPr lang="en-US" dirty="0"/>
@@ -9983,7 +10210,7 @@
     </p:spTree>
     <p:extLst>
       <p:ext uri="{BB962C8B-B14F-4D97-AF65-F5344CB8AC3E}">
-        <p14:creationId xmlns:p14="http://schemas.microsoft.com/office/powerpoint/2010/main" val="444662839"/>
+        <p14:creationId xmlns:p14="http://schemas.microsoft.com/office/powerpoint/2010/main" val="2584857097"/>
       </p:ext>
     </p:extLst>
   </p:cSld>

--- a/android.pptx
+++ b/android.pptx
@@ -7738,25 +7738,54 @@
           </a:p>
         </p:txBody>
       </p:sp>
-      <p:sp>
-        <p:nvSpPr>
-          <p:cNvPr id="3" name="Content Placeholder 2"/>
-          <p:cNvSpPr>
-            <a:spLocks noGrp="1"/>
-          </p:cNvSpPr>
-          <p:nvPr>
-            <p:ph idx="1"/>
-          </p:nvPr>
-        </p:nvSpPr>
-        <p:spPr/>
-        <p:txBody>
-          <a:bodyPr/>
-          <a:lstStyle/>
-          <a:p>
-            <a:endParaRPr lang="en-US"/>
-          </a:p>
-        </p:txBody>
-      </p:sp>
+      <p:pic>
+        <p:nvPicPr>
+          <p:cNvPr id="5" name="Picture 4"/>
+          <p:cNvPicPr>
+            <a:picLocks noChangeAspect="1"/>
+          </p:cNvPicPr>
+          <p:nvPr/>
+        </p:nvPicPr>
+        <p:blipFill>
+          <a:blip r:embed="rId2"/>
+          <a:stretch>
+            <a:fillRect/>
+          </a:stretch>
+        </p:blipFill>
+        <p:spPr>
+          <a:xfrm>
+            <a:off x="5099671" y="1417637"/>
+            <a:ext cx="2932335" cy="4835359"/>
+          </a:xfrm>
+          <a:prstGeom prst="rect">
+            <a:avLst/>
+          </a:prstGeom>
+        </p:spPr>
+      </p:pic>
+      <p:pic>
+        <p:nvPicPr>
+          <p:cNvPr id="6" name="Picture 5"/>
+          <p:cNvPicPr>
+            <a:picLocks noChangeAspect="1"/>
+          </p:cNvPicPr>
+          <p:nvPr/>
+        </p:nvPicPr>
+        <p:blipFill>
+          <a:blip r:embed="rId3"/>
+          <a:stretch>
+            <a:fillRect/>
+          </a:stretch>
+        </p:blipFill>
+        <p:spPr>
+          <a:xfrm>
+            <a:off x="1149630" y="1417638"/>
+            <a:ext cx="2907185" cy="4835359"/>
+          </a:xfrm>
+          <a:prstGeom prst="rect">
+            <a:avLst/>
+          </a:prstGeom>
+        </p:spPr>
+      </p:pic>
     </p:spTree>
     <p:extLst>
       <p:ext uri="{BB962C8B-B14F-4D97-AF65-F5344CB8AC3E}">
